--- a/cloud/培训 - webpack.pptx
+++ b/cloud/培训 - webpack.pptx
@@ -1,9 +1,45 @@
 
 <file path=ppt/presentation.xml><?xml version="1.0" encoding="utf-8"?>
-<p:presentation xmlns:a="http://schemas.openxmlformats.org/drawingml/2006/main" xmlns:r="http://schemas.openxmlformats.org/officeDocument/2006/relationships" xmlns:p="http://schemas.openxmlformats.org/presentationml/2006/main" saveSubsetFonts="1">
+<p:presentation xmlns:a="http://schemas.openxmlformats.org/drawingml/2006/main" xmlns:r="http://schemas.openxmlformats.org/officeDocument/2006/relationships" xmlns:p="http://schemas.openxmlformats.org/presentationml/2006/main">
   <p:sldMasterIdLst>
     <p:sldMasterId id="2147483648" r:id="rId1"/>
   </p:sldMasterIdLst>
+  <p:notesMasterIdLst>
+    <p:notesMasterId r:id="rId34"/>
+  </p:notesMasterIdLst>
+  <p:sldIdLst>
+    <p:sldId id="256" r:id="rId3"/>
+    <p:sldId id="257" r:id="rId4"/>
+    <p:sldId id="261" r:id="rId5"/>
+    <p:sldId id="258" r:id="rId6"/>
+    <p:sldId id="259" r:id="rId7"/>
+    <p:sldId id="262" r:id="rId8"/>
+    <p:sldId id="266" r:id="rId9"/>
+    <p:sldId id="267" r:id="rId10"/>
+    <p:sldId id="270" r:id="rId11"/>
+    <p:sldId id="272" r:id="rId12"/>
+    <p:sldId id="273" r:id="rId13"/>
+    <p:sldId id="275" r:id="rId14"/>
+    <p:sldId id="276" r:id="rId15"/>
+    <p:sldId id="277" r:id="rId16"/>
+    <p:sldId id="280" r:id="rId17"/>
+    <p:sldId id="278" r:id="rId18"/>
+    <p:sldId id="279" r:id="rId19"/>
+    <p:sldId id="284" r:id="rId20"/>
+    <p:sldId id="281" r:id="rId21"/>
+    <p:sldId id="290" r:id="rId22"/>
+    <p:sldId id="282" r:id="rId23"/>
+    <p:sldId id="289" r:id="rId24"/>
+    <p:sldId id="286" r:id="rId25"/>
+    <p:sldId id="292" r:id="rId26"/>
+    <p:sldId id="287" r:id="rId27"/>
+    <p:sldId id="288" r:id="rId28"/>
+    <p:sldId id="294" r:id="rId29"/>
+    <p:sldId id="283" r:id="rId30"/>
+    <p:sldId id="295" r:id="rId31"/>
+    <p:sldId id="296" r:id="rId32"/>
+    <p:sldId id="297" r:id="rId33"/>
+  </p:sldIdLst>
   <p:sldSz cx="12192000" cy="6858000"/>
   <p:notesSz cx="6858000" cy="9144000"/>
   <p:defaultTextStyle>
@@ -104,6 +140,397 @@
 </p:presentation>
 </file>
 
+<file path=ppt/notesMasters/notesMaster1.xml><?xml version="1.0" encoding="utf-8"?>
+<p:notesMaster xmlns:a="http://schemas.openxmlformats.org/drawingml/2006/main" xmlns:r="http://schemas.openxmlformats.org/officeDocument/2006/relationships" xmlns:p="http://schemas.openxmlformats.org/presentationml/2006/main">
+  <p:cSld>
+    <p:bg>
+      <p:bgRef idx="1001">
+        <a:schemeClr val="bg1"/>
+      </p:bgRef>
+    </p:bg>
+    <p:spTree>
+      <p:nvGrpSpPr>
+        <p:cNvPr id="1" name=""/>
+        <p:cNvGrpSpPr/>
+        <p:nvPr/>
+      </p:nvGrpSpPr>
+      <p:grpSpPr>
+        <a:xfrm>
+          <a:off x="0" y="0"/>
+          <a:ext cx="0" cy="0"/>
+          <a:chOff x="0" y="0"/>
+          <a:chExt cx="0" cy="0"/>
+        </a:xfrm>
+      </p:grpSpPr>
+      <p:sp>
+        <p:nvSpPr>
+          <p:cNvPr id="2" name="页眉占位符 1"/>
+          <p:cNvSpPr>
+            <a:spLocks noGrp="1"/>
+          </p:cNvSpPr>
+          <p:nvPr>
+            <p:ph type="hdr" sz="quarter"/>
+          </p:nvPr>
+        </p:nvSpPr>
+        <p:spPr>
+          <a:xfrm>
+            <a:off x="0" y="0"/>
+            <a:ext cx="2971800" cy="458788"/>
+          </a:xfrm>
+          <a:prstGeom prst="rect">
+            <a:avLst/>
+          </a:prstGeom>
+        </p:spPr>
+        <p:txBody>
+          <a:bodyPr vert="horz" lIns="91440" tIns="45720" rIns="91440" bIns="45720" rtlCol="0"/>
+          <a:lstStyle>
+            <a:lvl1pPr algn="l">
+              <a:defRPr sz="1200"/>
+            </a:lvl1pPr>
+          </a:lstStyle>
+          <a:p>
+            <a:endParaRPr lang="zh-CN" altLang="en-US"/>
+          </a:p>
+        </p:txBody>
+      </p:sp>
+      <p:sp>
+        <p:nvSpPr>
+          <p:cNvPr id="3" name="日期占位符 2"/>
+          <p:cNvSpPr>
+            <a:spLocks noGrp="1"/>
+          </p:cNvSpPr>
+          <p:nvPr>
+            <p:ph type="dt" idx="1"/>
+          </p:nvPr>
+        </p:nvSpPr>
+        <p:spPr>
+          <a:xfrm>
+            <a:off x="3884613" y="0"/>
+            <a:ext cx="2971800" cy="458788"/>
+          </a:xfrm>
+          <a:prstGeom prst="rect">
+            <a:avLst/>
+          </a:prstGeom>
+        </p:spPr>
+        <p:txBody>
+          <a:bodyPr vert="horz" lIns="91440" tIns="45720" rIns="91440" bIns="45720" rtlCol="0"/>
+          <a:lstStyle>
+            <a:lvl1pPr algn="r">
+              <a:defRPr sz="1200"/>
+            </a:lvl1pPr>
+          </a:lstStyle>
+          <a:p>
+            <a:fld id="{D2A48B96-639E-45A3-A0BA-2464DFDB1FAA}" type="datetimeFigureOut">
+              <a:rPr lang="zh-CN" altLang="en-US" smtClean="0"/>
+            </a:fld>
+            <a:endParaRPr lang="zh-CN" altLang="en-US"/>
+          </a:p>
+        </p:txBody>
+      </p:sp>
+      <p:sp>
+        <p:nvSpPr>
+          <p:cNvPr id="4" name="幻灯片图像占位符 3"/>
+          <p:cNvSpPr>
+            <a:spLocks noGrp="1" noRot="1" noChangeAspect="1"/>
+          </p:cNvSpPr>
+          <p:nvPr>
+            <p:ph type="sldImg" idx="2"/>
+          </p:nvPr>
+        </p:nvSpPr>
+        <p:spPr>
+          <a:xfrm>
+            <a:off x="685800" y="1143000"/>
+            <a:ext cx="5486400" cy="3086100"/>
+          </a:xfrm>
+          <a:prstGeom prst="rect">
+            <a:avLst/>
+          </a:prstGeom>
+          <a:noFill/>
+          <a:ln w="12700">
+            <a:solidFill>
+              <a:prstClr val="black"/>
+            </a:solidFill>
+          </a:ln>
+        </p:spPr>
+        <p:txBody>
+          <a:bodyPr vert="horz" lIns="91440" tIns="45720" rIns="91440" bIns="45720" rtlCol="0" anchor="ctr"/>
+          <a:lstStyle/>
+          <a:p>
+            <a:endParaRPr lang="zh-CN" altLang="en-US"/>
+          </a:p>
+        </p:txBody>
+      </p:sp>
+      <p:sp>
+        <p:nvSpPr>
+          <p:cNvPr id="5" name="备注占位符 4"/>
+          <p:cNvSpPr>
+            <a:spLocks noGrp="1"/>
+          </p:cNvSpPr>
+          <p:nvPr>
+            <p:ph type="body" sz="quarter" idx="3"/>
+          </p:nvPr>
+        </p:nvSpPr>
+        <p:spPr>
+          <a:xfrm>
+            <a:off x="685800" y="4400550"/>
+            <a:ext cx="5486400" cy="3600450"/>
+          </a:xfrm>
+          <a:prstGeom prst="rect">
+            <a:avLst/>
+          </a:prstGeom>
+        </p:spPr>
+        <p:txBody>
+          <a:bodyPr vert="horz" lIns="91440" tIns="45720" rIns="91440" bIns="45720" rtlCol="0"/>
+          <a:lstStyle/>
+          <a:p>
+            <a:pPr lvl="0"/>
+            <a:r>
+              <a:rPr lang="zh-CN" altLang="en-US" smtClean="0"/>
+              <a:t>单击此处编辑母版文本样式</a:t>
+            </a:r>
+            <a:endParaRPr lang="zh-CN" altLang="en-US" smtClean="0"/>
+          </a:p>
+          <a:p>
+            <a:pPr lvl="1"/>
+            <a:r>
+              <a:rPr lang="zh-CN" altLang="en-US" smtClean="0"/>
+              <a:t>第二级</a:t>
+            </a:r>
+            <a:endParaRPr lang="zh-CN" altLang="en-US" smtClean="0"/>
+          </a:p>
+          <a:p>
+            <a:pPr lvl="2"/>
+            <a:r>
+              <a:rPr lang="zh-CN" altLang="en-US" smtClean="0"/>
+              <a:t>第三级</a:t>
+            </a:r>
+            <a:endParaRPr lang="zh-CN" altLang="en-US" smtClean="0"/>
+          </a:p>
+          <a:p>
+            <a:pPr lvl="3"/>
+            <a:r>
+              <a:rPr lang="zh-CN" altLang="en-US" smtClean="0"/>
+              <a:t>第四级</a:t>
+            </a:r>
+            <a:endParaRPr lang="zh-CN" altLang="en-US" smtClean="0"/>
+          </a:p>
+          <a:p>
+            <a:pPr lvl="4"/>
+            <a:r>
+              <a:rPr lang="zh-CN" altLang="en-US" smtClean="0"/>
+              <a:t>第五级</a:t>
+            </a:r>
+            <a:endParaRPr lang="zh-CN" altLang="en-US"/>
+          </a:p>
+        </p:txBody>
+      </p:sp>
+      <p:sp>
+        <p:nvSpPr>
+          <p:cNvPr id="6" name="页脚占位符 5"/>
+          <p:cNvSpPr>
+            <a:spLocks noGrp="1"/>
+          </p:cNvSpPr>
+          <p:nvPr>
+            <p:ph type="ftr" sz="quarter" idx="4"/>
+          </p:nvPr>
+        </p:nvSpPr>
+        <p:spPr>
+          <a:xfrm>
+            <a:off x="0" y="8685213"/>
+            <a:ext cx="2971800" cy="458787"/>
+          </a:xfrm>
+          <a:prstGeom prst="rect">
+            <a:avLst/>
+          </a:prstGeom>
+        </p:spPr>
+        <p:txBody>
+          <a:bodyPr vert="horz" lIns="91440" tIns="45720" rIns="91440" bIns="45720" rtlCol="0" anchor="b"/>
+          <a:lstStyle>
+            <a:lvl1pPr algn="l">
+              <a:defRPr sz="1200"/>
+            </a:lvl1pPr>
+          </a:lstStyle>
+          <a:p>
+            <a:endParaRPr lang="zh-CN" altLang="en-US"/>
+          </a:p>
+        </p:txBody>
+      </p:sp>
+      <p:sp>
+        <p:nvSpPr>
+          <p:cNvPr id="7" name="灯片编号占位符 6"/>
+          <p:cNvSpPr>
+            <a:spLocks noGrp="1"/>
+          </p:cNvSpPr>
+          <p:nvPr>
+            <p:ph type="sldNum" sz="quarter" idx="5"/>
+          </p:nvPr>
+        </p:nvSpPr>
+        <p:spPr>
+          <a:xfrm>
+            <a:off x="3884613" y="8685213"/>
+            <a:ext cx="2971800" cy="458787"/>
+          </a:xfrm>
+          <a:prstGeom prst="rect">
+            <a:avLst/>
+          </a:prstGeom>
+        </p:spPr>
+        <p:txBody>
+          <a:bodyPr vert="horz" lIns="91440" tIns="45720" rIns="91440" bIns="45720" rtlCol="0" anchor="b"/>
+          <a:lstStyle>
+            <a:lvl1pPr algn="r">
+              <a:defRPr sz="1200"/>
+            </a:lvl1pPr>
+          </a:lstStyle>
+          <a:p>
+            <a:fld id="{A6837353-30EB-4A48-80EB-173D804AEFBD}" type="slidenum">
+              <a:rPr lang="zh-CN" altLang="en-US" smtClean="0"/>
+            </a:fld>
+            <a:endParaRPr lang="zh-CN" altLang="en-US"/>
+          </a:p>
+        </p:txBody>
+      </p:sp>
+    </p:spTree>
+  </p:cSld>
+  <p:clrMap bg1="lt1" tx1="dk1" bg2="lt2" tx2="dk2" accent1="accent1" accent2="accent2" accent3="accent3" accent4="accent4" accent5="accent5" accent6="accent6" hlink="hlink" folHlink="folHlink"/>
+  <p:notesStyle>
+    <a:lvl1pPr marL="0" algn="l" defTabSz="914400" rtl="0" eaLnBrk="1" latinLnBrk="0" hangingPunct="1">
+      <a:defRPr sz="1200" kern="1200">
+        <a:solidFill>
+          <a:schemeClr val="tx1"/>
+        </a:solidFill>
+        <a:latin typeface="+mn-lt"/>
+        <a:ea typeface="+mn-ea"/>
+        <a:cs typeface="+mn-cs"/>
+      </a:defRPr>
+    </a:lvl1pPr>
+    <a:lvl2pPr marL="457200" algn="l" defTabSz="914400" rtl="0" eaLnBrk="1" latinLnBrk="0" hangingPunct="1">
+      <a:defRPr sz="1200" kern="1200">
+        <a:solidFill>
+          <a:schemeClr val="tx1"/>
+        </a:solidFill>
+        <a:latin typeface="+mn-lt"/>
+        <a:ea typeface="+mn-ea"/>
+        <a:cs typeface="+mn-cs"/>
+      </a:defRPr>
+    </a:lvl2pPr>
+    <a:lvl3pPr marL="914400" algn="l" defTabSz="914400" rtl="0" eaLnBrk="1" latinLnBrk="0" hangingPunct="1">
+      <a:defRPr sz="1200" kern="1200">
+        <a:solidFill>
+          <a:schemeClr val="tx1"/>
+        </a:solidFill>
+        <a:latin typeface="+mn-lt"/>
+        <a:ea typeface="+mn-ea"/>
+        <a:cs typeface="+mn-cs"/>
+      </a:defRPr>
+    </a:lvl3pPr>
+    <a:lvl4pPr marL="1371600" algn="l" defTabSz="914400" rtl="0" eaLnBrk="1" latinLnBrk="0" hangingPunct="1">
+      <a:defRPr sz="1200" kern="1200">
+        <a:solidFill>
+          <a:schemeClr val="tx1"/>
+        </a:solidFill>
+        <a:latin typeface="+mn-lt"/>
+        <a:ea typeface="+mn-ea"/>
+        <a:cs typeface="+mn-cs"/>
+      </a:defRPr>
+    </a:lvl4pPr>
+    <a:lvl5pPr marL="1828800" algn="l" defTabSz="914400" rtl="0" eaLnBrk="1" latinLnBrk="0" hangingPunct="1">
+      <a:defRPr sz="1200" kern="1200">
+        <a:solidFill>
+          <a:schemeClr val="tx1"/>
+        </a:solidFill>
+        <a:latin typeface="+mn-lt"/>
+        <a:ea typeface="+mn-ea"/>
+        <a:cs typeface="+mn-cs"/>
+      </a:defRPr>
+    </a:lvl5pPr>
+    <a:lvl6pPr marL="2286000" algn="l" defTabSz="914400" rtl="0" eaLnBrk="1" latinLnBrk="0" hangingPunct="1">
+      <a:defRPr sz="1200" kern="1200">
+        <a:solidFill>
+          <a:schemeClr val="tx1"/>
+        </a:solidFill>
+        <a:latin typeface="+mn-lt"/>
+        <a:ea typeface="+mn-ea"/>
+        <a:cs typeface="+mn-cs"/>
+      </a:defRPr>
+    </a:lvl6pPr>
+    <a:lvl7pPr marL="2743200" algn="l" defTabSz="914400" rtl="0" eaLnBrk="1" latinLnBrk="0" hangingPunct="1">
+      <a:defRPr sz="1200" kern="1200">
+        <a:solidFill>
+          <a:schemeClr val="tx1"/>
+        </a:solidFill>
+        <a:latin typeface="+mn-lt"/>
+        <a:ea typeface="+mn-ea"/>
+        <a:cs typeface="+mn-cs"/>
+      </a:defRPr>
+    </a:lvl7pPr>
+    <a:lvl8pPr marL="3200400" algn="l" defTabSz="914400" rtl="0" eaLnBrk="1" latinLnBrk="0" hangingPunct="1">
+      <a:defRPr sz="1200" kern="1200">
+        <a:solidFill>
+          <a:schemeClr val="tx1"/>
+        </a:solidFill>
+        <a:latin typeface="+mn-lt"/>
+        <a:ea typeface="+mn-ea"/>
+        <a:cs typeface="+mn-cs"/>
+      </a:defRPr>
+    </a:lvl8pPr>
+    <a:lvl9pPr marL="3657600" algn="l" defTabSz="914400" rtl="0" eaLnBrk="1" latinLnBrk="0" hangingPunct="1">
+      <a:defRPr sz="1200" kern="1200">
+        <a:solidFill>
+          <a:schemeClr val="tx1"/>
+        </a:solidFill>
+        <a:latin typeface="+mn-lt"/>
+        <a:ea typeface="+mn-ea"/>
+        <a:cs typeface="+mn-cs"/>
+      </a:defRPr>
+    </a:lvl9pPr>
+  </p:notesStyle>
+</p:notesMaster>
+</file>
+
+<file path=ppt/notesSlides/notesSlide1.xml><?xml version="1.0" encoding="utf-8"?>
+<p:notes xmlns:a="http://schemas.openxmlformats.org/drawingml/2006/main" xmlns:r="http://schemas.openxmlformats.org/officeDocument/2006/relationships" xmlns:p="http://schemas.openxmlformats.org/presentationml/2006/main">
+  <p:cSld>
+    <p:spTree>
+      <p:nvGrpSpPr>
+        <p:cNvPr id="1" name=""/>
+        <p:cNvGrpSpPr/>
+        <p:nvPr/>
+      </p:nvGrpSpPr>
+      <p:grpSpPr/>
+      <p:sp>
+        <p:nvSpPr>
+          <p:cNvPr id="2" name="幻灯片图像占位符 1"/>
+          <p:cNvSpPr/>
+          <p:nvPr>
+            <p:ph type="sldImg" idx="2"/>
+          </p:nvPr>
+        </p:nvSpPr>
+        <p:spPr/>
+      </p:sp>
+      <p:sp>
+        <p:nvSpPr>
+          <p:cNvPr id="3" name="文本占位符 2"/>
+          <p:cNvSpPr/>
+          <p:nvPr>
+            <p:ph type="body" idx="3"/>
+          </p:nvPr>
+        </p:nvSpPr>
+        <p:spPr/>
+        <p:txBody>
+          <a:bodyPr/>
+          <a:p>
+            <a:endParaRPr lang="zh-CN" altLang="en-US"/>
+          </a:p>
+        </p:txBody>
+      </p:sp>
+    </p:spTree>
+  </p:cSld>
+  <p:clrMapOvr>
+    <a:masterClrMapping/>
+  </p:clrMapOvr>
+</p:notes>
+</file>
+
 <file path=ppt/slideLayouts/slideLayout1.xml><?xml version="1.0" encoding="utf-8"?>
 <p:sldLayout xmlns:a="http://schemas.openxmlformats.org/drawingml/2006/main" xmlns:r="http://schemas.openxmlformats.org/officeDocument/2006/relationships" xmlns:p="http://schemas.openxmlformats.org/presentationml/2006/main" type="title" preserve="1">
   <p:cSld name="标题幻灯片">
@@ -235,7 +662,6 @@
           <a:p>
             <a:fld id="{D997B5FA-0921-464F-AAE1-844C04324D75}" type="datetimeFigureOut">
               <a:rPr lang="zh-CN" altLang="en-US" smtClean="0"/>
-              <a:t>2015/5/5</a:t>
             </a:fld>
             <a:endParaRPr lang="zh-CN" altLang="en-US"/>
           </a:p>
@@ -277,18 +703,12 @@
           <a:p>
             <a:fld id="{565CE74E-AB26-4998-AD42-012C4C1AD076}" type="slidenum">
               <a:rPr lang="zh-CN" altLang="en-US" smtClean="0"/>
-              <a:t>‹#›</a:t>
             </a:fld>
             <a:endParaRPr lang="zh-CN" altLang="en-US"/>
           </a:p>
         </p:txBody>
       </p:sp>
     </p:spTree>
-    <p:extLst>
-      <p:ext uri="{BB962C8B-B14F-4D97-AF65-F5344CB8AC3E}">
-        <p14:creationId xmlns:p14="http://schemas.microsoft.com/office/powerpoint/2010/main" val="3051827620"/>
-      </p:ext>
-    </p:extLst>
   </p:cSld>
   <p:clrMapOvr>
     <a:masterClrMapping/>
@@ -356,6 +776,7 @@
               <a:rPr lang="zh-CN" altLang="en-US" smtClean="0"/>
               <a:t>单击此处编辑母版文本样式</a:t>
             </a:r>
+            <a:endParaRPr lang="zh-CN" altLang="en-US" smtClean="0"/>
           </a:p>
           <a:p>
             <a:pPr lvl="1"/>
@@ -363,6 +784,7 @@
               <a:rPr lang="zh-CN" altLang="en-US" smtClean="0"/>
               <a:t>第二级</a:t>
             </a:r>
+            <a:endParaRPr lang="zh-CN" altLang="en-US" smtClean="0"/>
           </a:p>
           <a:p>
             <a:pPr lvl="2"/>
@@ -370,6 +792,7 @@
               <a:rPr lang="zh-CN" altLang="en-US" smtClean="0"/>
               <a:t>第三级</a:t>
             </a:r>
+            <a:endParaRPr lang="zh-CN" altLang="en-US" smtClean="0"/>
           </a:p>
           <a:p>
             <a:pPr lvl="3"/>
@@ -377,6 +800,7 @@
               <a:rPr lang="zh-CN" altLang="en-US" smtClean="0"/>
               <a:t>第四级</a:t>
             </a:r>
+            <a:endParaRPr lang="zh-CN" altLang="en-US" smtClean="0"/>
           </a:p>
           <a:p>
             <a:pPr lvl="4"/>
@@ -405,7 +829,6 @@
           <a:p>
             <a:fld id="{D997B5FA-0921-464F-AAE1-844C04324D75}" type="datetimeFigureOut">
               <a:rPr lang="zh-CN" altLang="en-US" smtClean="0"/>
-              <a:t>2015/5/5</a:t>
             </a:fld>
             <a:endParaRPr lang="zh-CN" altLang="en-US"/>
           </a:p>
@@ -447,18 +870,12 @@
           <a:p>
             <a:fld id="{565CE74E-AB26-4998-AD42-012C4C1AD076}" type="slidenum">
               <a:rPr lang="zh-CN" altLang="en-US" smtClean="0"/>
-              <a:t>‹#›</a:t>
             </a:fld>
             <a:endParaRPr lang="zh-CN" altLang="en-US"/>
           </a:p>
         </p:txBody>
       </p:sp>
     </p:spTree>
-    <p:extLst>
-      <p:ext uri="{BB962C8B-B14F-4D97-AF65-F5344CB8AC3E}">
-        <p14:creationId xmlns:p14="http://schemas.microsoft.com/office/powerpoint/2010/main" val="3188717747"/>
-      </p:ext>
-    </p:extLst>
   </p:cSld>
   <p:clrMapOvr>
     <a:masterClrMapping/>
@@ -536,6 +953,7 @@
               <a:rPr lang="zh-CN" altLang="en-US" smtClean="0"/>
               <a:t>单击此处编辑母版文本样式</a:t>
             </a:r>
+            <a:endParaRPr lang="zh-CN" altLang="en-US" smtClean="0"/>
           </a:p>
           <a:p>
             <a:pPr lvl="1"/>
@@ -543,6 +961,7 @@
               <a:rPr lang="zh-CN" altLang="en-US" smtClean="0"/>
               <a:t>第二级</a:t>
             </a:r>
+            <a:endParaRPr lang="zh-CN" altLang="en-US" smtClean="0"/>
           </a:p>
           <a:p>
             <a:pPr lvl="2"/>
@@ -550,6 +969,7 @@
               <a:rPr lang="zh-CN" altLang="en-US" smtClean="0"/>
               <a:t>第三级</a:t>
             </a:r>
+            <a:endParaRPr lang="zh-CN" altLang="en-US" smtClean="0"/>
           </a:p>
           <a:p>
             <a:pPr lvl="3"/>
@@ -557,6 +977,7 @@
               <a:rPr lang="zh-CN" altLang="en-US" smtClean="0"/>
               <a:t>第四级</a:t>
             </a:r>
+            <a:endParaRPr lang="zh-CN" altLang="en-US" smtClean="0"/>
           </a:p>
           <a:p>
             <a:pPr lvl="4"/>
@@ -585,7 +1006,6 @@
           <a:p>
             <a:fld id="{D997B5FA-0921-464F-AAE1-844C04324D75}" type="datetimeFigureOut">
               <a:rPr lang="zh-CN" altLang="en-US" smtClean="0"/>
-              <a:t>2015/5/5</a:t>
             </a:fld>
             <a:endParaRPr lang="zh-CN" altLang="en-US"/>
           </a:p>
@@ -627,18 +1047,12 @@
           <a:p>
             <a:fld id="{565CE74E-AB26-4998-AD42-012C4C1AD076}" type="slidenum">
               <a:rPr lang="zh-CN" altLang="en-US" smtClean="0"/>
-              <a:t>‹#›</a:t>
             </a:fld>
             <a:endParaRPr lang="zh-CN" altLang="en-US"/>
           </a:p>
         </p:txBody>
       </p:sp>
     </p:spTree>
-    <p:extLst>
-      <p:ext uri="{BB962C8B-B14F-4D97-AF65-F5344CB8AC3E}">
-        <p14:creationId xmlns:p14="http://schemas.microsoft.com/office/powerpoint/2010/main" val="4025501431"/>
-      </p:ext>
-    </p:extLst>
   </p:cSld>
   <p:clrMapOvr>
     <a:masterClrMapping/>
@@ -706,6 +1120,7 @@
               <a:rPr lang="zh-CN" altLang="en-US" smtClean="0"/>
               <a:t>单击此处编辑母版文本样式</a:t>
             </a:r>
+            <a:endParaRPr lang="zh-CN" altLang="en-US" smtClean="0"/>
           </a:p>
           <a:p>
             <a:pPr lvl="1"/>
@@ -713,6 +1128,7 @@
               <a:rPr lang="zh-CN" altLang="en-US" smtClean="0"/>
               <a:t>第二级</a:t>
             </a:r>
+            <a:endParaRPr lang="zh-CN" altLang="en-US" smtClean="0"/>
           </a:p>
           <a:p>
             <a:pPr lvl="2"/>
@@ -720,6 +1136,7 @@
               <a:rPr lang="zh-CN" altLang="en-US" smtClean="0"/>
               <a:t>第三级</a:t>
             </a:r>
+            <a:endParaRPr lang="zh-CN" altLang="en-US" smtClean="0"/>
           </a:p>
           <a:p>
             <a:pPr lvl="3"/>
@@ -727,6 +1144,7 @@
               <a:rPr lang="zh-CN" altLang="en-US" smtClean="0"/>
               <a:t>第四级</a:t>
             </a:r>
+            <a:endParaRPr lang="zh-CN" altLang="en-US" smtClean="0"/>
           </a:p>
           <a:p>
             <a:pPr lvl="4"/>
@@ -755,7 +1173,6 @@
           <a:p>
             <a:fld id="{D997B5FA-0921-464F-AAE1-844C04324D75}" type="datetimeFigureOut">
               <a:rPr lang="zh-CN" altLang="en-US" smtClean="0"/>
-              <a:t>2015/5/5</a:t>
             </a:fld>
             <a:endParaRPr lang="zh-CN" altLang="en-US"/>
           </a:p>
@@ -797,18 +1214,12 @@
           <a:p>
             <a:fld id="{565CE74E-AB26-4998-AD42-012C4C1AD076}" type="slidenum">
               <a:rPr lang="zh-CN" altLang="en-US" smtClean="0"/>
-              <a:t>‹#›</a:t>
             </a:fld>
             <a:endParaRPr lang="zh-CN" altLang="en-US"/>
           </a:p>
         </p:txBody>
       </p:sp>
     </p:spTree>
-    <p:extLst>
-      <p:ext uri="{BB962C8B-B14F-4D97-AF65-F5344CB8AC3E}">
-        <p14:creationId xmlns:p14="http://schemas.microsoft.com/office/powerpoint/2010/main" val="598653943"/>
-      </p:ext>
-    </p:extLst>
   </p:cSld>
   <p:clrMapOvr>
     <a:masterClrMapping/>
@@ -981,6 +1392,7 @@
               <a:rPr lang="zh-CN" altLang="en-US" smtClean="0"/>
               <a:t>单击此处编辑母版文本样式</a:t>
             </a:r>
+            <a:endParaRPr lang="zh-CN" altLang="en-US" smtClean="0"/>
           </a:p>
         </p:txBody>
       </p:sp>
@@ -1001,7 +1413,6 @@
           <a:p>
             <a:fld id="{D997B5FA-0921-464F-AAE1-844C04324D75}" type="datetimeFigureOut">
               <a:rPr lang="zh-CN" altLang="en-US" smtClean="0"/>
-              <a:t>2015/5/5</a:t>
             </a:fld>
             <a:endParaRPr lang="zh-CN" altLang="en-US"/>
           </a:p>
@@ -1043,18 +1454,12 @@
           <a:p>
             <a:fld id="{565CE74E-AB26-4998-AD42-012C4C1AD076}" type="slidenum">
               <a:rPr lang="zh-CN" altLang="en-US" smtClean="0"/>
-              <a:t>‹#›</a:t>
             </a:fld>
             <a:endParaRPr lang="zh-CN" altLang="en-US"/>
           </a:p>
         </p:txBody>
       </p:sp>
     </p:spTree>
-    <p:extLst>
-      <p:ext uri="{BB962C8B-B14F-4D97-AF65-F5344CB8AC3E}">
-        <p14:creationId xmlns:p14="http://schemas.microsoft.com/office/powerpoint/2010/main" val="1612184157"/>
-      </p:ext>
-    </p:extLst>
   </p:cSld>
   <p:clrMapOvr>
     <a:masterClrMapping/>
@@ -1127,6 +1532,7 @@
               <a:rPr lang="zh-CN" altLang="en-US" smtClean="0"/>
               <a:t>单击此处编辑母版文本样式</a:t>
             </a:r>
+            <a:endParaRPr lang="zh-CN" altLang="en-US" smtClean="0"/>
           </a:p>
           <a:p>
             <a:pPr lvl="1"/>
@@ -1134,6 +1540,7 @@
               <a:rPr lang="zh-CN" altLang="en-US" smtClean="0"/>
               <a:t>第二级</a:t>
             </a:r>
+            <a:endParaRPr lang="zh-CN" altLang="en-US" smtClean="0"/>
           </a:p>
           <a:p>
             <a:pPr lvl="2"/>
@@ -1141,6 +1548,7 @@
               <a:rPr lang="zh-CN" altLang="en-US" smtClean="0"/>
               <a:t>第三级</a:t>
             </a:r>
+            <a:endParaRPr lang="zh-CN" altLang="en-US" smtClean="0"/>
           </a:p>
           <a:p>
             <a:pPr lvl="3"/>
@@ -1148,6 +1556,7 @@
               <a:rPr lang="zh-CN" altLang="en-US" smtClean="0"/>
               <a:t>第四级</a:t>
             </a:r>
+            <a:endParaRPr lang="zh-CN" altLang="en-US" smtClean="0"/>
           </a:p>
           <a:p>
             <a:pPr lvl="4"/>
@@ -1184,6 +1593,7 @@
               <a:rPr lang="zh-CN" altLang="en-US" smtClean="0"/>
               <a:t>单击此处编辑母版文本样式</a:t>
             </a:r>
+            <a:endParaRPr lang="zh-CN" altLang="en-US" smtClean="0"/>
           </a:p>
           <a:p>
             <a:pPr lvl="1"/>
@@ -1191,6 +1601,7 @@
               <a:rPr lang="zh-CN" altLang="en-US" smtClean="0"/>
               <a:t>第二级</a:t>
             </a:r>
+            <a:endParaRPr lang="zh-CN" altLang="en-US" smtClean="0"/>
           </a:p>
           <a:p>
             <a:pPr lvl="2"/>
@@ -1198,6 +1609,7 @@
               <a:rPr lang="zh-CN" altLang="en-US" smtClean="0"/>
               <a:t>第三级</a:t>
             </a:r>
+            <a:endParaRPr lang="zh-CN" altLang="en-US" smtClean="0"/>
           </a:p>
           <a:p>
             <a:pPr lvl="3"/>
@@ -1205,6 +1617,7 @@
               <a:rPr lang="zh-CN" altLang="en-US" smtClean="0"/>
               <a:t>第四级</a:t>
             </a:r>
+            <a:endParaRPr lang="zh-CN" altLang="en-US" smtClean="0"/>
           </a:p>
           <a:p>
             <a:pPr lvl="4"/>
@@ -1233,7 +1646,6 @@
           <a:p>
             <a:fld id="{D997B5FA-0921-464F-AAE1-844C04324D75}" type="datetimeFigureOut">
               <a:rPr lang="zh-CN" altLang="en-US" smtClean="0"/>
-              <a:t>2015/5/5</a:t>
             </a:fld>
             <a:endParaRPr lang="zh-CN" altLang="en-US"/>
           </a:p>
@@ -1275,18 +1687,12 @@
           <a:p>
             <a:fld id="{565CE74E-AB26-4998-AD42-012C4C1AD076}" type="slidenum">
               <a:rPr lang="zh-CN" altLang="en-US" smtClean="0"/>
-              <a:t>‹#›</a:t>
             </a:fld>
             <a:endParaRPr lang="zh-CN" altLang="en-US"/>
           </a:p>
         </p:txBody>
       </p:sp>
     </p:spTree>
-    <p:extLst>
-      <p:ext uri="{BB962C8B-B14F-4D97-AF65-F5344CB8AC3E}">
-        <p14:creationId xmlns:p14="http://schemas.microsoft.com/office/powerpoint/2010/main" val="2905825717"/>
-      </p:ext>
-    </p:extLst>
   </p:cSld>
   <p:clrMapOvr>
     <a:masterClrMapping/>
@@ -1401,6 +1807,7 @@
               <a:rPr lang="zh-CN" altLang="en-US" smtClean="0"/>
               <a:t>单击此处编辑母版文本样式</a:t>
             </a:r>
+            <a:endParaRPr lang="zh-CN" altLang="en-US" smtClean="0"/>
           </a:p>
         </p:txBody>
       </p:sp>
@@ -1429,6 +1836,7 @@
               <a:rPr lang="zh-CN" altLang="en-US" smtClean="0"/>
               <a:t>单击此处编辑母版文本样式</a:t>
             </a:r>
+            <a:endParaRPr lang="zh-CN" altLang="en-US" smtClean="0"/>
           </a:p>
           <a:p>
             <a:pPr lvl="1"/>
@@ -1436,6 +1844,7 @@
               <a:rPr lang="zh-CN" altLang="en-US" smtClean="0"/>
               <a:t>第二级</a:t>
             </a:r>
+            <a:endParaRPr lang="zh-CN" altLang="en-US" smtClean="0"/>
           </a:p>
           <a:p>
             <a:pPr lvl="2"/>
@@ -1443,6 +1852,7 @@
               <a:rPr lang="zh-CN" altLang="en-US" smtClean="0"/>
               <a:t>第三级</a:t>
             </a:r>
+            <a:endParaRPr lang="zh-CN" altLang="en-US" smtClean="0"/>
           </a:p>
           <a:p>
             <a:pPr lvl="3"/>
@@ -1450,6 +1860,7 @@
               <a:rPr lang="zh-CN" altLang="en-US" smtClean="0"/>
               <a:t>第四级</a:t>
             </a:r>
+            <a:endParaRPr lang="zh-CN" altLang="en-US" smtClean="0"/>
           </a:p>
           <a:p>
             <a:pPr lvl="4"/>
@@ -1523,6 +1934,7 @@
               <a:rPr lang="zh-CN" altLang="en-US" smtClean="0"/>
               <a:t>单击此处编辑母版文本样式</a:t>
             </a:r>
+            <a:endParaRPr lang="zh-CN" altLang="en-US" smtClean="0"/>
           </a:p>
         </p:txBody>
       </p:sp>
@@ -1551,6 +1963,7 @@
               <a:rPr lang="zh-CN" altLang="en-US" smtClean="0"/>
               <a:t>单击此处编辑母版文本样式</a:t>
             </a:r>
+            <a:endParaRPr lang="zh-CN" altLang="en-US" smtClean="0"/>
           </a:p>
           <a:p>
             <a:pPr lvl="1"/>
@@ -1558,6 +1971,7 @@
               <a:rPr lang="zh-CN" altLang="en-US" smtClean="0"/>
               <a:t>第二级</a:t>
             </a:r>
+            <a:endParaRPr lang="zh-CN" altLang="en-US" smtClean="0"/>
           </a:p>
           <a:p>
             <a:pPr lvl="2"/>
@@ -1565,6 +1979,7 @@
               <a:rPr lang="zh-CN" altLang="en-US" smtClean="0"/>
               <a:t>第三级</a:t>
             </a:r>
+            <a:endParaRPr lang="zh-CN" altLang="en-US" smtClean="0"/>
           </a:p>
           <a:p>
             <a:pPr lvl="3"/>
@@ -1572,6 +1987,7 @@
               <a:rPr lang="zh-CN" altLang="en-US" smtClean="0"/>
               <a:t>第四级</a:t>
             </a:r>
+            <a:endParaRPr lang="zh-CN" altLang="en-US" smtClean="0"/>
           </a:p>
           <a:p>
             <a:pPr lvl="4"/>
@@ -1600,7 +2016,6 @@
           <a:p>
             <a:fld id="{D997B5FA-0921-464F-AAE1-844C04324D75}" type="datetimeFigureOut">
               <a:rPr lang="zh-CN" altLang="en-US" smtClean="0"/>
-              <a:t>2015/5/5</a:t>
             </a:fld>
             <a:endParaRPr lang="zh-CN" altLang="en-US"/>
           </a:p>
@@ -1642,18 +2057,12 @@
           <a:p>
             <a:fld id="{565CE74E-AB26-4998-AD42-012C4C1AD076}" type="slidenum">
               <a:rPr lang="zh-CN" altLang="en-US" smtClean="0"/>
-              <a:t>‹#›</a:t>
             </a:fld>
             <a:endParaRPr lang="zh-CN" altLang="en-US"/>
           </a:p>
         </p:txBody>
       </p:sp>
     </p:spTree>
-    <p:extLst>
-      <p:ext uri="{BB962C8B-B14F-4D97-AF65-F5344CB8AC3E}">
-        <p14:creationId xmlns:p14="http://schemas.microsoft.com/office/powerpoint/2010/main" val="168117047"/>
-      </p:ext>
-    </p:extLst>
   </p:cSld>
   <p:clrMapOvr>
     <a:masterClrMapping/>
@@ -1718,7 +2127,6 @@
           <a:p>
             <a:fld id="{D997B5FA-0921-464F-AAE1-844C04324D75}" type="datetimeFigureOut">
               <a:rPr lang="zh-CN" altLang="en-US" smtClean="0"/>
-              <a:t>2015/5/5</a:t>
             </a:fld>
             <a:endParaRPr lang="zh-CN" altLang="en-US"/>
           </a:p>
@@ -1760,18 +2168,12 @@
           <a:p>
             <a:fld id="{565CE74E-AB26-4998-AD42-012C4C1AD076}" type="slidenum">
               <a:rPr lang="zh-CN" altLang="en-US" smtClean="0"/>
-              <a:t>‹#›</a:t>
             </a:fld>
             <a:endParaRPr lang="zh-CN" altLang="en-US"/>
           </a:p>
         </p:txBody>
       </p:sp>
     </p:spTree>
-    <p:extLst>
-      <p:ext uri="{BB962C8B-B14F-4D97-AF65-F5344CB8AC3E}">
-        <p14:creationId xmlns:p14="http://schemas.microsoft.com/office/powerpoint/2010/main" val="2764406021"/>
-      </p:ext>
-    </p:extLst>
   </p:cSld>
   <p:clrMapOvr>
     <a:masterClrMapping/>
@@ -1813,7 +2215,6 @@
           <a:p>
             <a:fld id="{D997B5FA-0921-464F-AAE1-844C04324D75}" type="datetimeFigureOut">
               <a:rPr lang="zh-CN" altLang="en-US" smtClean="0"/>
-              <a:t>2015/5/5</a:t>
             </a:fld>
             <a:endParaRPr lang="zh-CN" altLang="en-US"/>
           </a:p>
@@ -1855,18 +2256,12 @@
           <a:p>
             <a:fld id="{565CE74E-AB26-4998-AD42-012C4C1AD076}" type="slidenum">
               <a:rPr lang="zh-CN" altLang="en-US" smtClean="0"/>
-              <a:t>‹#›</a:t>
             </a:fld>
             <a:endParaRPr lang="zh-CN" altLang="en-US"/>
           </a:p>
         </p:txBody>
       </p:sp>
     </p:spTree>
-    <p:extLst>
-      <p:ext uri="{BB962C8B-B14F-4D97-AF65-F5344CB8AC3E}">
-        <p14:creationId xmlns:p14="http://schemas.microsoft.com/office/powerpoint/2010/main" val="276523006"/>
-      </p:ext>
-    </p:extLst>
   </p:cSld>
   <p:clrMapOvr>
     <a:masterClrMapping/>
@@ -1976,6 +2371,7 @@
               <a:rPr lang="zh-CN" altLang="en-US" smtClean="0"/>
               <a:t>单击此处编辑母版文本样式</a:t>
             </a:r>
+            <a:endParaRPr lang="zh-CN" altLang="en-US" smtClean="0"/>
           </a:p>
           <a:p>
             <a:pPr lvl="1"/>
@@ -1983,6 +2379,7 @@
               <a:rPr lang="zh-CN" altLang="en-US" smtClean="0"/>
               <a:t>第二级</a:t>
             </a:r>
+            <a:endParaRPr lang="zh-CN" altLang="en-US" smtClean="0"/>
           </a:p>
           <a:p>
             <a:pPr lvl="2"/>
@@ -1990,6 +2387,7 @@
               <a:rPr lang="zh-CN" altLang="en-US" smtClean="0"/>
               <a:t>第三级</a:t>
             </a:r>
+            <a:endParaRPr lang="zh-CN" altLang="en-US" smtClean="0"/>
           </a:p>
           <a:p>
             <a:pPr lvl="3"/>
@@ -1997,6 +2395,7 @@
               <a:rPr lang="zh-CN" altLang="en-US" smtClean="0"/>
               <a:t>第四级</a:t>
             </a:r>
+            <a:endParaRPr lang="zh-CN" altLang="en-US" smtClean="0"/>
           </a:p>
           <a:p>
             <a:pPr lvl="4"/>
@@ -2070,6 +2469,7 @@
               <a:rPr lang="zh-CN" altLang="en-US" smtClean="0"/>
               <a:t>单击此处编辑母版文本样式</a:t>
             </a:r>
+            <a:endParaRPr lang="zh-CN" altLang="en-US" smtClean="0"/>
           </a:p>
         </p:txBody>
       </p:sp>
@@ -2090,7 +2490,6 @@
           <a:p>
             <a:fld id="{D997B5FA-0921-464F-AAE1-844C04324D75}" type="datetimeFigureOut">
               <a:rPr lang="zh-CN" altLang="en-US" smtClean="0"/>
-              <a:t>2015/5/5</a:t>
             </a:fld>
             <a:endParaRPr lang="zh-CN" altLang="en-US"/>
           </a:p>
@@ -2132,18 +2531,12 @@
           <a:p>
             <a:fld id="{565CE74E-AB26-4998-AD42-012C4C1AD076}" type="slidenum">
               <a:rPr lang="zh-CN" altLang="en-US" smtClean="0"/>
-              <a:t>‹#›</a:t>
             </a:fld>
             <a:endParaRPr lang="zh-CN" altLang="en-US"/>
           </a:p>
         </p:txBody>
       </p:sp>
     </p:spTree>
-    <p:extLst>
-      <p:ext uri="{BB962C8B-B14F-4D97-AF65-F5344CB8AC3E}">
-        <p14:creationId xmlns:p14="http://schemas.microsoft.com/office/powerpoint/2010/main" val="694758376"/>
-      </p:ext>
-    </p:extLst>
   </p:cSld>
   <p:clrMapOvr>
     <a:masterClrMapping/>
@@ -2323,6 +2716,7 @@
               <a:rPr lang="zh-CN" altLang="en-US" smtClean="0"/>
               <a:t>单击此处编辑母版文本样式</a:t>
             </a:r>
+            <a:endParaRPr lang="zh-CN" altLang="en-US" smtClean="0"/>
           </a:p>
         </p:txBody>
       </p:sp>
@@ -2343,7 +2737,6 @@
           <a:p>
             <a:fld id="{D997B5FA-0921-464F-AAE1-844C04324D75}" type="datetimeFigureOut">
               <a:rPr lang="zh-CN" altLang="en-US" smtClean="0"/>
-              <a:t>2015/5/5</a:t>
             </a:fld>
             <a:endParaRPr lang="zh-CN" altLang="en-US"/>
           </a:p>
@@ -2385,18 +2778,12 @@
           <a:p>
             <a:fld id="{565CE74E-AB26-4998-AD42-012C4C1AD076}" type="slidenum">
               <a:rPr lang="zh-CN" altLang="en-US" smtClean="0"/>
-              <a:t>‹#›</a:t>
             </a:fld>
             <a:endParaRPr lang="zh-CN" altLang="en-US"/>
           </a:p>
         </p:txBody>
       </p:sp>
     </p:spTree>
-    <p:extLst>
-      <p:ext uri="{BB962C8B-B14F-4D97-AF65-F5344CB8AC3E}">
-        <p14:creationId xmlns:p14="http://schemas.microsoft.com/office/powerpoint/2010/main" val="477805659"/>
-      </p:ext>
-    </p:extLst>
   </p:cSld>
   <p:clrMapOvr>
     <a:masterClrMapping/>
@@ -2489,6 +2876,7 @@
               <a:rPr lang="zh-CN" altLang="en-US" smtClean="0"/>
               <a:t>单击此处编辑母版文本样式</a:t>
             </a:r>
+            <a:endParaRPr lang="zh-CN" altLang="en-US" smtClean="0"/>
           </a:p>
           <a:p>
             <a:pPr lvl="1"/>
@@ -2496,6 +2884,7 @@
               <a:rPr lang="zh-CN" altLang="en-US" smtClean="0"/>
               <a:t>第二级</a:t>
             </a:r>
+            <a:endParaRPr lang="zh-CN" altLang="en-US" smtClean="0"/>
           </a:p>
           <a:p>
             <a:pPr lvl="2"/>
@@ -2503,6 +2892,7 @@
               <a:rPr lang="zh-CN" altLang="en-US" smtClean="0"/>
               <a:t>第三级</a:t>
             </a:r>
+            <a:endParaRPr lang="zh-CN" altLang="en-US" smtClean="0"/>
           </a:p>
           <a:p>
             <a:pPr lvl="3"/>
@@ -2510,6 +2900,7 @@
               <a:rPr lang="zh-CN" altLang="en-US" smtClean="0"/>
               <a:t>第四级</a:t>
             </a:r>
+            <a:endParaRPr lang="zh-CN" altLang="en-US" smtClean="0"/>
           </a:p>
           <a:p>
             <a:pPr lvl="4"/>
@@ -2556,7 +2947,6 @@
           <a:p>
             <a:fld id="{D997B5FA-0921-464F-AAE1-844C04324D75}" type="datetimeFigureOut">
               <a:rPr lang="zh-CN" altLang="en-US" smtClean="0"/>
-              <a:t>2015/5/5</a:t>
             </a:fld>
             <a:endParaRPr lang="zh-CN" altLang="en-US"/>
           </a:p>
@@ -2634,18 +3024,12 @@
           <a:p>
             <a:fld id="{565CE74E-AB26-4998-AD42-012C4C1AD076}" type="slidenum">
               <a:rPr lang="zh-CN" altLang="en-US" smtClean="0"/>
-              <a:t>‹#›</a:t>
             </a:fld>
             <a:endParaRPr lang="zh-CN" altLang="en-US"/>
           </a:p>
         </p:txBody>
       </p:sp>
     </p:spTree>
-    <p:extLst>
-      <p:ext uri="{BB962C8B-B14F-4D97-AF65-F5344CB8AC3E}">
-        <p14:creationId xmlns:p14="http://schemas.microsoft.com/office/powerpoint/2010/main" val="2003094035"/>
-      </p:ext>
-    </p:extLst>
   </p:cSld>
   <p:clrMap bg1="lt1" tx1="dk1" bg2="lt2" tx2="dk2" accent1="accent1" accent2="accent2" accent3="accent3" accent4="accent4" accent5="accent5" accent6="accent6" hlink="hlink" folHlink="folHlink"/>
   <p:sldLayoutIdLst>
@@ -2944,6 +3328,3860 @@
 </p:sldMaster>
 </file>
 
+<file path=ppt/slides/slide1.xml><?xml version="1.0" encoding="utf-8"?>
+<p:sld xmlns:a="http://schemas.openxmlformats.org/drawingml/2006/main" xmlns:r="http://schemas.openxmlformats.org/officeDocument/2006/relationships" xmlns:p="http://schemas.openxmlformats.org/presentationml/2006/main">
+  <p:cSld>
+    <p:spTree>
+      <p:nvGrpSpPr>
+        <p:cNvPr id="1" name=""/>
+        <p:cNvGrpSpPr/>
+        <p:nvPr/>
+      </p:nvGrpSpPr>
+      <p:grpSpPr/>
+      <p:sp>
+        <p:nvSpPr>
+          <p:cNvPr id="2" name="标题 1"/>
+          <p:cNvSpPr>
+            <a:spLocks noGrp="1"/>
+          </p:cNvSpPr>
+          <p:nvPr>
+            <p:ph type="ctrTitle"/>
+          </p:nvPr>
+        </p:nvSpPr>
+        <p:spPr/>
+        <p:txBody>
+          <a:bodyPr/>
+          <a:p>
+            <a:r>
+              <a:rPr lang="zh-CN" altLang="en-US"/>
+              <a:t>深入浅出</a:t>
+            </a:r>
+            <a:r>
+              <a:rPr lang="en-US" altLang="zh-CN"/>
+              <a:t>Webpack</a:t>
+            </a:r>
+            <a:endParaRPr lang="en-US" altLang="zh-CN"/>
+          </a:p>
+        </p:txBody>
+      </p:sp>
+      <p:sp>
+        <p:nvSpPr>
+          <p:cNvPr id="3" name="副标题 2"/>
+          <p:cNvSpPr>
+            <a:spLocks noGrp="1"/>
+          </p:cNvSpPr>
+          <p:nvPr>
+            <p:ph type="subTitle" idx="1"/>
+          </p:nvPr>
+        </p:nvSpPr>
+        <p:spPr/>
+        <p:txBody>
+          <a:bodyPr/>
+          <a:p>
+            <a:endParaRPr lang="zh-CN" altLang="en-US"/>
+          </a:p>
+        </p:txBody>
+      </p:sp>
+    </p:spTree>
+  </p:cSld>
+  <p:clrMapOvr>
+    <a:masterClrMapping/>
+  </p:clrMapOvr>
+</p:sld>
+</file>
+
+<file path=ppt/slides/slide10.xml><?xml version="1.0" encoding="utf-8"?>
+<p:sld xmlns:a="http://schemas.openxmlformats.org/drawingml/2006/main" xmlns:r="http://schemas.openxmlformats.org/officeDocument/2006/relationships" xmlns:p="http://schemas.openxmlformats.org/presentationml/2006/main">
+  <p:cSld>
+    <p:spTree>
+      <p:nvGrpSpPr>
+        <p:cNvPr id="1" name=""/>
+        <p:cNvGrpSpPr/>
+        <p:nvPr/>
+      </p:nvGrpSpPr>
+      <p:grpSpPr/>
+      <p:sp>
+        <p:nvSpPr>
+          <p:cNvPr id="2" name="标题 1"/>
+          <p:cNvSpPr>
+            <a:spLocks noGrp="1"/>
+          </p:cNvSpPr>
+          <p:nvPr>
+            <p:ph type="title"/>
+          </p:nvPr>
+        </p:nvSpPr>
+        <p:spPr/>
+        <p:txBody>
+          <a:bodyPr/>
+          <a:p>
+            <a:r>
+              <a:rPr lang="zh-CN" altLang="en-US"/>
+              <a:t>我的故事</a:t>
+            </a:r>
+            <a:endParaRPr lang="zh-CN" altLang="en-US"/>
+          </a:p>
+        </p:txBody>
+      </p:sp>
+      <p:sp>
+        <p:nvSpPr>
+          <p:cNvPr id="3" name="内容占位符 2"/>
+          <p:cNvSpPr>
+            <a:spLocks noGrp="1"/>
+          </p:cNvSpPr>
+          <p:nvPr>
+            <p:ph idx="1"/>
+          </p:nvPr>
+        </p:nvSpPr>
+        <p:spPr/>
+        <p:txBody>
+          <a:bodyPr/>
+          <a:p>
+            <a:r>
+              <a:rPr lang="zh-CN" altLang="en-US"/>
+              <a:t>在刚开始学习程序的时候，我并不觉得多写一行代码，多引一个文件会是什么问题。在我当时的要求里面，学会能用就行。并没有考虑到带来的复杂后果。</a:t>
+            </a:r>
+            <a:endParaRPr lang="zh-CN" altLang="en-US"/>
+          </a:p>
+          <a:p>
+            <a:endParaRPr lang="zh-CN" altLang="en-US"/>
+          </a:p>
+          <a:p>
+            <a:r>
+              <a:rPr lang="zh-CN" altLang="en-US"/>
+              <a:t>然而。。。</a:t>
+            </a:r>
+            <a:endParaRPr lang="zh-CN" altLang="en-US"/>
+          </a:p>
+        </p:txBody>
+      </p:sp>
+    </p:spTree>
+  </p:cSld>
+  <p:clrMapOvr>
+    <a:masterClrMapping/>
+  </p:clrMapOvr>
+</p:sld>
+</file>
+
+<file path=ppt/slides/slide11.xml><?xml version="1.0" encoding="utf-8"?>
+<p:sld xmlns:a="http://schemas.openxmlformats.org/drawingml/2006/main" xmlns:r="http://schemas.openxmlformats.org/officeDocument/2006/relationships" xmlns:p="http://schemas.openxmlformats.org/presentationml/2006/main">
+  <p:cSld>
+    <p:spTree>
+      <p:nvGrpSpPr>
+        <p:cNvPr id="1" name=""/>
+        <p:cNvGrpSpPr/>
+        <p:nvPr/>
+      </p:nvGrpSpPr>
+      <p:grpSpPr/>
+      <p:sp>
+        <p:nvSpPr>
+          <p:cNvPr id="2" name="标题 1"/>
+          <p:cNvSpPr>
+            <a:spLocks noGrp="1"/>
+          </p:cNvSpPr>
+          <p:nvPr>
+            <p:ph type="title"/>
+          </p:nvPr>
+        </p:nvSpPr>
+        <p:spPr/>
+        <p:txBody>
+          <a:bodyPr/>
+          <a:p>
+            <a:r>
+              <a:rPr lang="zh-CN" altLang="en-US"/>
+              <a:t>我的案例</a:t>
+            </a:r>
+            <a:endParaRPr lang="zh-CN" altLang="en-US"/>
+          </a:p>
+        </p:txBody>
+      </p:sp>
+      <p:pic>
+        <p:nvPicPr>
+          <p:cNvPr id="4" name="内容占位符 3" descr="我的案例"/>
+          <p:cNvPicPr>
+            <a:picLocks noChangeAspect="1"/>
+          </p:cNvPicPr>
+          <p:nvPr>
+            <p:ph idx="1"/>
+          </p:nvPr>
+        </p:nvPicPr>
+        <p:blipFill>
+          <a:blip r:embed="rId1"/>
+          <a:stretch>
+            <a:fillRect/>
+          </a:stretch>
+        </p:blipFill>
+        <p:spPr>
+          <a:xfrm>
+            <a:off x="838200" y="1817370"/>
+            <a:ext cx="9290050" cy="2923540"/>
+          </a:xfrm>
+          <a:prstGeom prst="rect">
+            <a:avLst/>
+          </a:prstGeom>
+        </p:spPr>
+      </p:pic>
+    </p:spTree>
+  </p:cSld>
+  <p:clrMapOvr>
+    <a:masterClrMapping/>
+  </p:clrMapOvr>
+</p:sld>
+</file>
+
+<file path=ppt/slides/slide12.xml><?xml version="1.0" encoding="utf-8"?>
+<p:sld xmlns:a="http://schemas.openxmlformats.org/drawingml/2006/main" xmlns:r="http://schemas.openxmlformats.org/officeDocument/2006/relationships" xmlns:p="http://schemas.openxmlformats.org/presentationml/2006/main">
+  <p:cSld>
+    <p:spTree>
+      <p:nvGrpSpPr>
+        <p:cNvPr id="1" name=""/>
+        <p:cNvGrpSpPr/>
+        <p:nvPr/>
+      </p:nvGrpSpPr>
+      <p:grpSpPr/>
+      <p:sp>
+        <p:nvSpPr>
+          <p:cNvPr id="2" name="标题 1"/>
+          <p:cNvSpPr>
+            <a:spLocks noGrp="1"/>
+          </p:cNvSpPr>
+          <p:nvPr>
+            <p:ph type="title"/>
+          </p:nvPr>
+        </p:nvSpPr>
+        <p:spPr/>
+        <p:txBody>
+          <a:bodyPr/>
+          <a:p>
+            <a:endParaRPr lang="zh-CN" altLang="en-US"/>
+          </a:p>
+        </p:txBody>
+      </p:sp>
+      <p:sp>
+        <p:nvSpPr>
+          <p:cNvPr id="3" name="内容占位符 2"/>
+          <p:cNvSpPr>
+            <a:spLocks noGrp="1"/>
+          </p:cNvSpPr>
+          <p:nvPr>
+            <p:ph idx="1"/>
+          </p:nvPr>
+        </p:nvSpPr>
+        <p:spPr/>
+        <p:txBody>
+          <a:bodyPr/>
+          <a:p>
+            <a:r>
+              <a:rPr lang="zh-CN" altLang="en-US"/>
+              <a:t>可以看见，在真正的项目中，要引用的开源框架，开源插件是很多的，再加上自己写的工具库，就显得引用</a:t>
+            </a:r>
+            <a:r>
+              <a:rPr lang="zh-CN" altLang="en-US">
+                <a:solidFill>
+                  <a:srgbClr val="FF0000"/>
+                </a:solidFill>
+              </a:rPr>
+              <a:t>文件很多</a:t>
+            </a:r>
+            <a:r>
+              <a:rPr lang="zh-CN" altLang="en-US"/>
+              <a:t>，</a:t>
+            </a:r>
+            <a:r>
+              <a:rPr lang="zh-CN" altLang="en-US">
+                <a:sym typeface="+mn-ea"/>
+              </a:rPr>
+              <a:t>并且顺序要</a:t>
+            </a:r>
+            <a:r>
+              <a:rPr lang="zh-CN" altLang="en-US">
+                <a:solidFill>
+                  <a:srgbClr val="FF0000"/>
+                </a:solidFill>
+                <a:sym typeface="+mn-ea"/>
+              </a:rPr>
+              <a:t>逐一对应</a:t>
+            </a:r>
+            <a:r>
+              <a:rPr lang="zh-CN" altLang="en-US"/>
+              <a:t>。特别有一次需求里，需要删除某一个依赖，本来只需要删除这一个依赖文件即可，但是我又是一个不喜欢文件中留有冗余代码的人。所以就要删除两个甚至更多的文件。这些工作都相对的增加了工作的复杂度。</a:t>
+            </a:r>
+            <a:endParaRPr lang="zh-CN" altLang="en-US"/>
+          </a:p>
+        </p:txBody>
+      </p:sp>
+    </p:spTree>
+  </p:cSld>
+  <p:clrMapOvr>
+    <a:masterClrMapping/>
+  </p:clrMapOvr>
+</p:sld>
+</file>
+
+<file path=ppt/slides/slide13.xml><?xml version="1.0" encoding="utf-8"?>
+<p:sld xmlns:a="http://schemas.openxmlformats.org/drawingml/2006/main" xmlns:r="http://schemas.openxmlformats.org/officeDocument/2006/relationships" xmlns:p="http://schemas.openxmlformats.org/presentationml/2006/main">
+  <p:cSld>
+    <p:spTree>
+      <p:nvGrpSpPr>
+        <p:cNvPr id="1" name=""/>
+        <p:cNvGrpSpPr/>
+        <p:nvPr/>
+      </p:nvGrpSpPr>
+      <p:grpSpPr/>
+      <p:sp>
+        <p:nvSpPr>
+          <p:cNvPr id="2" name="标题 1"/>
+          <p:cNvSpPr>
+            <a:spLocks noGrp="1"/>
+          </p:cNvSpPr>
+          <p:nvPr>
+            <p:ph type="title"/>
+          </p:nvPr>
+        </p:nvSpPr>
+        <p:spPr/>
+        <p:txBody>
+          <a:bodyPr>
+            <a:normAutofit fontScale="90000"/>
+          </a:bodyPr>
+          <a:p>
+            <a:r>
+              <a:rPr lang="zh-CN" altLang="en-US">
+                <a:sym typeface="+mn-ea"/>
+              </a:rPr>
+              <a:t>期望的文件依赖</a:t>
+            </a:r>
+            <a:br>
+              <a:rPr lang="zh-CN" altLang="en-US"/>
+            </a:br>
+            <a:endParaRPr lang="zh-CN" altLang="en-US"/>
+          </a:p>
+        </p:txBody>
+      </p:sp>
+      <p:sp>
+        <p:nvSpPr>
+          <p:cNvPr id="3" name="内容占位符 2"/>
+          <p:cNvSpPr>
+            <a:spLocks noGrp="1"/>
+          </p:cNvSpPr>
+          <p:nvPr>
+            <p:ph idx="1"/>
+          </p:nvPr>
+        </p:nvSpPr>
+        <p:spPr/>
+        <p:txBody>
+          <a:bodyPr/>
+          <a:p>
+            <a:endParaRPr lang="zh-CN" altLang="en-US"/>
+          </a:p>
+          <a:p>
+            <a:endParaRPr lang="zh-CN" altLang="en-US"/>
+          </a:p>
+          <a:p>
+            <a:endParaRPr lang="zh-CN" altLang="en-US"/>
+          </a:p>
+          <a:p>
+            <a:endParaRPr lang="zh-CN" altLang="en-US"/>
+          </a:p>
+          <a:p>
+            <a:endParaRPr lang="zh-CN" altLang="en-US"/>
+          </a:p>
+          <a:p>
+            <a:r>
+              <a:rPr lang="zh-CN" altLang="en-US"/>
+              <a:t>遗憾的是：类似于</a:t>
+            </a:r>
+            <a:r>
+              <a:rPr lang="en-US" altLang="zh-CN"/>
+              <a:t>ES6</a:t>
+            </a:r>
+            <a:r>
+              <a:rPr lang="zh-CN" altLang="en-US"/>
+              <a:t>的</a:t>
+            </a:r>
+            <a:r>
+              <a:rPr lang="en-US" altLang="zh-CN"/>
+              <a:t>import</a:t>
+            </a:r>
+            <a:r>
+              <a:rPr lang="zh-CN" altLang="en-US"/>
+              <a:t>，</a:t>
+            </a:r>
+            <a:r>
+              <a:rPr lang="en-US" altLang="zh-CN"/>
+              <a:t>commonJs</a:t>
+            </a:r>
+            <a:r>
+              <a:rPr lang="zh-CN" altLang="en-US"/>
+              <a:t>的</a:t>
+            </a:r>
+            <a:r>
+              <a:rPr lang="en-US" altLang="zh-CN"/>
+              <a:t>require</a:t>
+            </a:r>
+            <a:r>
+              <a:rPr lang="zh-CN" altLang="en-US"/>
+              <a:t>，</a:t>
+            </a:r>
+            <a:r>
+              <a:rPr lang="en-US" altLang="zh-CN"/>
+              <a:t>AMD</a:t>
+            </a:r>
+            <a:r>
+              <a:rPr lang="zh-CN" altLang="en-US"/>
+              <a:t>的</a:t>
+            </a:r>
+            <a:r>
+              <a:rPr lang="en-US" altLang="zh-CN"/>
+              <a:t>require</a:t>
+            </a:r>
+            <a:r>
+              <a:rPr lang="zh-CN" altLang="en-US"/>
+              <a:t>都在</a:t>
+            </a:r>
+            <a:r>
+              <a:rPr lang="zh-CN" altLang="en-US"/>
+              <a:t>源代码无法直接运行，必须通过转换后才可以正常运行。</a:t>
+            </a:r>
+            <a:endParaRPr lang="zh-CN" altLang="en-US"/>
+          </a:p>
+          <a:p>
+            <a:endParaRPr lang="zh-CN" altLang="en-US"/>
+          </a:p>
+        </p:txBody>
+      </p:sp>
+      <p:pic>
+        <p:nvPicPr>
+          <p:cNvPr id="5" name="图片 4" descr="单独引用"/>
+          <p:cNvPicPr>
+            <a:picLocks noChangeAspect="1"/>
+          </p:cNvPicPr>
+          <p:nvPr/>
+        </p:nvPicPr>
+        <p:blipFill>
+          <a:blip r:embed="rId1"/>
+          <a:stretch>
+            <a:fillRect/>
+          </a:stretch>
+        </p:blipFill>
+        <p:spPr>
+          <a:xfrm>
+            <a:off x="838200" y="1691005"/>
+            <a:ext cx="8267700" cy="1247775"/>
+          </a:xfrm>
+          <a:prstGeom prst="rect">
+            <a:avLst/>
+          </a:prstGeom>
+        </p:spPr>
+      </p:pic>
+      <p:pic>
+        <p:nvPicPr>
+          <p:cNvPr id="6" name="图片 5" descr="import"/>
+          <p:cNvPicPr>
+            <a:picLocks noChangeAspect="1"/>
+          </p:cNvPicPr>
+          <p:nvPr/>
+        </p:nvPicPr>
+        <p:blipFill>
+          <a:blip r:embed="rId2"/>
+          <a:stretch>
+            <a:fillRect/>
+          </a:stretch>
+        </p:blipFill>
+        <p:spPr>
+          <a:xfrm>
+            <a:off x="838200" y="3091815"/>
+            <a:ext cx="4495800" cy="1219200"/>
+          </a:xfrm>
+          <a:prstGeom prst="rect">
+            <a:avLst/>
+          </a:prstGeom>
+        </p:spPr>
+      </p:pic>
+    </p:spTree>
+  </p:cSld>
+  <p:clrMapOvr>
+    <a:masterClrMapping/>
+  </p:clrMapOvr>
+</p:sld>
+</file>
+
+<file path=ppt/slides/slide14.xml><?xml version="1.0" encoding="utf-8"?>
+<p:sld xmlns:a="http://schemas.openxmlformats.org/drawingml/2006/main" xmlns:r="http://schemas.openxmlformats.org/officeDocument/2006/relationships" xmlns:p="http://schemas.openxmlformats.org/presentationml/2006/main">
+  <p:cSld>
+    <p:spTree>
+      <p:nvGrpSpPr>
+        <p:cNvPr id="1" name=""/>
+        <p:cNvGrpSpPr/>
+        <p:nvPr/>
+      </p:nvGrpSpPr>
+      <p:grpSpPr/>
+      <p:sp>
+        <p:nvSpPr>
+          <p:cNvPr id="2" name="标题 1"/>
+          <p:cNvSpPr>
+            <a:spLocks noGrp="1"/>
+          </p:cNvSpPr>
+          <p:nvPr>
+            <p:ph type="title"/>
+          </p:nvPr>
+        </p:nvSpPr>
+        <p:spPr/>
+        <p:txBody>
+          <a:bodyPr/>
+          <a:p>
+            <a:endParaRPr lang="zh-CN" altLang="en-US"/>
+          </a:p>
+        </p:txBody>
+      </p:sp>
+      <p:sp>
+        <p:nvSpPr>
+          <p:cNvPr id="3" name="内容占位符 2"/>
+          <p:cNvSpPr>
+            <a:spLocks noGrp="1"/>
+          </p:cNvSpPr>
+          <p:nvPr>
+            <p:ph idx="1"/>
+          </p:nvPr>
+        </p:nvSpPr>
+        <p:spPr/>
+        <p:txBody>
+          <a:bodyPr/>
+          <a:p>
+            <a:r>
+              <a:rPr lang="zh-CN" altLang="en-US"/>
+              <a:t>刚才已经从模块化思维，阐述了我们从代码优化角度，用构建工具的好处。</a:t>
+            </a:r>
+            <a:endParaRPr lang="zh-CN" altLang="en-US"/>
+          </a:p>
+          <a:p>
+            <a:endParaRPr lang="zh-CN" altLang="en-US"/>
+          </a:p>
+          <a:p>
+            <a:r>
+              <a:rPr lang="zh-CN" altLang="en-US"/>
+              <a:t>其他原因：</a:t>
+            </a:r>
+            <a:endParaRPr lang="zh-CN" altLang="en-US"/>
+          </a:p>
+          <a:p>
+            <a:pPr lvl="1"/>
+            <a:r>
+              <a:rPr lang="zh-CN" altLang="en-US"/>
+              <a:t>新框架： </a:t>
+            </a:r>
+            <a:r>
+              <a:rPr lang="en-US" altLang="zh-CN"/>
+              <a:t>Vue</a:t>
+            </a:r>
+            <a:r>
+              <a:rPr lang="zh-CN" altLang="en-US"/>
+              <a:t>；</a:t>
+            </a:r>
+            <a:r>
+              <a:rPr lang="en-US" altLang="zh-CN"/>
+              <a:t>React</a:t>
+            </a:r>
+            <a:r>
+              <a:rPr lang="zh-CN" altLang="en-US"/>
+              <a:t>；</a:t>
+            </a:r>
+            <a:r>
+              <a:rPr lang="en-US" altLang="zh-CN"/>
+              <a:t>Angular</a:t>
+            </a:r>
+            <a:r>
+              <a:rPr lang="zh-CN" altLang="en-US"/>
+              <a:t>；</a:t>
+            </a:r>
+            <a:endParaRPr lang="zh-CN" altLang="en-US"/>
+          </a:p>
+          <a:p>
+            <a:pPr lvl="1"/>
+            <a:r>
+              <a:rPr lang="zh-CN" altLang="en-US"/>
+              <a:t>新语言：</a:t>
+            </a:r>
+            <a:r>
+              <a:rPr lang="en-US" altLang="zh-CN"/>
+              <a:t>ES6</a:t>
+            </a:r>
+            <a:r>
+              <a:rPr lang="zh-CN" altLang="en-US"/>
+              <a:t>；</a:t>
+            </a:r>
+            <a:r>
+              <a:rPr lang="en-US" altLang="zh-CN"/>
+              <a:t>Typescript</a:t>
+            </a:r>
+            <a:r>
+              <a:rPr lang="zh-CN" altLang="en-US"/>
+              <a:t>；</a:t>
+            </a:r>
+            <a:r>
+              <a:rPr lang="en-US" altLang="zh-CN"/>
+              <a:t>Flow</a:t>
+            </a:r>
+            <a:r>
+              <a:rPr lang="zh-CN" altLang="en-US"/>
+              <a:t>；</a:t>
+            </a:r>
+            <a:r>
+              <a:rPr lang="en-US" altLang="zh-CN"/>
+              <a:t>SCSS/LESS;</a:t>
+            </a:r>
+            <a:r>
+              <a:rPr lang="zh-CN" altLang="en-US"/>
+              <a:t>等等；</a:t>
+            </a:r>
+            <a:endParaRPr lang="zh-CN" altLang="en-US"/>
+          </a:p>
+          <a:p>
+            <a:pPr lvl="1"/>
+            <a:endParaRPr lang="zh-CN" altLang="en-US"/>
+          </a:p>
+        </p:txBody>
+      </p:sp>
+    </p:spTree>
+  </p:cSld>
+  <p:clrMapOvr>
+    <a:masterClrMapping/>
+  </p:clrMapOvr>
+</p:sld>
+</file>
+
+<file path=ppt/slides/slide15.xml><?xml version="1.0" encoding="utf-8"?>
+<p:sld xmlns:a="http://schemas.openxmlformats.org/drawingml/2006/main" xmlns:r="http://schemas.openxmlformats.org/officeDocument/2006/relationships" xmlns:p="http://schemas.openxmlformats.org/presentationml/2006/main">
+  <p:cSld>
+    <p:spTree>
+      <p:nvGrpSpPr>
+        <p:cNvPr id="1" name=""/>
+        <p:cNvGrpSpPr/>
+        <p:nvPr/>
+      </p:nvGrpSpPr>
+      <p:grpSpPr/>
+      <p:sp>
+        <p:nvSpPr>
+          <p:cNvPr id="2" name="标题 1"/>
+          <p:cNvSpPr>
+            <a:spLocks noGrp="1"/>
+          </p:cNvSpPr>
+          <p:nvPr>
+            <p:ph type="title"/>
+          </p:nvPr>
+        </p:nvSpPr>
+        <p:spPr/>
+        <p:txBody>
+          <a:bodyPr/>
+          <a:p>
+            <a:endParaRPr lang="zh-CN" altLang="en-US"/>
+          </a:p>
+        </p:txBody>
+      </p:sp>
+      <p:sp>
+        <p:nvSpPr>
+          <p:cNvPr id="3" name="内容占位符 2"/>
+          <p:cNvSpPr>
+            <a:spLocks noGrp="1"/>
+          </p:cNvSpPr>
+          <p:nvPr>
+            <p:ph idx="1"/>
+          </p:nvPr>
+        </p:nvSpPr>
+        <p:spPr/>
+        <p:txBody>
+          <a:bodyPr/>
+          <a:p>
+            <a:pPr marL="457200" lvl="1" indent="0">
+              <a:buNone/>
+            </a:pPr>
+            <a:r>
+              <a:rPr lang="zh-CN" altLang="en-US"/>
+              <a:t>在我初识</a:t>
+            </a:r>
+            <a:r>
+              <a:rPr lang="en-US" altLang="zh-CN"/>
+              <a:t>web</a:t>
+            </a:r>
+            <a:r>
+              <a:rPr lang="zh-CN" altLang="en-US"/>
+              <a:t>前端的时候，听到过几个前端构建工具。如</a:t>
+            </a:r>
+            <a:r>
+              <a:rPr lang="en-US" altLang="zh-CN"/>
+              <a:t>grunt</a:t>
+            </a:r>
+            <a:r>
+              <a:rPr lang="zh-CN" altLang="en-US"/>
+              <a:t>，</a:t>
+            </a:r>
+            <a:r>
+              <a:rPr lang="en-US" altLang="zh-CN"/>
+              <a:t>glup</a:t>
+            </a:r>
+            <a:r>
+              <a:rPr lang="zh-CN" altLang="en-US"/>
+              <a:t>，</a:t>
+            </a:r>
+            <a:r>
+              <a:rPr lang="en-US" altLang="zh-CN"/>
+              <a:t>webpack</a:t>
+            </a:r>
+            <a:r>
+              <a:rPr lang="zh-CN" altLang="en-US"/>
+              <a:t>。我当时连为什么要用这些工具都不知道！更不知道到底要选哪一个！于是都学习了下，都是一知半解，最终都忘掉。</a:t>
+            </a:r>
+            <a:endParaRPr lang="zh-CN" altLang="en-US"/>
+          </a:p>
+          <a:p>
+            <a:pPr marL="457200" lvl="1" indent="0">
+              <a:buNone/>
+            </a:pPr>
+            <a:endParaRPr lang="zh-CN" altLang="en-US"/>
+          </a:p>
+          <a:p>
+            <a:pPr marL="457200" lvl="1" indent="0">
+              <a:buNone/>
+            </a:pPr>
+            <a:r>
+              <a:rPr lang="zh-CN" altLang="en-US"/>
+              <a:t>所以，我们这里先对其他构建工具了解下，列举出各个工具的优缺点。这样可以让我们更好的去理解</a:t>
+            </a:r>
+            <a:r>
+              <a:rPr lang="en-US" altLang="zh-CN"/>
+              <a:t>webpack</a:t>
+            </a:r>
+            <a:endParaRPr lang="en-US" altLang="zh-CN"/>
+          </a:p>
+        </p:txBody>
+      </p:sp>
+    </p:spTree>
+  </p:cSld>
+  <p:clrMapOvr>
+    <a:masterClrMapping/>
+  </p:clrMapOvr>
+</p:sld>
+</file>
+
+<file path=ppt/slides/slide16.xml><?xml version="1.0" encoding="utf-8"?>
+<p:sld xmlns:a="http://schemas.openxmlformats.org/drawingml/2006/main" xmlns:r="http://schemas.openxmlformats.org/officeDocument/2006/relationships" xmlns:p="http://schemas.openxmlformats.org/presentationml/2006/main">
+  <p:cSld>
+    <p:spTree>
+      <p:nvGrpSpPr>
+        <p:cNvPr id="1" name=""/>
+        <p:cNvGrpSpPr/>
+        <p:nvPr/>
+      </p:nvGrpSpPr>
+      <p:grpSpPr/>
+      <p:sp>
+        <p:nvSpPr>
+          <p:cNvPr id="2" name="标题 1"/>
+          <p:cNvSpPr>
+            <a:spLocks noGrp="1"/>
+          </p:cNvSpPr>
+          <p:nvPr>
+            <p:ph type="title"/>
+          </p:nvPr>
+        </p:nvSpPr>
+        <p:spPr/>
+        <p:txBody>
+          <a:bodyPr>
+            <a:normAutofit/>
+          </a:bodyPr>
+          <a:p>
+            <a:r>
+              <a:rPr lang="zh-CN" altLang="en-US">
+                <a:sym typeface="+mn-ea"/>
+              </a:rPr>
+              <a:t>听过的构建工具</a:t>
+            </a:r>
+            <a:endParaRPr lang="en-US" altLang="zh-CN"/>
+          </a:p>
+        </p:txBody>
+      </p:sp>
+      <p:sp>
+        <p:nvSpPr>
+          <p:cNvPr id="3" name="内容占位符 2"/>
+          <p:cNvSpPr>
+            <a:spLocks noGrp="1"/>
+          </p:cNvSpPr>
+          <p:nvPr>
+            <p:ph idx="1"/>
+          </p:nvPr>
+        </p:nvSpPr>
+        <p:spPr/>
+        <p:txBody>
+          <a:bodyPr>
+            <a:normAutofit lnSpcReduction="10000"/>
+          </a:bodyPr>
+          <a:p>
+            <a:pPr marL="514350" indent="-514350">
+              <a:buAutoNum type="arabicPeriod"/>
+            </a:pPr>
+            <a:r>
+              <a:rPr lang="en-US" altLang="zh-CN"/>
+              <a:t>Grunt</a:t>
+            </a:r>
+            <a:endParaRPr lang="en-US" altLang="zh-CN"/>
+          </a:p>
+          <a:p>
+            <a:pPr marL="514350" indent="-514350">
+              <a:buAutoNum type="arabicPeriod"/>
+            </a:pPr>
+            <a:r>
+              <a:rPr lang="en-US" altLang="zh-CN"/>
+              <a:t>Gulp</a:t>
+            </a:r>
+            <a:endParaRPr lang="en-US" altLang="zh-CN"/>
+          </a:p>
+          <a:p>
+            <a:pPr marL="514350" indent="-514350">
+              <a:buAutoNum type="arabicPeriod"/>
+            </a:pPr>
+            <a:r>
+              <a:rPr lang="en-US" altLang="zh-CN"/>
+              <a:t>browserify</a:t>
+            </a:r>
+            <a:endParaRPr lang="en-US" altLang="zh-CN"/>
+          </a:p>
+          <a:p>
+            <a:pPr marL="514350" indent="-514350">
+              <a:buAutoNum type="arabicPeriod"/>
+            </a:pPr>
+            <a:r>
+              <a:rPr lang="en-US" altLang="zh-CN"/>
+              <a:t>Parcel</a:t>
+            </a:r>
+            <a:endParaRPr lang="en-US" altLang="zh-CN"/>
+          </a:p>
+          <a:p>
+            <a:pPr marL="514350" indent="-514350">
+              <a:buAutoNum type="arabicPeriod"/>
+            </a:pPr>
+            <a:r>
+              <a:rPr lang="en-US" altLang="zh-CN"/>
+              <a:t>Fis3</a:t>
+            </a:r>
+            <a:endParaRPr lang="en-US" altLang="zh-CN"/>
+          </a:p>
+          <a:p>
+            <a:pPr marL="514350" indent="-514350">
+              <a:buAutoNum type="arabicPeriod"/>
+            </a:pPr>
+            <a:r>
+              <a:rPr lang="en-US" altLang="zh-CN"/>
+              <a:t>yeoman</a:t>
+            </a:r>
+            <a:endParaRPr lang="en-US" altLang="zh-CN"/>
+          </a:p>
+          <a:p>
+            <a:pPr marL="514350" indent="-514350">
+              <a:buAutoNum type="arabicPeriod"/>
+            </a:pPr>
+            <a:r>
+              <a:rPr lang="en-US" altLang="zh-CN">
+                <a:sym typeface="+mn-ea"/>
+              </a:rPr>
+              <a:t>Rollup</a:t>
+            </a:r>
+            <a:endParaRPr lang="en-US" altLang="zh-CN"/>
+          </a:p>
+          <a:p>
+            <a:pPr marL="514350" indent="-514350">
+              <a:buAutoNum type="arabicPeriod"/>
+            </a:pPr>
+            <a:r>
+              <a:rPr lang="en-US" altLang="zh-CN"/>
+              <a:t>Webpack</a:t>
+            </a:r>
+            <a:endParaRPr lang="en-US" altLang="zh-CN"/>
+          </a:p>
+          <a:p>
+            <a:pPr marL="514350" indent="-514350"/>
+            <a:endParaRPr lang="en-US" altLang="zh-CN"/>
+          </a:p>
+        </p:txBody>
+      </p:sp>
+    </p:spTree>
+  </p:cSld>
+  <p:clrMapOvr>
+    <a:masterClrMapping/>
+  </p:clrMapOvr>
+</p:sld>
+</file>
+
+<file path=ppt/slides/slide17.xml><?xml version="1.0" encoding="utf-8"?>
+<p:sld xmlns:a="http://schemas.openxmlformats.org/drawingml/2006/main" xmlns:r="http://schemas.openxmlformats.org/officeDocument/2006/relationships" xmlns:p="http://schemas.openxmlformats.org/presentationml/2006/main">
+  <p:cSld>
+    <p:spTree>
+      <p:nvGrpSpPr>
+        <p:cNvPr id="1" name=""/>
+        <p:cNvGrpSpPr/>
+        <p:nvPr/>
+      </p:nvGrpSpPr>
+      <p:grpSpPr/>
+      <p:sp>
+        <p:nvSpPr>
+          <p:cNvPr id="2" name="标题 1"/>
+          <p:cNvSpPr>
+            <a:spLocks noGrp="1"/>
+          </p:cNvSpPr>
+          <p:nvPr>
+            <p:ph type="title"/>
+          </p:nvPr>
+        </p:nvSpPr>
+        <p:spPr/>
+        <p:txBody>
+          <a:bodyPr/>
+          <a:p>
+            <a:r>
+              <a:rPr lang="zh-CN" altLang="en-US">
+                <a:sym typeface="+mn-ea"/>
+              </a:rPr>
+              <a:t>Grunt</a:t>
+            </a:r>
+            <a:endParaRPr lang="zh-CN" altLang="en-US"/>
+          </a:p>
+        </p:txBody>
+      </p:sp>
+      <p:sp>
+        <p:nvSpPr>
+          <p:cNvPr id="3" name="内容占位符 2"/>
+          <p:cNvSpPr>
+            <a:spLocks noGrp="1"/>
+          </p:cNvSpPr>
+          <p:nvPr>
+            <p:ph idx="1"/>
+          </p:nvPr>
+        </p:nvSpPr>
+        <p:spPr/>
+        <p:txBody>
+          <a:bodyPr/>
+          <a:p>
+            <a:endParaRPr lang="zh-CN" altLang="en-US"/>
+          </a:p>
+        </p:txBody>
+      </p:sp>
+      <p:pic>
+        <p:nvPicPr>
+          <p:cNvPr id="4" name="图片 3" descr="grunt"/>
+          <p:cNvPicPr>
+            <a:picLocks noChangeAspect="1"/>
+          </p:cNvPicPr>
+          <p:nvPr/>
+        </p:nvPicPr>
+        <p:blipFill>
+          <a:blip r:embed="rId1"/>
+          <a:stretch>
+            <a:fillRect/>
+          </a:stretch>
+        </p:blipFill>
+        <p:spPr>
+          <a:xfrm>
+            <a:off x="838200" y="1825625"/>
+            <a:ext cx="10057765" cy="4639945"/>
+          </a:xfrm>
+          <a:prstGeom prst="rect">
+            <a:avLst/>
+          </a:prstGeom>
+        </p:spPr>
+      </p:pic>
+    </p:spTree>
+  </p:cSld>
+  <p:clrMapOvr>
+    <a:masterClrMapping/>
+  </p:clrMapOvr>
+</p:sld>
+</file>
+
+<file path=ppt/slides/slide18.xml><?xml version="1.0" encoding="utf-8"?>
+<p:sld xmlns:a="http://schemas.openxmlformats.org/drawingml/2006/main" xmlns:r="http://schemas.openxmlformats.org/officeDocument/2006/relationships" xmlns:p="http://schemas.openxmlformats.org/presentationml/2006/main">
+  <p:cSld>
+    <p:spTree>
+      <p:nvGrpSpPr>
+        <p:cNvPr id="1" name=""/>
+        <p:cNvGrpSpPr/>
+        <p:nvPr/>
+      </p:nvGrpSpPr>
+      <p:grpSpPr/>
+      <p:sp>
+        <p:nvSpPr>
+          <p:cNvPr id="2" name="标题 1"/>
+          <p:cNvSpPr>
+            <a:spLocks noGrp="1"/>
+          </p:cNvSpPr>
+          <p:nvPr>
+            <p:ph type="title"/>
+          </p:nvPr>
+        </p:nvSpPr>
+        <p:spPr/>
+        <p:txBody>
+          <a:bodyPr/>
+          <a:p>
+            <a:r>
+              <a:rPr lang="en-US" altLang="zh-CN"/>
+              <a:t>Grunt</a:t>
+            </a:r>
+            <a:endParaRPr lang="en-US" altLang="zh-CN"/>
+          </a:p>
+        </p:txBody>
+      </p:sp>
+      <p:sp>
+        <p:nvSpPr>
+          <p:cNvPr id="3" name="内容占位符 2"/>
+          <p:cNvSpPr>
+            <a:spLocks noGrp="1"/>
+          </p:cNvSpPr>
+          <p:nvPr>
+            <p:ph idx="1"/>
+          </p:nvPr>
+        </p:nvSpPr>
+        <p:spPr/>
+        <p:txBody>
+          <a:bodyPr/>
+          <a:p>
+            <a:r>
+              <a:rPr lang="zh-CN" altLang="en-US" sz="2800">
+                <a:sym typeface="+mn-ea"/>
+              </a:rPr>
+              <a:t>优点：</a:t>
+            </a:r>
+            <a:endParaRPr lang="zh-CN" altLang="en-US" sz="2800"/>
+          </a:p>
+          <a:p>
+            <a:pPr lvl="1"/>
+            <a:r>
+              <a:rPr lang="zh-CN" altLang="en-US" sz="2800">
+                <a:sym typeface="+mn-ea"/>
+              </a:rPr>
+              <a:t>灵活，它只负责执行你定义的任务；</a:t>
+            </a:r>
+            <a:endParaRPr lang="zh-CN" altLang="en-US" sz="2800"/>
+          </a:p>
+          <a:p>
+            <a:pPr lvl="1"/>
+            <a:r>
+              <a:rPr lang="zh-CN" altLang="en-US" sz="2800">
+                <a:sym typeface="+mn-ea"/>
+              </a:rPr>
+              <a:t>大量的可复用插件封装好了常见的构建任务。</a:t>
+            </a:r>
+            <a:endParaRPr lang="zh-CN" altLang="en-US" sz="2800"/>
+          </a:p>
+          <a:p>
+            <a:r>
+              <a:rPr lang="zh-CN" altLang="en-US" sz="2800">
+                <a:sym typeface="+mn-ea"/>
+              </a:rPr>
+              <a:t>缺点：</a:t>
+            </a:r>
+            <a:endParaRPr lang="zh-CN" altLang="en-US" sz="2800"/>
+          </a:p>
+          <a:p>
+            <a:pPr lvl="1"/>
+            <a:r>
+              <a:rPr lang="zh-CN" altLang="en-US" sz="2800">
+                <a:sym typeface="+mn-ea"/>
+              </a:rPr>
+              <a:t>集成度不高，</a:t>
+            </a:r>
+            <a:r>
+              <a:rPr lang="zh-CN" altLang="en-US" sz="2800">
+                <a:solidFill>
+                  <a:srgbClr val="FF0000"/>
+                </a:solidFill>
+                <a:sym typeface="+mn-ea"/>
+              </a:rPr>
+              <a:t>要写很多配置后才可以用，无法做到开箱即用。</a:t>
+            </a:r>
+            <a:endParaRPr lang="zh-CN" altLang="en-US" sz="2800">
+              <a:solidFill>
+                <a:srgbClr val="FF0000"/>
+              </a:solidFill>
+            </a:endParaRPr>
+          </a:p>
+          <a:p>
+            <a:endParaRPr lang="zh-CN" altLang="en-US" sz="2800">
+              <a:solidFill>
+                <a:srgbClr val="FF0000"/>
+              </a:solidFill>
+            </a:endParaRPr>
+          </a:p>
+        </p:txBody>
+      </p:sp>
+    </p:spTree>
+  </p:cSld>
+  <p:clrMapOvr>
+    <a:masterClrMapping/>
+  </p:clrMapOvr>
+</p:sld>
+</file>
+
+<file path=ppt/slides/slide19.xml><?xml version="1.0" encoding="utf-8"?>
+<p:sld xmlns:a="http://schemas.openxmlformats.org/drawingml/2006/main" xmlns:r="http://schemas.openxmlformats.org/officeDocument/2006/relationships" xmlns:p="http://schemas.openxmlformats.org/presentationml/2006/main">
+  <p:cSld>
+    <p:spTree>
+      <p:nvGrpSpPr>
+        <p:cNvPr id="1" name=""/>
+        <p:cNvGrpSpPr/>
+        <p:nvPr/>
+      </p:nvGrpSpPr>
+      <p:grpSpPr/>
+      <p:sp>
+        <p:nvSpPr>
+          <p:cNvPr id="2" name="标题 1"/>
+          <p:cNvSpPr>
+            <a:spLocks noGrp="1"/>
+          </p:cNvSpPr>
+          <p:nvPr>
+            <p:ph type="title"/>
+          </p:nvPr>
+        </p:nvSpPr>
+        <p:spPr/>
+        <p:txBody>
+          <a:bodyPr/>
+          <a:p>
+            <a:r>
+              <a:rPr lang="en-US" altLang="zh-CN"/>
+              <a:t>Gulp</a:t>
+            </a:r>
+            <a:endParaRPr lang="en-US" altLang="zh-CN"/>
+          </a:p>
+        </p:txBody>
+      </p:sp>
+      <p:sp>
+        <p:nvSpPr>
+          <p:cNvPr id="3" name="内容占位符 2"/>
+          <p:cNvSpPr>
+            <a:spLocks noGrp="1"/>
+          </p:cNvSpPr>
+          <p:nvPr>
+            <p:ph idx="1"/>
+          </p:nvPr>
+        </p:nvSpPr>
+        <p:spPr/>
+        <p:txBody>
+          <a:bodyPr/>
+          <a:p>
+            <a:endParaRPr lang="zh-CN" altLang="en-US"/>
+          </a:p>
+        </p:txBody>
+      </p:sp>
+      <p:pic>
+        <p:nvPicPr>
+          <p:cNvPr id="4" name="图片 3" descr="gulp"/>
+          <p:cNvPicPr>
+            <a:picLocks noChangeAspect="1"/>
+          </p:cNvPicPr>
+          <p:nvPr/>
+        </p:nvPicPr>
+        <p:blipFill>
+          <a:blip r:embed="rId1"/>
+          <a:stretch>
+            <a:fillRect/>
+          </a:stretch>
+        </p:blipFill>
+        <p:spPr>
+          <a:xfrm>
+            <a:off x="838200" y="1825625"/>
+            <a:ext cx="10058400" cy="4991735"/>
+          </a:xfrm>
+          <a:prstGeom prst="rect">
+            <a:avLst/>
+          </a:prstGeom>
+        </p:spPr>
+      </p:pic>
+    </p:spTree>
+  </p:cSld>
+  <p:clrMapOvr>
+    <a:masterClrMapping/>
+  </p:clrMapOvr>
+</p:sld>
+</file>
+
+<file path=ppt/slides/slide2.xml><?xml version="1.0" encoding="utf-8"?>
+<p:sld xmlns:a="http://schemas.openxmlformats.org/drawingml/2006/main" xmlns:r="http://schemas.openxmlformats.org/officeDocument/2006/relationships" xmlns:p="http://schemas.openxmlformats.org/presentationml/2006/main">
+  <p:cSld>
+    <p:spTree>
+      <p:nvGrpSpPr>
+        <p:cNvPr id="1" name=""/>
+        <p:cNvGrpSpPr/>
+        <p:nvPr/>
+      </p:nvGrpSpPr>
+      <p:grpSpPr/>
+      <p:sp>
+        <p:nvSpPr>
+          <p:cNvPr id="2" name="标题 1"/>
+          <p:cNvSpPr>
+            <a:spLocks noGrp="1"/>
+          </p:cNvSpPr>
+          <p:nvPr>
+            <p:ph type="title"/>
+          </p:nvPr>
+        </p:nvSpPr>
+        <p:spPr/>
+        <p:txBody>
+          <a:bodyPr/>
+          <a:p>
+            <a:r>
+              <a:rPr lang="zh-CN" altLang="en-US"/>
+              <a:t>大纲</a:t>
+            </a:r>
+            <a:endParaRPr lang="zh-CN" altLang="en-US"/>
+          </a:p>
+        </p:txBody>
+      </p:sp>
+      <p:sp>
+        <p:nvSpPr>
+          <p:cNvPr id="3" name="内容占位符 2"/>
+          <p:cNvSpPr>
+            <a:spLocks noGrp="1"/>
+          </p:cNvSpPr>
+          <p:nvPr>
+            <p:ph idx="1"/>
+          </p:nvPr>
+        </p:nvSpPr>
+        <p:spPr/>
+        <p:txBody>
+          <a:bodyPr>
+            <a:normAutofit fontScale="90000" lnSpcReduction="20000"/>
+          </a:bodyPr>
+          <a:p>
+            <a:r>
+              <a:rPr lang="zh-CN" altLang="en-US"/>
+              <a:t>为什么要用</a:t>
+            </a:r>
+            <a:r>
+              <a:rPr lang="zh-CN" altLang="en-US">
+                <a:sym typeface="+mn-ea"/>
+              </a:rPr>
+              <a:t>构建工具</a:t>
+            </a:r>
+            <a:r>
+              <a:rPr lang="zh-CN" altLang="en-US"/>
+              <a:t>？</a:t>
+            </a:r>
+            <a:endParaRPr lang="zh-CN" altLang="en-US"/>
+          </a:p>
+          <a:p>
+            <a:pPr lvl="1"/>
+            <a:r>
+              <a:rPr lang="zh-CN" altLang="en-US">
+                <a:sym typeface="+mn-ea"/>
+              </a:rPr>
+              <a:t>传统的网页结构</a:t>
+            </a:r>
+            <a:endParaRPr lang="en-US" altLang="zh-CN"/>
+          </a:p>
+          <a:p>
+            <a:pPr lvl="1"/>
+            <a:r>
+              <a:rPr lang="zh-CN" altLang="en-US">
+                <a:sym typeface="+mn-ea"/>
+              </a:rPr>
+              <a:t>新技术（模块化</a:t>
+            </a:r>
+            <a:r>
+              <a:rPr lang="en-US" altLang="zh-CN">
+                <a:sym typeface="+mn-ea"/>
+              </a:rPr>
+              <a:t>+</a:t>
+            </a:r>
+            <a:r>
+              <a:rPr lang="zh-CN" altLang="en-US">
+                <a:sym typeface="+mn-ea"/>
+              </a:rPr>
+              <a:t>新语言</a:t>
+            </a:r>
+            <a:r>
+              <a:rPr lang="en-US" altLang="zh-CN">
+                <a:sym typeface="+mn-ea"/>
+              </a:rPr>
+              <a:t>+</a:t>
+            </a:r>
+            <a:r>
+              <a:rPr lang="zh-CN" altLang="en-US">
+                <a:sym typeface="+mn-ea"/>
+              </a:rPr>
+              <a:t>框架）</a:t>
+            </a:r>
+            <a:endParaRPr lang="en-US" altLang="zh-CN"/>
+          </a:p>
+          <a:p>
+            <a:pPr lvl="1"/>
+            <a:endParaRPr lang="en-US" altLang="zh-CN"/>
+          </a:p>
+          <a:p>
+            <a:r>
+              <a:rPr lang="zh-CN" altLang="en-US">
+                <a:sym typeface="+mn-ea"/>
+              </a:rPr>
+              <a:t>构建工具</a:t>
+            </a:r>
+            <a:endParaRPr lang="zh-CN" altLang="en-US">
+              <a:sym typeface="+mn-ea"/>
+            </a:endParaRPr>
+          </a:p>
+          <a:p>
+            <a:pPr lvl="1"/>
+            <a:r>
+              <a:rPr lang="zh-CN" altLang="en-US">
+                <a:sym typeface="+mn-ea"/>
+              </a:rPr>
+              <a:t>有哪些？</a:t>
+            </a:r>
+            <a:endParaRPr lang="zh-CN" altLang="en-US">
+              <a:sym typeface="+mn-ea"/>
+            </a:endParaRPr>
+          </a:p>
+          <a:p>
+            <a:pPr lvl="1"/>
+            <a:r>
+              <a:rPr lang="zh-CN" altLang="en-US">
+                <a:sym typeface="+mn-ea"/>
+              </a:rPr>
+              <a:t>优缺点？</a:t>
+            </a:r>
+            <a:endParaRPr lang="zh-CN" altLang="en-US">
+              <a:sym typeface="+mn-ea"/>
+            </a:endParaRPr>
+          </a:p>
+          <a:p>
+            <a:pPr lvl="1"/>
+            <a:r>
+              <a:rPr lang="zh-CN" altLang="en-US">
+                <a:sym typeface="+mn-ea"/>
+              </a:rPr>
+              <a:t>为什么要用</a:t>
+            </a:r>
+            <a:r>
+              <a:rPr lang="en-US" altLang="zh-CN">
+                <a:sym typeface="+mn-ea"/>
+              </a:rPr>
+              <a:t>webpack</a:t>
+            </a:r>
+            <a:r>
+              <a:rPr lang="zh-CN" altLang="en-US">
+                <a:sym typeface="+mn-ea"/>
+              </a:rPr>
+              <a:t>？</a:t>
+            </a:r>
+            <a:endParaRPr lang="en-US" altLang="zh-CN"/>
+          </a:p>
+          <a:p>
+            <a:endParaRPr lang="en-US" altLang="zh-CN"/>
+          </a:p>
+          <a:p>
+            <a:r>
+              <a:rPr lang="en-US" altLang="zh-CN"/>
+              <a:t>webpack</a:t>
+            </a:r>
+            <a:r>
+              <a:rPr lang="zh-CN" altLang="en-US"/>
+              <a:t>的配置属性（很多很细，用到了去查就行。这里不讲）</a:t>
+            </a:r>
+            <a:endParaRPr lang="zh-CN" altLang="en-US"/>
+          </a:p>
+          <a:p>
+            <a:endParaRPr lang="zh-CN" altLang="en-US"/>
+          </a:p>
+          <a:p>
+            <a:r>
+              <a:rPr lang="zh-CN" altLang="en-US"/>
+              <a:t>联系实际工作（代理服务器，服务器打包（</a:t>
+            </a:r>
+            <a:r>
+              <a:rPr lang="en-US" altLang="zh-CN"/>
+              <a:t>jenkins</a:t>
+            </a:r>
+            <a:r>
+              <a:rPr lang="zh-CN" altLang="en-US"/>
+              <a:t>结合</a:t>
+            </a:r>
+            <a:r>
+              <a:rPr lang="zh-CN" altLang="en-US"/>
+              <a:t>））</a:t>
+            </a:r>
+            <a:endParaRPr lang="zh-CN" altLang="en-US"/>
+          </a:p>
+        </p:txBody>
+      </p:sp>
+    </p:spTree>
+  </p:cSld>
+  <p:clrMapOvr>
+    <a:masterClrMapping/>
+  </p:clrMapOvr>
+</p:sld>
+</file>
+
+<file path=ppt/slides/slide20.xml><?xml version="1.0" encoding="utf-8"?>
+<p:sld xmlns:a="http://schemas.openxmlformats.org/drawingml/2006/main" xmlns:r="http://schemas.openxmlformats.org/officeDocument/2006/relationships" xmlns:p="http://schemas.openxmlformats.org/presentationml/2006/main">
+  <p:cSld>
+    <p:spTree>
+      <p:nvGrpSpPr>
+        <p:cNvPr id="1" name=""/>
+        <p:cNvGrpSpPr/>
+        <p:nvPr/>
+      </p:nvGrpSpPr>
+      <p:grpSpPr/>
+      <p:sp>
+        <p:nvSpPr>
+          <p:cNvPr id="2" name="标题 1"/>
+          <p:cNvSpPr>
+            <a:spLocks noGrp="1"/>
+          </p:cNvSpPr>
+          <p:nvPr>
+            <p:ph type="title"/>
+          </p:nvPr>
+        </p:nvSpPr>
+        <p:spPr/>
+        <p:txBody>
+          <a:bodyPr/>
+          <a:p>
+            <a:r>
+              <a:rPr lang="en-US" altLang="zh-CN"/>
+              <a:t>Gulp</a:t>
+            </a:r>
+            <a:endParaRPr lang="en-US" altLang="zh-CN"/>
+          </a:p>
+        </p:txBody>
+      </p:sp>
+      <p:sp>
+        <p:nvSpPr>
+          <p:cNvPr id="3" name="内容占位符 2"/>
+          <p:cNvSpPr>
+            <a:spLocks noGrp="1"/>
+          </p:cNvSpPr>
+          <p:nvPr>
+            <p:ph idx="1"/>
+          </p:nvPr>
+        </p:nvSpPr>
+        <p:spPr/>
+        <p:txBody>
+          <a:bodyPr/>
+          <a:p>
+            <a:r>
+              <a:rPr lang="zh-CN" altLang="en-US" sz="2800">
+                <a:sym typeface="+mn-ea"/>
+              </a:rPr>
+              <a:t>特点：</a:t>
+            </a:r>
+            <a:endParaRPr lang="zh-CN" altLang="en-US" sz="2800">
+              <a:sym typeface="+mn-ea"/>
+            </a:endParaRPr>
+          </a:p>
+          <a:p>
+            <a:pPr lvl="1"/>
+            <a:r>
+              <a:rPr lang="zh-CN" altLang="en-US" sz="2400">
+                <a:sym typeface="+mn-ea"/>
+              </a:rPr>
+              <a:t>Gulp 的最大特点是引入了</a:t>
+            </a:r>
+            <a:r>
+              <a:rPr lang="zh-CN" altLang="en-US" sz="2400">
+                <a:solidFill>
+                  <a:srgbClr val="FF0000"/>
+                </a:solidFill>
+                <a:sym typeface="+mn-ea"/>
+              </a:rPr>
+              <a:t>流</a:t>
+            </a:r>
+            <a:r>
+              <a:rPr lang="zh-CN" altLang="en-US" sz="2400">
+                <a:sym typeface="+mn-ea"/>
+              </a:rPr>
+              <a:t>的概念，同时提供了一系列常用的插件去处理流，流可以在插件之间传递。</a:t>
+            </a:r>
+            <a:endParaRPr lang="zh-CN" altLang="en-US" sz="2400">
+              <a:sym typeface="+mn-ea"/>
+            </a:endParaRPr>
+          </a:p>
+          <a:p>
+            <a:r>
+              <a:rPr lang="zh-CN" altLang="en-US" sz="2800">
+                <a:sym typeface="+mn-ea"/>
+              </a:rPr>
+              <a:t>优点：</a:t>
+            </a:r>
+            <a:endParaRPr lang="zh-CN" altLang="en-US" sz="2800"/>
+          </a:p>
+          <a:p>
+            <a:pPr lvl="1"/>
+            <a:r>
+              <a:rPr lang="zh-CN" altLang="en-US" sz="2800">
+                <a:sym typeface="+mn-ea"/>
+              </a:rPr>
+              <a:t>好用又不失灵活，既可以单独完成构建也可以和其它工具搭配使用。</a:t>
+            </a:r>
+            <a:endParaRPr lang="zh-CN" altLang="en-US" sz="2800">
+              <a:sym typeface="+mn-ea"/>
+            </a:endParaRPr>
+          </a:p>
+          <a:p>
+            <a:r>
+              <a:rPr lang="zh-CN" altLang="en-US" sz="2800">
+                <a:sym typeface="+mn-ea"/>
+              </a:rPr>
+              <a:t>缺点：</a:t>
+            </a:r>
+            <a:endParaRPr lang="zh-CN" altLang="en-US" sz="2800"/>
+          </a:p>
+          <a:p>
+            <a:pPr lvl="1"/>
+            <a:r>
+              <a:rPr lang="zh-CN" altLang="en-US" sz="2800">
+                <a:sym typeface="+mn-ea"/>
+              </a:rPr>
+              <a:t>集成度不高，</a:t>
+            </a:r>
+            <a:r>
+              <a:rPr lang="zh-CN" altLang="en-US" sz="2800">
+                <a:solidFill>
+                  <a:srgbClr val="FF0000"/>
+                </a:solidFill>
+                <a:sym typeface="+mn-ea"/>
+              </a:rPr>
+              <a:t>要写很多配置后才可以用，无法做到开箱即用。</a:t>
+            </a:r>
+            <a:endParaRPr lang="zh-CN" altLang="en-US" sz="2800">
+              <a:solidFill>
+                <a:srgbClr val="FF0000"/>
+              </a:solidFill>
+            </a:endParaRPr>
+          </a:p>
+          <a:p>
+            <a:endParaRPr lang="zh-CN" altLang="en-US"/>
+          </a:p>
+        </p:txBody>
+      </p:sp>
+    </p:spTree>
+  </p:cSld>
+  <p:clrMapOvr>
+    <a:masterClrMapping/>
+  </p:clrMapOvr>
+</p:sld>
+</file>
+
+<file path=ppt/slides/slide21.xml><?xml version="1.0" encoding="utf-8"?>
+<p:sld xmlns:a="http://schemas.openxmlformats.org/drawingml/2006/main" xmlns:r="http://schemas.openxmlformats.org/officeDocument/2006/relationships" xmlns:p="http://schemas.openxmlformats.org/presentationml/2006/main">
+  <p:cSld>
+    <p:spTree>
+      <p:nvGrpSpPr>
+        <p:cNvPr id="1" name=""/>
+        <p:cNvGrpSpPr/>
+        <p:nvPr/>
+      </p:nvGrpSpPr>
+      <p:grpSpPr/>
+      <p:sp>
+        <p:nvSpPr>
+          <p:cNvPr id="2" name="标题 1"/>
+          <p:cNvSpPr>
+            <a:spLocks noGrp="1"/>
+          </p:cNvSpPr>
+          <p:nvPr>
+            <p:ph type="title"/>
+          </p:nvPr>
+        </p:nvSpPr>
+        <p:spPr/>
+        <p:txBody>
+          <a:bodyPr/>
+          <a:p>
+            <a:r>
+              <a:rPr lang="zh-CN" altLang="en-US"/>
+              <a:t>browserify</a:t>
+            </a:r>
+            <a:endParaRPr lang="zh-CN" altLang="en-US"/>
+          </a:p>
+        </p:txBody>
+      </p:sp>
+      <p:sp>
+        <p:nvSpPr>
+          <p:cNvPr id="3" name="内容占位符 2"/>
+          <p:cNvSpPr>
+            <a:spLocks noGrp="1"/>
+          </p:cNvSpPr>
+          <p:nvPr>
+            <p:ph idx="1"/>
+          </p:nvPr>
+        </p:nvSpPr>
+        <p:spPr/>
+        <p:txBody>
+          <a:bodyPr/>
+          <a:p>
+            <a:endParaRPr lang="zh-CN" altLang="en-US"/>
+          </a:p>
+        </p:txBody>
+      </p:sp>
+      <p:pic>
+        <p:nvPicPr>
+          <p:cNvPr id="4" name="图片 3" descr="browserify"/>
+          <p:cNvPicPr>
+            <a:picLocks noChangeAspect="1"/>
+          </p:cNvPicPr>
+          <p:nvPr/>
+        </p:nvPicPr>
+        <p:blipFill>
+          <a:blip r:embed="rId1"/>
+          <a:stretch>
+            <a:fillRect/>
+          </a:stretch>
+        </p:blipFill>
+        <p:spPr>
+          <a:xfrm>
+            <a:off x="838200" y="1825625"/>
+            <a:ext cx="10058400" cy="4114800"/>
+          </a:xfrm>
+          <a:prstGeom prst="rect">
+            <a:avLst/>
+          </a:prstGeom>
+        </p:spPr>
+      </p:pic>
+    </p:spTree>
+  </p:cSld>
+  <p:clrMapOvr>
+    <a:masterClrMapping/>
+  </p:clrMapOvr>
+</p:sld>
+</file>
+
+<file path=ppt/slides/slide22.xml><?xml version="1.0" encoding="utf-8"?>
+<p:sld xmlns:a="http://schemas.openxmlformats.org/drawingml/2006/main" xmlns:r="http://schemas.openxmlformats.org/officeDocument/2006/relationships" xmlns:p="http://schemas.openxmlformats.org/presentationml/2006/main">
+  <p:cSld>
+    <p:spTree>
+      <p:nvGrpSpPr>
+        <p:cNvPr id="1" name=""/>
+        <p:cNvGrpSpPr/>
+        <p:nvPr/>
+      </p:nvGrpSpPr>
+      <p:grpSpPr/>
+      <p:sp>
+        <p:nvSpPr>
+          <p:cNvPr id="2" name="标题 1"/>
+          <p:cNvSpPr>
+            <a:spLocks noGrp="1"/>
+          </p:cNvSpPr>
+          <p:nvPr>
+            <p:ph type="title"/>
+          </p:nvPr>
+        </p:nvSpPr>
+        <p:spPr/>
+        <p:txBody>
+          <a:bodyPr/>
+          <a:p>
+            <a:r>
+              <a:rPr lang="zh-CN" altLang="en-US"/>
+              <a:t>Parcel</a:t>
+            </a:r>
+            <a:endParaRPr lang="zh-CN" altLang="en-US"/>
+          </a:p>
+        </p:txBody>
+      </p:sp>
+      <p:sp>
+        <p:nvSpPr>
+          <p:cNvPr id="3" name="内容占位符 2"/>
+          <p:cNvSpPr>
+            <a:spLocks noGrp="1"/>
+          </p:cNvSpPr>
+          <p:nvPr>
+            <p:ph idx="1"/>
+          </p:nvPr>
+        </p:nvSpPr>
+        <p:spPr/>
+        <p:txBody>
+          <a:bodyPr/>
+          <a:p>
+            <a:endParaRPr lang="zh-CN" altLang="en-US"/>
+          </a:p>
+        </p:txBody>
+      </p:sp>
+      <p:pic>
+        <p:nvPicPr>
+          <p:cNvPr id="4" name="图片 3" descr="Parcel"/>
+          <p:cNvPicPr>
+            <a:picLocks noChangeAspect="1"/>
+          </p:cNvPicPr>
+          <p:nvPr/>
+        </p:nvPicPr>
+        <p:blipFill>
+          <a:blip r:embed="rId1"/>
+          <a:stretch>
+            <a:fillRect/>
+          </a:stretch>
+        </p:blipFill>
+        <p:spPr>
+          <a:xfrm>
+            <a:off x="838200" y="1825625"/>
+            <a:ext cx="10057765" cy="4467860"/>
+          </a:xfrm>
+          <a:prstGeom prst="rect">
+            <a:avLst/>
+          </a:prstGeom>
+        </p:spPr>
+      </p:pic>
+    </p:spTree>
+  </p:cSld>
+  <p:clrMapOvr>
+    <a:masterClrMapping/>
+  </p:clrMapOvr>
+</p:sld>
+</file>
+
+<file path=ppt/slides/slide23.xml><?xml version="1.0" encoding="utf-8"?>
+<p:sld xmlns:a="http://schemas.openxmlformats.org/drawingml/2006/main" xmlns:r="http://schemas.openxmlformats.org/officeDocument/2006/relationships" xmlns:p="http://schemas.openxmlformats.org/presentationml/2006/main">
+  <p:cSld>
+    <p:spTree>
+      <p:nvGrpSpPr>
+        <p:cNvPr id="1" name=""/>
+        <p:cNvGrpSpPr/>
+        <p:nvPr/>
+      </p:nvGrpSpPr>
+      <p:grpSpPr/>
+      <p:sp>
+        <p:nvSpPr>
+          <p:cNvPr id="2" name="标题 1"/>
+          <p:cNvSpPr>
+            <a:spLocks noGrp="1"/>
+          </p:cNvSpPr>
+          <p:nvPr>
+            <p:ph type="title"/>
+          </p:nvPr>
+        </p:nvSpPr>
+        <p:spPr/>
+        <p:txBody>
+          <a:bodyPr/>
+          <a:p>
+            <a:r>
+              <a:rPr lang="en-US" altLang="zh-CN"/>
+              <a:t>FIS3</a:t>
+            </a:r>
+            <a:endParaRPr lang="en-US" altLang="zh-CN"/>
+          </a:p>
+        </p:txBody>
+      </p:sp>
+      <p:sp>
+        <p:nvSpPr>
+          <p:cNvPr id="3" name="内容占位符 2"/>
+          <p:cNvSpPr>
+            <a:spLocks noGrp="1"/>
+          </p:cNvSpPr>
+          <p:nvPr>
+            <p:ph idx="1"/>
+          </p:nvPr>
+        </p:nvSpPr>
+        <p:spPr/>
+        <p:txBody>
+          <a:bodyPr/>
+          <a:p>
+            <a:endParaRPr lang="zh-CN" altLang="en-US"/>
+          </a:p>
+        </p:txBody>
+      </p:sp>
+      <p:pic>
+        <p:nvPicPr>
+          <p:cNvPr id="4" name="图片 3" descr="FIS3"/>
+          <p:cNvPicPr>
+            <a:picLocks noChangeAspect="1"/>
+          </p:cNvPicPr>
+          <p:nvPr/>
+        </p:nvPicPr>
+        <p:blipFill>
+          <a:blip r:embed="rId1"/>
+          <a:stretch>
+            <a:fillRect/>
+          </a:stretch>
+        </p:blipFill>
+        <p:spPr>
+          <a:xfrm>
+            <a:off x="838200" y="1825625"/>
+            <a:ext cx="10058400" cy="3917950"/>
+          </a:xfrm>
+          <a:prstGeom prst="rect">
+            <a:avLst/>
+          </a:prstGeom>
+        </p:spPr>
+      </p:pic>
+    </p:spTree>
+  </p:cSld>
+  <p:clrMapOvr>
+    <a:masterClrMapping/>
+  </p:clrMapOvr>
+</p:sld>
+</file>
+
+<file path=ppt/slides/slide24.xml><?xml version="1.0" encoding="utf-8"?>
+<p:sld xmlns:a="http://schemas.openxmlformats.org/drawingml/2006/main" xmlns:r="http://schemas.openxmlformats.org/officeDocument/2006/relationships" xmlns:p="http://schemas.openxmlformats.org/presentationml/2006/main">
+  <p:cSld>
+    <p:spTree>
+      <p:nvGrpSpPr>
+        <p:cNvPr id="1" name=""/>
+        <p:cNvGrpSpPr/>
+        <p:nvPr/>
+      </p:nvGrpSpPr>
+      <p:grpSpPr/>
+      <p:sp>
+        <p:nvSpPr>
+          <p:cNvPr id="2" name="标题 1"/>
+          <p:cNvSpPr>
+            <a:spLocks noGrp="1"/>
+          </p:cNvSpPr>
+          <p:nvPr>
+            <p:ph type="title"/>
+          </p:nvPr>
+        </p:nvSpPr>
+        <p:spPr/>
+        <p:txBody>
+          <a:bodyPr>
+            <a:normAutofit fontScale="90000"/>
+          </a:bodyPr>
+          <a:p>
+            <a:r>
+              <a:rPr lang="en-US" altLang="zh-CN">
+                <a:sym typeface="+mn-ea"/>
+              </a:rPr>
+              <a:t>FIS3</a:t>
+            </a:r>
+            <a:br>
+              <a:rPr lang="en-US" altLang="zh-CN"/>
+            </a:br>
+            <a:endParaRPr lang="zh-CN" altLang="en-US"/>
+          </a:p>
+        </p:txBody>
+      </p:sp>
+      <p:sp>
+        <p:nvSpPr>
+          <p:cNvPr id="3" name="内容占位符 2"/>
+          <p:cNvSpPr>
+            <a:spLocks noGrp="1"/>
+          </p:cNvSpPr>
+          <p:nvPr>
+            <p:ph idx="1"/>
+          </p:nvPr>
+        </p:nvSpPr>
+        <p:spPr/>
+        <p:txBody>
+          <a:bodyPr/>
+          <a:p>
+            <a:r>
+              <a:rPr lang="zh-CN" altLang="en-US"/>
+              <a:t>Fis3是来自</a:t>
+            </a:r>
+            <a:r>
+              <a:rPr lang="zh-CN" altLang="en-US">
+                <a:solidFill>
+                  <a:srgbClr val="FF0000"/>
+                </a:solidFill>
+              </a:rPr>
+              <a:t>百度的国产构建工具</a:t>
+            </a:r>
+            <a:endParaRPr lang="zh-CN" altLang="en-US">
+              <a:solidFill>
+                <a:srgbClr val="FF0000"/>
+              </a:solidFill>
+            </a:endParaRPr>
+          </a:p>
+          <a:p>
+            <a:endParaRPr lang="zh-CN" altLang="en-US">
+              <a:solidFill>
+                <a:srgbClr val="FF0000"/>
+              </a:solidFill>
+            </a:endParaRPr>
+          </a:p>
+          <a:p>
+            <a:r>
+              <a:rPr lang="zh-CN" altLang="en-US">
+                <a:solidFill>
+                  <a:schemeClr val="tx1"/>
+                </a:solidFill>
+              </a:rPr>
+              <a:t>优点：</a:t>
+            </a:r>
+            <a:endParaRPr lang="zh-CN" altLang="en-US">
+              <a:solidFill>
+                <a:schemeClr val="tx1"/>
+              </a:solidFill>
+            </a:endParaRPr>
+          </a:p>
+          <a:p>
+            <a:pPr lvl="1"/>
+            <a:r>
+              <a:rPr lang="zh-CN" altLang="en-US">
+                <a:solidFill>
+                  <a:schemeClr val="tx1"/>
+                </a:solidFill>
+              </a:rPr>
+              <a:t>集成了各种 Web 开发所需的构建功能，</a:t>
+            </a:r>
+            <a:r>
+              <a:rPr lang="zh-CN" altLang="en-US">
+                <a:solidFill>
+                  <a:srgbClr val="FF0000"/>
+                </a:solidFill>
+              </a:rPr>
+              <a:t>配置简单开箱即用</a:t>
+            </a:r>
+            <a:r>
+              <a:rPr lang="zh-CN" altLang="en-US">
+                <a:solidFill>
+                  <a:schemeClr val="tx1"/>
+                </a:solidFill>
+              </a:rPr>
+              <a:t>。</a:t>
+            </a:r>
+            <a:endParaRPr lang="zh-CN" altLang="en-US">
+              <a:solidFill>
+                <a:schemeClr val="tx1"/>
+              </a:solidFill>
+            </a:endParaRPr>
+          </a:p>
+          <a:p>
+            <a:pPr lvl="0"/>
+            <a:r>
+              <a:rPr lang="zh-CN" altLang="en-US">
+                <a:solidFill>
+                  <a:schemeClr val="tx1"/>
+                </a:solidFill>
+              </a:rPr>
+              <a:t>缺点：</a:t>
+            </a:r>
+            <a:endParaRPr lang="zh-CN" altLang="en-US">
+              <a:solidFill>
+                <a:schemeClr val="tx1"/>
+              </a:solidFill>
+            </a:endParaRPr>
+          </a:p>
+          <a:p>
+            <a:pPr lvl="1"/>
+            <a:r>
+              <a:rPr lang="zh-CN" altLang="en-US">
+                <a:solidFill>
+                  <a:schemeClr val="tx1"/>
+                </a:solidFill>
+              </a:rPr>
+              <a:t>目前官方已经</a:t>
+            </a:r>
+            <a:r>
+              <a:rPr lang="zh-CN" altLang="en-US">
+                <a:solidFill>
+                  <a:srgbClr val="FF0000"/>
+                </a:solidFill>
+              </a:rPr>
+              <a:t>不再更新和维护</a:t>
+            </a:r>
+            <a:r>
+              <a:rPr lang="zh-CN" altLang="en-US">
+                <a:solidFill>
+                  <a:schemeClr val="tx1"/>
+                </a:solidFill>
+              </a:rPr>
+              <a:t>，不支持最新版本的 Node.js。</a:t>
+            </a:r>
+            <a:endParaRPr lang="zh-CN" altLang="en-US">
+              <a:solidFill>
+                <a:schemeClr val="tx1"/>
+              </a:solidFill>
+            </a:endParaRPr>
+          </a:p>
+        </p:txBody>
+      </p:sp>
+    </p:spTree>
+  </p:cSld>
+  <p:clrMapOvr>
+    <a:masterClrMapping/>
+  </p:clrMapOvr>
+</p:sld>
+</file>
+
+<file path=ppt/slides/slide25.xml><?xml version="1.0" encoding="utf-8"?>
+<p:sld xmlns:a="http://schemas.openxmlformats.org/drawingml/2006/main" xmlns:r="http://schemas.openxmlformats.org/officeDocument/2006/relationships" xmlns:p="http://schemas.openxmlformats.org/presentationml/2006/main">
+  <p:cSld>
+    <p:spTree>
+      <p:nvGrpSpPr>
+        <p:cNvPr id="1" name=""/>
+        <p:cNvGrpSpPr/>
+        <p:nvPr/>
+      </p:nvGrpSpPr>
+      <p:grpSpPr/>
+      <p:sp>
+        <p:nvSpPr>
+          <p:cNvPr id="2" name="标题 1"/>
+          <p:cNvSpPr>
+            <a:spLocks noGrp="1"/>
+          </p:cNvSpPr>
+          <p:nvPr>
+            <p:ph type="title"/>
+          </p:nvPr>
+        </p:nvSpPr>
+        <p:spPr/>
+        <p:txBody>
+          <a:bodyPr/>
+          <a:p>
+            <a:r>
+              <a:rPr lang="zh-CN" altLang="en-US"/>
+              <a:t>yeoman</a:t>
+            </a:r>
+            <a:endParaRPr lang="zh-CN" altLang="en-US"/>
+          </a:p>
+        </p:txBody>
+      </p:sp>
+      <p:sp>
+        <p:nvSpPr>
+          <p:cNvPr id="3" name="内容占位符 2"/>
+          <p:cNvSpPr>
+            <a:spLocks noGrp="1"/>
+          </p:cNvSpPr>
+          <p:nvPr>
+            <p:ph idx="1"/>
+          </p:nvPr>
+        </p:nvSpPr>
+        <p:spPr/>
+        <p:txBody>
+          <a:bodyPr/>
+          <a:p>
+            <a:endParaRPr lang="zh-CN" altLang="en-US"/>
+          </a:p>
+        </p:txBody>
+      </p:sp>
+      <p:pic>
+        <p:nvPicPr>
+          <p:cNvPr id="4" name="图片 3" descr="yeoman"/>
+          <p:cNvPicPr>
+            <a:picLocks noChangeAspect="1"/>
+          </p:cNvPicPr>
+          <p:nvPr/>
+        </p:nvPicPr>
+        <p:blipFill>
+          <a:blip r:embed="rId1"/>
+          <a:stretch>
+            <a:fillRect/>
+          </a:stretch>
+        </p:blipFill>
+        <p:spPr>
+          <a:xfrm>
+            <a:off x="838200" y="1825625"/>
+            <a:ext cx="10361295" cy="3918585"/>
+          </a:xfrm>
+          <a:prstGeom prst="rect">
+            <a:avLst/>
+          </a:prstGeom>
+        </p:spPr>
+      </p:pic>
+    </p:spTree>
+  </p:cSld>
+  <p:clrMapOvr>
+    <a:masterClrMapping/>
+  </p:clrMapOvr>
+</p:sld>
+</file>
+
+<file path=ppt/slides/slide26.xml><?xml version="1.0" encoding="utf-8"?>
+<p:sld xmlns:a="http://schemas.openxmlformats.org/drawingml/2006/main" xmlns:r="http://schemas.openxmlformats.org/officeDocument/2006/relationships" xmlns:p="http://schemas.openxmlformats.org/presentationml/2006/main">
+  <p:cSld>
+    <p:spTree>
+      <p:nvGrpSpPr>
+        <p:cNvPr id="1" name=""/>
+        <p:cNvGrpSpPr/>
+        <p:nvPr/>
+      </p:nvGrpSpPr>
+      <p:grpSpPr/>
+      <p:sp>
+        <p:nvSpPr>
+          <p:cNvPr id="2" name="标题 1"/>
+          <p:cNvSpPr>
+            <a:spLocks noGrp="1"/>
+          </p:cNvSpPr>
+          <p:nvPr>
+            <p:ph type="title"/>
+          </p:nvPr>
+        </p:nvSpPr>
+        <p:spPr/>
+        <p:txBody>
+          <a:bodyPr/>
+          <a:p>
+            <a:r>
+              <a:rPr lang="zh-CN" altLang="en-US"/>
+              <a:t>Rollup</a:t>
+            </a:r>
+            <a:endParaRPr lang="zh-CN" altLang="en-US"/>
+          </a:p>
+        </p:txBody>
+      </p:sp>
+      <p:sp>
+        <p:nvSpPr>
+          <p:cNvPr id="3" name="内容占位符 2"/>
+          <p:cNvSpPr>
+            <a:spLocks noGrp="1"/>
+          </p:cNvSpPr>
+          <p:nvPr>
+            <p:ph idx="1"/>
+          </p:nvPr>
+        </p:nvSpPr>
+        <p:spPr/>
+        <p:txBody>
+          <a:bodyPr/>
+          <a:p>
+            <a:endParaRPr lang="zh-CN" altLang="en-US"/>
+          </a:p>
+        </p:txBody>
+      </p:sp>
+      <p:pic>
+        <p:nvPicPr>
+          <p:cNvPr id="4" name="图片 3" descr="Rollup"/>
+          <p:cNvPicPr>
+            <a:picLocks noChangeAspect="1"/>
+          </p:cNvPicPr>
+          <p:nvPr/>
+        </p:nvPicPr>
+        <p:blipFill>
+          <a:blip r:embed="rId1"/>
+          <a:stretch>
+            <a:fillRect/>
+          </a:stretch>
+        </p:blipFill>
+        <p:spPr>
+          <a:xfrm>
+            <a:off x="838200" y="1825625"/>
+            <a:ext cx="10058400" cy="4202430"/>
+          </a:xfrm>
+          <a:prstGeom prst="rect">
+            <a:avLst/>
+          </a:prstGeom>
+        </p:spPr>
+      </p:pic>
+    </p:spTree>
+  </p:cSld>
+  <p:clrMapOvr>
+    <a:masterClrMapping/>
+  </p:clrMapOvr>
+</p:sld>
+</file>
+
+<file path=ppt/slides/slide27.xml><?xml version="1.0" encoding="utf-8"?>
+<p:sld xmlns:a="http://schemas.openxmlformats.org/drawingml/2006/main" xmlns:r="http://schemas.openxmlformats.org/officeDocument/2006/relationships" xmlns:p="http://schemas.openxmlformats.org/presentationml/2006/main">
+  <p:cSld>
+    <p:spTree>
+      <p:nvGrpSpPr>
+        <p:cNvPr id="1" name=""/>
+        <p:cNvGrpSpPr/>
+        <p:nvPr/>
+      </p:nvGrpSpPr>
+      <p:grpSpPr/>
+      <p:sp>
+        <p:nvSpPr>
+          <p:cNvPr id="2" name="标题 1"/>
+          <p:cNvSpPr>
+            <a:spLocks noGrp="1"/>
+          </p:cNvSpPr>
+          <p:nvPr>
+            <p:ph type="title"/>
+          </p:nvPr>
+        </p:nvSpPr>
+        <p:spPr/>
+        <p:txBody>
+          <a:bodyPr>
+            <a:normAutofit fontScale="90000"/>
+          </a:bodyPr>
+          <a:p>
+            <a:r>
+              <a:rPr lang="zh-CN" altLang="en-US">
+                <a:sym typeface="+mn-ea"/>
+              </a:rPr>
+              <a:t>Rollup</a:t>
+            </a:r>
+            <a:br>
+              <a:rPr lang="zh-CN" altLang="en-US"/>
+            </a:br>
+            <a:endParaRPr lang="zh-CN" altLang="en-US"/>
+          </a:p>
+        </p:txBody>
+      </p:sp>
+      <p:sp>
+        <p:nvSpPr>
+          <p:cNvPr id="3" name="内容占位符 2"/>
+          <p:cNvSpPr>
+            <a:spLocks noGrp="1"/>
+          </p:cNvSpPr>
+          <p:nvPr>
+            <p:ph idx="1"/>
+          </p:nvPr>
+        </p:nvSpPr>
+        <p:spPr/>
+        <p:txBody>
+          <a:bodyPr/>
+          <a:p>
+            <a:r>
+              <a:rPr lang="zh-CN" altLang="en-US"/>
+              <a:t>优点：</a:t>
+            </a:r>
+            <a:endParaRPr lang="zh-CN" altLang="en-US"/>
+          </a:p>
+          <a:p>
+            <a:pPr lvl="1"/>
+            <a:r>
+              <a:rPr lang="zh-CN" altLang="en-US"/>
+              <a:t>在用于打包 JavaScript 库时比 Webpack 更加有优势，</a:t>
+            </a:r>
+            <a:r>
+              <a:rPr lang="zh-CN" altLang="en-US">
+                <a:sym typeface="+mn-ea"/>
+              </a:rPr>
+              <a:t>因为其打包出来的代码更小更快。</a:t>
+            </a:r>
+            <a:endParaRPr lang="zh-CN" altLang="en-US"/>
+          </a:p>
+          <a:p>
+            <a:pPr lvl="0"/>
+            <a:r>
+              <a:rPr lang="zh-CN" altLang="en-US" sz="2800"/>
+              <a:t>缺点：</a:t>
+            </a:r>
+            <a:endParaRPr lang="zh-CN" altLang="en-US" sz="2800"/>
+          </a:p>
+          <a:p>
+            <a:pPr lvl="1"/>
+            <a:r>
+              <a:rPr lang="zh-CN" altLang="en-US"/>
+              <a:t> 但功能</a:t>
+            </a:r>
+            <a:r>
+              <a:rPr lang="zh-CN" altLang="en-US">
+                <a:solidFill>
+                  <a:srgbClr val="FF0000"/>
+                </a:solidFill>
+              </a:rPr>
+              <a:t>不够完善</a:t>
+            </a:r>
+            <a:r>
+              <a:rPr lang="zh-CN" altLang="en-US"/>
+              <a:t>，很多场景都</a:t>
+            </a:r>
+            <a:r>
+              <a:rPr lang="zh-CN" altLang="en-US">
+                <a:solidFill>
+                  <a:srgbClr val="FF0000"/>
+                </a:solidFill>
+              </a:rPr>
+              <a:t>找不到现成的解决方案</a:t>
+            </a:r>
+            <a:r>
+              <a:rPr lang="zh-CN" altLang="en-US"/>
+              <a:t>。</a:t>
+            </a:r>
+            <a:endParaRPr lang="zh-CN" altLang="en-US"/>
+          </a:p>
+        </p:txBody>
+      </p:sp>
+    </p:spTree>
+  </p:cSld>
+  <p:clrMapOvr>
+    <a:masterClrMapping/>
+  </p:clrMapOvr>
+</p:sld>
+</file>
+
+<file path=ppt/slides/slide28.xml><?xml version="1.0" encoding="utf-8"?>
+<p:sld xmlns:a="http://schemas.openxmlformats.org/drawingml/2006/main" xmlns:r="http://schemas.openxmlformats.org/officeDocument/2006/relationships" xmlns:p="http://schemas.openxmlformats.org/presentationml/2006/main">
+  <p:cSld>
+    <p:spTree>
+      <p:nvGrpSpPr>
+        <p:cNvPr id="1" name=""/>
+        <p:cNvGrpSpPr/>
+        <p:nvPr/>
+      </p:nvGrpSpPr>
+      <p:grpSpPr/>
+      <p:sp>
+        <p:nvSpPr>
+          <p:cNvPr id="2" name="标题 1"/>
+          <p:cNvSpPr>
+            <a:spLocks noGrp="1"/>
+          </p:cNvSpPr>
+          <p:nvPr>
+            <p:ph type="title"/>
+          </p:nvPr>
+        </p:nvSpPr>
+        <p:spPr/>
+        <p:txBody>
+          <a:bodyPr/>
+          <a:p>
+            <a:r>
+              <a:rPr lang="en-US" altLang="zh-CN"/>
+              <a:t>Webpack</a:t>
+            </a:r>
+            <a:endParaRPr lang="en-US" altLang="zh-CN"/>
+          </a:p>
+        </p:txBody>
+      </p:sp>
+      <p:sp>
+        <p:nvSpPr>
+          <p:cNvPr id="3" name="内容占位符 2"/>
+          <p:cNvSpPr>
+            <a:spLocks noGrp="1"/>
+          </p:cNvSpPr>
+          <p:nvPr>
+            <p:ph idx="1"/>
+          </p:nvPr>
+        </p:nvSpPr>
+        <p:spPr/>
+        <p:txBody>
+          <a:bodyPr/>
+          <a:p>
+            <a:endParaRPr lang="zh-CN" altLang="en-US"/>
+          </a:p>
+          <a:p>
+            <a:endParaRPr lang="zh-CN" altLang="en-US"/>
+          </a:p>
+          <a:p>
+            <a:endParaRPr lang="zh-CN" altLang="en-US"/>
+          </a:p>
+          <a:p>
+            <a:endParaRPr lang="zh-CN" altLang="en-US"/>
+          </a:p>
+          <a:p>
+            <a:endParaRPr lang="zh-CN" altLang="en-US"/>
+          </a:p>
+          <a:p>
+            <a:endParaRPr lang="zh-CN" altLang="en-US"/>
+          </a:p>
+          <a:p>
+            <a:endParaRPr lang="zh-CN" altLang="en-US"/>
+          </a:p>
+          <a:p>
+            <a:endParaRPr lang="zh-CN" altLang="en-US"/>
+          </a:p>
+          <a:p>
+            <a:endParaRPr lang="zh-CN" altLang="en-US"/>
+          </a:p>
+          <a:p>
+            <a:endParaRPr lang="zh-CN" altLang="en-US"/>
+          </a:p>
+        </p:txBody>
+      </p:sp>
+      <p:pic>
+        <p:nvPicPr>
+          <p:cNvPr id="4" name="图片 3" descr="webpack"/>
+          <p:cNvPicPr>
+            <a:picLocks noChangeAspect="1"/>
+          </p:cNvPicPr>
+          <p:nvPr/>
+        </p:nvPicPr>
+        <p:blipFill>
+          <a:blip r:embed="rId1"/>
+          <a:stretch>
+            <a:fillRect/>
+          </a:stretch>
+        </p:blipFill>
+        <p:spPr>
+          <a:xfrm>
+            <a:off x="838200" y="1841500"/>
+            <a:ext cx="10058400" cy="4320540"/>
+          </a:xfrm>
+          <a:prstGeom prst="rect">
+            <a:avLst/>
+          </a:prstGeom>
+        </p:spPr>
+      </p:pic>
+    </p:spTree>
+  </p:cSld>
+  <p:clrMapOvr>
+    <a:masterClrMapping/>
+  </p:clrMapOvr>
+</p:sld>
+</file>
+
+<file path=ppt/slides/slide29.xml><?xml version="1.0" encoding="utf-8"?>
+<p:sld xmlns:a="http://schemas.openxmlformats.org/drawingml/2006/main" xmlns:r="http://schemas.openxmlformats.org/officeDocument/2006/relationships" xmlns:p="http://schemas.openxmlformats.org/presentationml/2006/main">
+  <p:cSld>
+    <p:spTree>
+      <p:nvGrpSpPr>
+        <p:cNvPr id="1" name=""/>
+        <p:cNvGrpSpPr/>
+        <p:nvPr/>
+      </p:nvGrpSpPr>
+      <p:grpSpPr/>
+      <p:sp>
+        <p:nvSpPr>
+          <p:cNvPr id="2" name="标题 1"/>
+          <p:cNvSpPr>
+            <a:spLocks noGrp="1"/>
+          </p:cNvSpPr>
+          <p:nvPr>
+            <p:ph type="title"/>
+          </p:nvPr>
+        </p:nvSpPr>
+        <p:spPr/>
+        <p:txBody>
+          <a:bodyPr/>
+          <a:p>
+            <a:r>
+              <a:rPr lang="en-US" altLang="zh-CN"/>
+              <a:t>Webpack</a:t>
+            </a:r>
+            <a:endParaRPr lang="en-US" altLang="zh-CN"/>
+          </a:p>
+        </p:txBody>
+      </p:sp>
+      <p:sp>
+        <p:nvSpPr>
+          <p:cNvPr id="3" name="内容占位符 2"/>
+          <p:cNvSpPr>
+            <a:spLocks noGrp="1"/>
+          </p:cNvSpPr>
+          <p:nvPr>
+            <p:ph idx="1"/>
+          </p:nvPr>
+        </p:nvSpPr>
+        <p:spPr/>
+        <p:txBody>
+          <a:bodyPr/>
+          <a:p>
+            <a:r>
+              <a:rPr lang="zh-CN" altLang="en-US"/>
+              <a:t>大多数团队在开发新项目时会采用紧跟时代的技术，这些技术几乎都会采用“模块化+新语言+新框架”，Webpack 可以为这些新项目提供一站式的解决方案；</a:t>
+            </a:r>
+            <a:endParaRPr lang="zh-CN" altLang="en-US"/>
+          </a:p>
+          <a:p>
+            <a:r>
+              <a:rPr lang="zh-CN" altLang="en-US"/>
+              <a:t>Webpack 有良好的生态链和</a:t>
+            </a:r>
+            <a:r>
+              <a:rPr lang="zh-CN" altLang="en-US">
+                <a:solidFill>
+                  <a:srgbClr val="FF0000"/>
+                </a:solidFill>
+              </a:rPr>
+              <a:t>维护团队</a:t>
+            </a:r>
+            <a:r>
+              <a:rPr lang="zh-CN" altLang="en-US"/>
+              <a:t>，能提供良好的开发体验和保证质量；</a:t>
+            </a:r>
+            <a:endParaRPr lang="zh-CN" altLang="en-US"/>
+          </a:p>
+          <a:p>
+            <a:r>
+              <a:rPr lang="zh-CN" altLang="en-US"/>
+              <a:t>Webpack 被全世界的大量 Web 开发者</a:t>
+            </a:r>
+            <a:r>
+              <a:rPr lang="zh-CN" altLang="en-US">
+                <a:solidFill>
+                  <a:srgbClr val="FF0000"/>
+                </a:solidFill>
+              </a:rPr>
+              <a:t>使用和验证</a:t>
+            </a:r>
+            <a:r>
+              <a:rPr lang="zh-CN" altLang="en-US"/>
+              <a:t>，能找到各个层面所需的教程和经验分享。</a:t>
+            </a:r>
+            <a:endParaRPr lang="zh-CN" altLang="en-US"/>
+          </a:p>
+        </p:txBody>
+      </p:sp>
+    </p:spTree>
+  </p:cSld>
+  <p:clrMapOvr>
+    <a:masterClrMapping/>
+  </p:clrMapOvr>
+</p:sld>
+</file>
+
+<file path=ppt/slides/slide3.xml><?xml version="1.0" encoding="utf-8"?>
+<p:sld xmlns:a="http://schemas.openxmlformats.org/drawingml/2006/main" xmlns:r="http://schemas.openxmlformats.org/officeDocument/2006/relationships" xmlns:p="http://schemas.openxmlformats.org/presentationml/2006/main">
+  <p:cSld>
+    <p:spTree>
+      <p:nvGrpSpPr>
+        <p:cNvPr id="1" name=""/>
+        <p:cNvGrpSpPr/>
+        <p:nvPr/>
+      </p:nvGrpSpPr>
+      <p:grpSpPr/>
+      <p:sp>
+        <p:nvSpPr>
+          <p:cNvPr id="2" name="标题 1"/>
+          <p:cNvSpPr>
+            <a:spLocks noGrp="1"/>
+          </p:cNvSpPr>
+          <p:nvPr>
+            <p:ph type="title"/>
+          </p:nvPr>
+        </p:nvSpPr>
+        <p:spPr/>
+        <p:txBody>
+          <a:bodyPr/>
+          <a:p>
+            <a:pPr algn="ctr"/>
+            <a:r>
+              <a:rPr lang="zh-CN" altLang="en-US"/>
+              <a:t>传统网页（原始网页）</a:t>
+            </a:r>
+            <a:endParaRPr lang="zh-CN" altLang="en-US"/>
+          </a:p>
+        </p:txBody>
+      </p:sp>
+      <p:sp>
+        <p:nvSpPr>
+          <p:cNvPr id="3" name="内容占位符 2"/>
+          <p:cNvSpPr>
+            <a:spLocks noGrp="1"/>
+          </p:cNvSpPr>
+          <p:nvPr>
+            <p:ph idx="1"/>
+          </p:nvPr>
+        </p:nvSpPr>
+        <p:spPr/>
+        <p:txBody>
+          <a:bodyPr/>
+          <a:p>
+            <a:r>
+              <a:rPr lang="en-US" altLang="zh-CN"/>
+              <a:t>HTML</a:t>
+            </a:r>
+            <a:endParaRPr lang="en-US" altLang="zh-CN"/>
+          </a:p>
+          <a:p>
+            <a:r>
+              <a:rPr lang="en-US" altLang="zh-CN"/>
+              <a:t>CSS</a:t>
+            </a:r>
+            <a:endParaRPr lang="en-US" altLang="zh-CN"/>
+          </a:p>
+          <a:p>
+            <a:r>
+              <a:rPr lang="en-US" altLang="zh-CN"/>
+              <a:t>Javascript</a:t>
+            </a:r>
+            <a:endParaRPr lang="en-US" altLang="zh-CN"/>
+          </a:p>
+        </p:txBody>
+      </p:sp>
+    </p:spTree>
+  </p:cSld>
+  <p:clrMapOvr>
+    <a:masterClrMapping/>
+  </p:clrMapOvr>
+</p:sld>
+</file>
+
+<file path=ppt/slides/slide30.xml><?xml version="1.0" encoding="utf-8"?>
+<p:sld xmlns:a="http://schemas.openxmlformats.org/drawingml/2006/main" xmlns:r="http://schemas.openxmlformats.org/officeDocument/2006/relationships" xmlns:p="http://schemas.openxmlformats.org/presentationml/2006/main">
+  <p:cSld>
+    <p:spTree>
+      <p:nvGrpSpPr>
+        <p:cNvPr id="1" name=""/>
+        <p:cNvGrpSpPr/>
+        <p:nvPr/>
+      </p:nvGrpSpPr>
+      <p:grpSpPr/>
+      <p:sp>
+        <p:nvSpPr>
+          <p:cNvPr id="2" name="标题 1"/>
+          <p:cNvSpPr>
+            <a:spLocks noGrp="1"/>
+          </p:cNvSpPr>
+          <p:nvPr>
+            <p:ph type="title"/>
+          </p:nvPr>
+        </p:nvSpPr>
+        <p:spPr/>
+        <p:txBody>
+          <a:bodyPr/>
+          <a:p>
+            <a:endParaRPr lang="zh-CN" altLang="en-US"/>
+          </a:p>
+        </p:txBody>
+      </p:sp>
+      <p:sp>
+        <p:nvSpPr>
+          <p:cNvPr id="3" name="内容占位符 2"/>
+          <p:cNvSpPr>
+            <a:spLocks noGrp="1"/>
+          </p:cNvSpPr>
+          <p:nvPr>
+            <p:ph sz="half" idx="1"/>
+          </p:nvPr>
+        </p:nvSpPr>
+        <p:spPr/>
+        <p:txBody>
+          <a:bodyPr/>
+          <a:p>
+            <a:endParaRPr lang="zh-CN" altLang="en-US"/>
+          </a:p>
+        </p:txBody>
+      </p:sp>
+      <p:sp>
+        <p:nvSpPr>
+          <p:cNvPr id="4" name="内容占位符 3"/>
+          <p:cNvSpPr>
+            <a:spLocks noGrp="1"/>
+          </p:cNvSpPr>
+          <p:nvPr>
+            <p:ph sz="half" idx="2"/>
+          </p:nvPr>
+        </p:nvSpPr>
+        <p:spPr/>
+        <p:txBody>
+          <a:bodyPr/>
+          <a:p>
+            <a:endParaRPr lang="zh-CN" altLang="en-US"/>
+          </a:p>
+        </p:txBody>
+      </p:sp>
+    </p:spTree>
+  </p:cSld>
+  <p:clrMapOvr>
+    <a:masterClrMapping/>
+  </p:clrMapOvr>
+</p:sld>
+</file>
+
+<file path=ppt/slides/slide31.xml><?xml version="1.0" encoding="utf-8"?>
+<p:sld xmlns:a="http://schemas.openxmlformats.org/drawingml/2006/main" xmlns:r="http://schemas.openxmlformats.org/officeDocument/2006/relationships" xmlns:p="http://schemas.openxmlformats.org/presentationml/2006/main">
+  <p:cSld>
+    <p:spTree>
+      <p:nvGrpSpPr>
+        <p:cNvPr id="1" name=""/>
+        <p:cNvGrpSpPr/>
+        <p:nvPr/>
+      </p:nvGrpSpPr>
+      <p:grpSpPr/>
+      <p:sp>
+        <p:nvSpPr>
+          <p:cNvPr id="2" name="标题 1"/>
+          <p:cNvSpPr>
+            <a:spLocks noGrp="1"/>
+          </p:cNvSpPr>
+          <p:nvPr>
+            <p:ph type="title"/>
+          </p:nvPr>
+        </p:nvSpPr>
+        <p:spPr/>
+        <p:txBody>
+          <a:bodyPr/>
+          <a:p>
+            <a:endParaRPr lang="zh-CN" altLang="en-US"/>
+          </a:p>
+        </p:txBody>
+      </p:sp>
+      <p:sp>
+        <p:nvSpPr>
+          <p:cNvPr id="3" name="内容占位符 2"/>
+          <p:cNvSpPr>
+            <a:spLocks noGrp="1"/>
+          </p:cNvSpPr>
+          <p:nvPr>
+            <p:ph idx="1"/>
+          </p:nvPr>
+        </p:nvSpPr>
+        <p:spPr/>
+        <p:txBody>
+          <a:bodyPr/>
+          <a:p>
+            <a:r>
+              <a:rPr lang="zh-CN" altLang="en-US"/>
+              <a:t>我当年热更新打包的经历，半夜三更，跑一次</a:t>
+            </a:r>
+            <a:r>
+              <a:rPr lang="en-US" altLang="zh-CN"/>
+              <a:t>3,5</a:t>
+            </a:r>
+            <a:r>
+              <a:rPr lang="zh-CN" altLang="en-US"/>
+              <a:t>分钟。修改一次，老是改错</a:t>
+            </a:r>
+            <a:r>
+              <a:rPr lang="en-US" altLang="zh-CN"/>
+              <a:t>IP</a:t>
+            </a:r>
+            <a:r>
+              <a:rPr lang="zh-CN" altLang="en-US"/>
+              <a:t>，</a:t>
+            </a:r>
+            <a:r>
+              <a:rPr lang="en-US" altLang="zh-CN"/>
+              <a:t>DEBUG.</a:t>
+            </a:r>
+            <a:endParaRPr lang="en-US" altLang="zh-CN"/>
+          </a:p>
+        </p:txBody>
+      </p:sp>
+    </p:spTree>
+  </p:cSld>
+  <p:clrMapOvr>
+    <a:masterClrMapping/>
+  </p:clrMapOvr>
+</p:sld>
+</file>
+
+<file path=ppt/slides/slide4.xml><?xml version="1.0" encoding="utf-8"?>
+<p:sld xmlns:a="http://schemas.openxmlformats.org/drawingml/2006/main" xmlns:r="http://schemas.openxmlformats.org/officeDocument/2006/relationships" xmlns:p="http://schemas.openxmlformats.org/presentationml/2006/main">
+  <p:cSld>
+    <p:spTree>
+      <p:nvGrpSpPr>
+        <p:cNvPr id="1" name=""/>
+        <p:cNvGrpSpPr/>
+        <p:nvPr/>
+      </p:nvGrpSpPr>
+      <p:grpSpPr/>
+      <p:pic>
+        <p:nvPicPr>
+          <p:cNvPr id="32" name="内容占位符 31" descr="file"/>
+          <p:cNvPicPr>
+            <a:picLocks noChangeAspect="1"/>
+          </p:cNvPicPr>
+          <p:nvPr>
+            <p:ph idx="1"/>
+          </p:nvPr>
+        </p:nvPicPr>
+        <p:blipFill>
+          <a:blip r:embed="rId1"/>
+          <a:stretch>
+            <a:fillRect/>
+          </a:stretch>
+        </p:blipFill>
+        <p:spPr>
+          <a:xfrm>
+            <a:off x="2632075" y="288925"/>
+            <a:ext cx="6926580" cy="6294120"/>
+          </a:xfrm>
+          <a:prstGeom prst="rect">
+            <a:avLst/>
+          </a:prstGeom>
+        </p:spPr>
+      </p:pic>
+      <p:sp>
+        <p:nvSpPr>
+          <p:cNvPr id="17" name="椭圆 16"/>
+          <p:cNvSpPr/>
+          <p:nvPr>
+            <p:custDataLst>
+              <p:tags r:id="rId2"/>
+            </p:custDataLst>
+          </p:nvPr>
+        </p:nvSpPr>
+        <p:spPr>
+          <a:xfrm rot="16200000">
+            <a:off x="7621608" y="5978892"/>
+            <a:ext cx="64437" cy="64437"/>
+          </a:xfrm>
+          <a:prstGeom prst="ellipse">
+            <a:avLst/>
+          </a:prstGeom>
+          <a:noFill/>
+          <a:ln w="15875">
+            <a:solidFill>
+              <a:schemeClr val="bg1"/>
+            </a:solidFill>
+          </a:ln>
+        </p:spPr>
+        <p:style>
+          <a:lnRef idx="2">
+            <a:schemeClr val="accent1">
+              <a:shade val="50000"/>
+            </a:schemeClr>
+          </a:lnRef>
+          <a:fillRef idx="1">
+            <a:schemeClr val="accent1"/>
+          </a:fillRef>
+          <a:effectRef idx="0">
+            <a:schemeClr val="accent1"/>
+          </a:effectRef>
+          <a:fontRef idx="minor">
+            <a:schemeClr val="lt1"/>
+          </a:fontRef>
+        </p:style>
+        <p:txBody>
+          <a:bodyPr rtlCol="0" anchor="ctr"/>
+          <a:p>
+            <a:pPr algn="ctr"/>
+            <a:endParaRPr lang="zh-CN" altLang="en-US">
+              <a:solidFill>
+                <a:prstClr val="white"/>
+              </a:solidFill>
+              <a:latin typeface="Arial" panose="020B0604020202020204"/>
+              <a:ea typeface="微软雅黑" panose="020B0503020204020204" charset="-122"/>
+            </a:endParaRPr>
+          </a:p>
+        </p:txBody>
+      </p:sp>
+      <p:sp>
+        <p:nvSpPr>
+          <p:cNvPr id="19" name="椭圆 18"/>
+          <p:cNvSpPr/>
+          <p:nvPr>
+            <p:custDataLst>
+              <p:tags r:id="rId3"/>
+            </p:custDataLst>
+          </p:nvPr>
+        </p:nvSpPr>
+        <p:spPr>
+          <a:xfrm rot="16200000">
+            <a:off x="7621608" y="5812644"/>
+            <a:ext cx="64437" cy="64437"/>
+          </a:xfrm>
+          <a:prstGeom prst="ellipse">
+            <a:avLst/>
+          </a:prstGeom>
+          <a:noFill/>
+          <a:ln w="15875">
+            <a:solidFill>
+              <a:schemeClr val="bg1"/>
+            </a:solidFill>
+          </a:ln>
+        </p:spPr>
+        <p:style>
+          <a:lnRef idx="2">
+            <a:schemeClr val="accent1">
+              <a:shade val="50000"/>
+            </a:schemeClr>
+          </a:lnRef>
+          <a:fillRef idx="1">
+            <a:schemeClr val="accent1"/>
+          </a:fillRef>
+          <a:effectRef idx="0">
+            <a:schemeClr val="accent1"/>
+          </a:effectRef>
+          <a:fontRef idx="minor">
+            <a:schemeClr val="lt1"/>
+          </a:fontRef>
+        </p:style>
+        <p:txBody>
+          <a:bodyPr rtlCol="0" anchor="ctr"/>
+          <a:p>
+            <a:pPr marL="0" marR="0" lvl="0" indent="0" algn="ctr" defTabSz="914400" rtl="0" eaLnBrk="1" fontAlgn="auto" latinLnBrk="0" hangingPunct="1">
+              <a:lnSpc>
+                <a:spcPct val="100000"/>
+              </a:lnSpc>
+              <a:spcBef>
+                <a:spcPts val="0"/>
+              </a:spcBef>
+              <a:spcAft>
+                <a:spcPts val="0"/>
+              </a:spcAft>
+              <a:buClrTx/>
+              <a:buSzTx/>
+              <a:buFontTx/>
+              <a:buNone/>
+            </a:pPr>
+            <a:endParaRPr kumimoji="0" lang="zh-CN" altLang="en-US" sz="1800" b="0" i="0" u="none" strike="noStrike" kern="1200" cap="none" spc="0" normalizeH="0" baseline="0" noProof="0">
+              <a:ln>
+                <a:noFill/>
+              </a:ln>
+              <a:solidFill>
+                <a:prstClr val="white"/>
+              </a:solidFill>
+              <a:effectLst/>
+              <a:uLnTx/>
+              <a:uFillTx/>
+              <a:latin typeface="Arial" panose="020B0604020202020204"/>
+              <a:ea typeface="微软雅黑" panose="020B0503020204020204" charset="-122"/>
+              <a:cs typeface="+mn-cs"/>
+            </a:endParaRPr>
+          </a:p>
+        </p:txBody>
+      </p:sp>
+      <p:sp>
+        <p:nvSpPr>
+          <p:cNvPr id="20" name="椭圆 19"/>
+          <p:cNvSpPr/>
+          <p:nvPr>
+            <p:custDataLst>
+              <p:tags r:id="rId4"/>
+            </p:custDataLst>
+          </p:nvPr>
+        </p:nvSpPr>
+        <p:spPr>
+          <a:xfrm rot="16200000">
+            <a:off x="7621608" y="6145140"/>
+            <a:ext cx="64437" cy="64437"/>
+          </a:xfrm>
+          <a:prstGeom prst="ellipse">
+            <a:avLst/>
+          </a:prstGeom>
+          <a:noFill/>
+          <a:ln w="15875">
+            <a:solidFill>
+              <a:schemeClr val="bg1"/>
+            </a:solidFill>
+          </a:ln>
+        </p:spPr>
+        <p:style>
+          <a:lnRef idx="2">
+            <a:schemeClr val="accent1">
+              <a:shade val="50000"/>
+            </a:schemeClr>
+          </a:lnRef>
+          <a:fillRef idx="1">
+            <a:schemeClr val="accent1"/>
+          </a:fillRef>
+          <a:effectRef idx="0">
+            <a:schemeClr val="accent1"/>
+          </a:effectRef>
+          <a:fontRef idx="minor">
+            <a:schemeClr val="lt1"/>
+          </a:fontRef>
+        </p:style>
+        <p:txBody>
+          <a:bodyPr rtlCol="0" anchor="ctr"/>
+          <a:p>
+            <a:pPr marL="0" marR="0" lvl="0" indent="0" algn="ctr" defTabSz="914400" rtl="0" eaLnBrk="1" fontAlgn="auto" latinLnBrk="0" hangingPunct="1">
+              <a:lnSpc>
+                <a:spcPct val="100000"/>
+              </a:lnSpc>
+              <a:spcBef>
+                <a:spcPts val="0"/>
+              </a:spcBef>
+              <a:spcAft>
+                <a:spcPts val="0"/>
+              </a:spcAft>
+              <a:buClrTx/>
+              <a:buSzTx/>
+              <a:buFontTx/>
+              <a:buNone/>
+            </a:pPr>
+            <a:endParaRPr kumimoji="0" lang="zh-CN" altLang="en-US" sz="1800" b="0" i="0" u="none" strike="noStrike" kern="1200" cap="none" spc="0" normalizeH="0" baseline="0" noProof="0">
+              <a:ln>
+                <a:noFill/>
+              </a:ln>
+              <a:solidFill>
+                <a:prstClr val="white"/>
+              </a:solidFill>
+              <a:effectLst/>
+              <a:uLnTx/>
+              <a:uFillTx/>
+              <a:latin typeface="Arial" panose="020B0604020202020204"/>
+              <a:ea typeface="微软雅黑" panose="020B0503020204020204" charset="-122"/>
+              <a:cs typeface="+mn-cs"/>
+            </a:endParaRPr>
+          </a:p>
+        </p:txBody>
+      </p:sp>
+    </p:spTree>
+    <p:custDataLst>
+      <p:tags r:id="rId5"/>
+    </p:custDataLst>
+  </p:cSld>
+  <p:clrMapOvr>
+    <a:masterClrMapping/>
+  </p:clrMapOvr>
+  <p:timing>
+    <p:tnLst>
+      <p:par>
+        <p:cTn id="1" dur="indefinite" restart="never" nodeType="tmRoot">
+          <p:childTnLst>
+            <p:seq concurrent="1" nextAc="seek">
+              <p:cTn id="2" dur="indefinite" nodeType="mainSeq">
+                <p:childTnLst>
+                  <p:par>
+                    <p:cTn id="3" fill="hold">
+                      <p:stCondLst>
+                        <p:cond delay="indefinite"/>
+                        <p:cond evt="onBegin" delay="0">
+                          <p:tn val="2"/>
+                        </p:cond>
+                      </p:stCondLst>
+                      <p:childTnLst>
+                        <p:par>
+                          <p:cTn id="4" fill="hold">
+                            <p:stCondLst>
+                              <p:cond delay="0"/>
+                            </p:stCondLst>
+                            <p:childTnLst>
+                              <p:par>
+                                <p:cTn id="5" presetID="9999" presetClass="emph" presetSubtype="1" nodeType="withEffect">
+                                  <p:stCondLst>
+                                    <p:cond delay="0"/>
+                                  </p:stCondLst>
+                                  <p:childTnLst>
+                                    <p:set>
+                                      <p:cBhvr>
+                                        <p:cTn id="6" dur="indefinite"/>
+                                        <p:tgtEl>
+                                          <p:spTgt spid="19"/>
+                                        </p:tgtEl>
+                                        <p:attrNameLst>
+                                          <p:attrName>fillcolor</p:attrName>
+                                        </p:attrNameLst>
+                                      </p:cBhvr>
+                                      <p:to>
+                                        <p:clrVal>
+                                          <a:schemeClr val="bg1"/>
+                                        </p:clrVal>
+                                      </p:to>
+                                    </p:set>
+                                    <p:set>
+                                      <p:cBhvr>
+                                        <p:cTn id="7" dur="indefinite"/>
+                                        <p:tgtEl>
+                                          <p:spTgt spid="19"/>
+                                        </p:tgtEl>
+                                        <p:attrNameLst>
+                                          <p:attrName>fill.type</p:attrName>
+                                        </p:attrNameLst>
+                                      </p:cBhvr>
+                                      <p:to>
+                                        <p:strVal val="solid"/>
+                                      </p:to>
+                                    </p:set>
+                                    <p:set>
+                                      <p:cBhvr>
+                                        <p:cTn id="8" dur="indefinite"/>
+                                        <p:tgtEl>
+                                          <p:spTgt spid="19"/>
+                                        </p:tgtEl>
+                                        <p:attrNameLst>
+                                          <p:attrName>fill.on</p:attrName>
+                                        </p:attrNameLst>
+                                      </p:cBhvr>
+                                      <p:to>
+                                        <p:strVal val="true"/>
+                                      </p:to>
+                                    </p:set>
+                                  </p:childTnLst>
+                                </p:cTn>
+                              </p:par>
+                              <p:par>
+                                <p:cTn id="9" presetID="9999" presetClass="emph" presetSubtype="1" nodeType="withEffect">
+                                  <p:stCondLst>
+                                    <p:cond delay="0"/>
+                                  </p:stCondLst>
+                                  <p:childTnLst>
+                                    <p:set>
+                                      <p:cBhvr>
+                                        <p:cTn id="10" dur="indefinite"/>
+                                        <p:tgtEl>
+                                          <p:spTgt spid="19"/>
+                                        </p:tgtEl>
+                                        <p:attrNameLst>
+                                          <p:attrName>fillcolor</p:attrName>
+                                        </p:attrNameLst>
+                                      </p:cBhvr>
+                                      <p:to>
+                                        <p:clrVal>
+                                          <a:srgbClr val="A6A6A6"/>
+                                        </p:clrVal>
+                                      </p:to>
+                                    </p:set>
+                                    <p:set>
+                                      <p:cBhvr>
+                                        <p:cTn id="11" dur="indefinite"/>
+                                        <p:tgtEl>
+                                          <p:spTgt spid="19"/>
+                                        </p:tgtEl>
+                                        <p:attrNameLst>
+                                          <p:attrName>fill.type</p:attrName>
+                                        </p:attrNameLst>
+                                      </p:cBhvr>
+                                      <p:to>
+                                        <p:strVal val="solid"/>
+                                      </p:to>
+                                    </p:set>
+                                    <p:set>
+                                      <p:cBhvr>
+                                        <p:cTn id="12" dur="indefinite"/>
+                                        <p:tgtEl>
+                                          <p:spTgt spid="19"/>
+                                        </p:tgtEl>
+                                        <p:attrNameLst>
+                                          <p:attrName>fill.on</p:attrName>
+                                        </p:attrNameLst>
+                                      </p:cBhvr>
+                                      <p:to>
+                                        <p:strVal val="true"/>
+                                      </p:to>
+                                    </p:set>
+                                  </p:childTnLst>
+                                </p:cTn>
+                              </p:par>
+                              <p:par>
+                                <p:cTn id="13" presetID="9999" presetClass="emph" presetSubtype="1" nodeType="withEffect">
+                                  <p:stCondLst>
+                                    <p:cond delay="0"/>
+                                  </p:stCondLst>
+                                  <p:childTnLst>
+                                    <p:set>
+                                      <p:cBhvr>
+                                        <p:cTn id="14" dur="indefinite"/>
+                                        <p:tgtEl>
+                                          <p:spTgt spid="17"/>
+                                        </p:tgtEl>
+                                        <p:attrNameLst>
+                                          <p:attrName>fillcolor</p:attrName>
+                                        </p:attrNameLst>
+                                      </p:cBhvr>
+                                      <p:to>
+                                        <p:clrVal>
+                                          <a:schemeClr val="bg1"/>
+                                        </p:clrVal>
+                                      </p:to>
+                                    </p:set>
+                                    <p:set>
+                                      <p:cBhvr>
+                                        <p:cTn id="15" dur="indefinite"/>
+                                        <p:tgtEl>
+                                          <p:spTgt spid="17"/>
+                                        </p:tgtEl>
+                                        <p:attrNameLst>
+                                          <p:attrName>fill.type</p:attrName>
+                                        </p:attrNameLst>
+                                      </p:cBhvr>
+                                      <p:to>
+                                        <p:strVal val="solid"/>
+                                      </p:to>
+                                    </p:set>
+                                    <p:set>
+                                      <p:cBhvr>
+                                        <p:cTn id="16" dur="indefinite"/>
+                                        <p:tgtEl>
+                                          <p:spTgt spid="17"/>
+                                        </p:tgtEl>
+                                        <p:attrNameLst>
+                                          <p:attrName>fill.on</p:attrName>
+                                        </p:attrNameLst>
+                                      </p:cBhvr>
+                                      <p:to>
+                                        <p:strVal val="true"/>
+                                      </p:to>
+                                    </p:set>
+                                  </p:childTnLst>
+                                </p:cTn>
+                              </p:par>
+                              <p:par>
+                                <p:cTn id="17" presetID="9999" presetClass="emph" presetSubtype="1" nodeType="withEffect">
+                                  <p:stCondLst>
+                                    <p:cond delay="0"/>
+                                  </p:stCondLst>
+                                  <p:childTnLst>
+                                    <p:set>
+                                      <p:cBhvr>
+                                        <p:cTn id="18" dur="indefinite"/>
+                                        <p:tgtEl>
+                                          <p:spTgt spid="17"/>
+                                        </p:tgtEl>
+                                        <p:attrNameLst>
+                                          <p:attrName>fillcolor</p:attrName>
+                                        </p:attrNameLst>
+                                      </p:cBhvr>
+                                      <p:to>
+                                        <p:clrVal>
+                                          <a:srgbClr val="A6A6A6"/>
+                                        </p:clrVal>
+                                      </p:to>
+                                    </p:set>
+                                    <p:set>
+                                      <p:cBhvr>
+                                        <p:cTn id="19" dur="indefinite"/>
+                                        <p:tgtEl>
+                                          <p:spTgt spid="17"/>
+                                        </p:tgtEl>
+                                        <p:attrNameLst>
+                                          <p:attrName>fill.type</p:attrName>
+                                        </p:attrNameLst>
+                                      </p:cBhvr>
+                                      <p:to>
+                                        <p:strVal val="solid"/>
+                                      </p:to>
+                                    </p:set>
+                                    <p:set>
+                                      <p:cBhvr>
+                                        <p:cTn id="20" dur="indefinite"/>
+                                        <p:tgtEl>
+                                          <p:spTgt spid="17"/>
+                                        </p:tgtEl>
+                                        <p:attrNameLst>
+                                          <p:attrName>fill.on</p:attrName>
+                                        </p:attrNameLst>
+                                      </p:cBhvr>
+                                      <p:to>
+                                        <p:strVal val="true"/>
+                                      </p:to>
+                                    </p:set>
+                                  </p:childTnLst>
+                                </p:cTn>
+                              </p:par>
+                              <p:par>
+                                <p:cTn id="21" presetID="9999" presetClass="emph" presetSubtype="1" nodeType="withEffect">
+                                  <p:stCondLst>
+                                    <p:cond delay="0"/>
+                                  </p:stCondLst>
+                                  <p:childTnLst>
+                                    <p:set>
+                                      <p:cBhvr>
+                                        <p:cTn id="22" dur="indefinite"/>
+                                        <p:tgtEl>
+                                          <p:spTgt spid="20"/>
+                                        </p:tgtEl>
+                                        <p:attrNameLst>
+                                          <p:attrName>fillcolor</p:attrName>
+                                        </p:attrNameLst>
+                                      </p:cBhvr>
+                                      <p:to>
+                                        <p:clrVal>
+                                          <a:schemeClr val="bg1"/>
+                                        </p:clrVal>
+                                      </p:to>
+                                    </p:set>
+                                    <p:set>
+                                      <p:cBhvr>
+                                        <p:cTn id="23" dur="indefinite"/>
+                                        <p:tgtEl>
+                                          <p:spTgt spid="20"/>
+                                        </p:tgtEl>
+                                        <p:attrNameLst>
+                                          <p:attrName>fill.type</p:attrName>
+                                        </p:attrNameLst>
+                                      </p:cBhvr>
+                                      <p:to>
+                                        <p:strVal val="solid"/>
+                                      </p:to>
+                                    </p:set>
+                                    <p:set>
+                                      <p:cBhvr>
+                                        <p:cTn id="24" dur="indefinite"/>
+                                        <p:tgtEl>
+                                          <p:spTgt spid="20"/>
+                                        </p:tgtEl>
+                                        <p:attrNameLst>
+                                          <p:attrName>fill.on</p:attrName>
+                                        </p:attrNameLst>
+                                      </p:cBhvr>
+                                      <p:to>
+                                        <p:strVal val="true"/>
+                                      </p:to>
+                                    </p:set>
+                                  </p:childTnLst>
+                                </p:cTn>
+                              </p:par>
+                            </p:childTnLst>
+                          </p:cTn>
+                        </p:par>
+                      </p:childTnLst>
+                    </p:cTn>
+                  </p:par>
+                </p:childTnLst>
+              </p:cTn>
+              <p:prevCondLst>
+                <p:cond evt="onPrev" delay="0">
+                  <p:tgtEl>
+                    <p:sldTgt/>
+                  </p:tgtEl>
+                </p:cond>
+              </p:prevCondLst>
+              <p:nextCondLst>
+                <p:cond evt="onNext" delay="0">
+                  <p:tgtEl>
+                    <p:sldTgt/>
+                  </p:tgtEl>
+                </p:cond>
+              </p:nextCondLst>
+            </p:seq>
+          </p:childTnLst>
+        </p:cTn>
+      </p:par>
+    </p:tnLst>
+  </p:timing>
+</p:sld>
+</file>
+
+<file path=ppt/slides/slide5.xml><?xml version="1.0" encoding="utf-8"?>
+<p:sld xmlns:a="http://schemas.openxmlformats.org/drawingml/2006/main" xmlns:r="http://schemas.openxmlformats.org/officeDocument/2006/relationships" xmlns:p="http://schemas.openxmlformats.org/presentationml/2006/main">
+  <p:cSld>
+    <p:spTree>
+      <p:nvGrpSpPr>
+        <p:cNvPr id="1" name=""/>
+        <p:cNvGrpSpPr/>
+        <p:nvPr/>
+      </p:nvGrpSpPr>
+      <p:grpSpPr/>
+      <p:sp>
+        <p:nvSpPr>
+          <p:cNvPr id="2" name="标题 1"/>
+          <p:cNvSpPr>
+            <a:spLocks noGrp="1"/>
+          </p:cNvSpPr>
+          <p:nvPr>
+            <p:ph type="title"/>
+          </p:nvPr>
+        </p:nvSpPr>
+        <p:spPr/>
+        <p:txBody>
+          <a:bodyPr/>
+          <a:p>
+            <a:r>
+              <a:rPr lang="zh-CN" altLang="en-US"/>
+              <a:t>案例结果</a:t>
+            </a:r>
+            <a:endParaRPr lang="zh-CN" altLang="en-US"/>
+          </a:p>
+        </p:txBody>
+      </p:sp>
+      <p:pic>
+        <p:nvPicPr>
+          <p:cNvPr id="6" name="内容占位符 5" descr="case"/>
+          <p:cNvPicPr>
+            <a:picLocks noChangeAspect="1"/>
+          </p:cNvPicPr>
+          <p:nvPr>
+            <p:ph idx="1"/>
+          </p:nvPr>
+        </p:nvPicPr>
+        <p:blipFill>
+          <a:blip r:embed="rId1"/>
+          <a:stretch>
+            <a:fillRect/>
+          </a:stretch>
+        </p:blipFill>
+        <p:spPr>
+          <a:xfrm>
+            <a:off x="1833245" y="2357755"/>
+            <a:ext cx="8524875" cy="3286125"/>
+          </a:xfrm>
+          <a:prstGeom prst="rect">
+            <a:avLst/>
+          </a:prstGeom>
+        </p:spPr>
+      </p:pic>
+    </p:spTree>
+  </p:cSld>
+  <p:clrMapOvr>
+    <a:masterClrMapping/>
+  </p:clrMapOvr>
+</p:sld>
+</file>
+
+<file path=ppt/slides/slide6.xml><?xml version="1.0" encoding="utf-8"?>
+<p:sld xmlns:a="http://schemas.openxmlformats.org/drawingml/2006/main" xmlns:r="http://schemas.openxmlformats.org/officeDocument/2006/relationships" xmlns:p="http://schemas.openxmlformats.org/presentationml/2006/main">
+  <p:cSld>
+    <p:spTree>
+      <p:nvGrpSpPr>
+        <p:cNvPr id="1" name=""/>
+        <p:cNvGrpSpPr/>
+        <p:nvPr/>
+      </p:nvGrpSpPr>
+      <p:grpSpPr/>
+      <p:sp>
+        <p:nvSpPr>
+          <p:cNvPr id="2" name="标题 1"/>
+          <p:cNvSpPr>
+            <a:spLocks noGrp="1"/>
+          </p:cNvSpPr>
+          <p:nvPr>
+            <p:ph type="title"/>
+          </p:nvPr>
+        </p:nvSpPr>
+        <p:spPr/>
+        <p:txBody>
+          <a:bodyPr/>
+          <a:p>
+            <a:r>
+              <a:rPr lang="zh-CN" altLang="en-US"/>
+              <a:t>传统网页的缺点</a:t>
+            </a:r>
+            <a:endParaRPr lang="zh-CN" altLang="en-US"/>
+          </a:p>
+        </p:txBody>
+      </p:sp>
+      <p:sp>
+        <p:nvSpPr>
+          <p:cNvPr id="3" name="内容占位符 2"/>
+          <p:cNvSpPr>
+            <a:spLocks noGrp="1"/>
+          </p:cNvSpPr>
+          <p:nvPr>
+            <p:ph idx="1"/>
+          </p:nvPr>
+        </p:nvSpPr>
+        <p:spPr/>
+        <p:txBody>
+          <a:bodyPr/>
+          <a:p>
+            <a:r>
+              <a:rPr lang="zh-CN" altLang="en-US"/>
+              <a:t>命名空间（网页内容稍微多点，命名就混乱）</a:t>
+            </a:r>
+            <a:endParaRPr lang="zh-CN" altLang="en-US"/>
+          </a:p>
+          <a:p>
+            <a:r>
+              <a:rPr lang="zh-CN" altLang="en-US"/>
+              <a:t>依赖关系</a:t>
+            </a:r>
+            <a:endParaRPr lang="zh-CN" altLang="en-US"/>
+          </a:p>
+          <a:p>
+            <a:endParaRPr lang="zh-CN" altLang="en-US"/>
+          </a:p>
+        </p:txBody>
+      </p:sp>
+    </p:spTree>
+  </p:cSld>
+  <p:clrMapOvr>
+    <a:masterClrMapping/>
+  </p:clrMapOvr>
+</p:sld>
+</file>
+
+<file path=ppt/slides/slide7.xml><?xml version="1.0" encoding="utf-8"?>
+<p:sld xmlns:a="http://schemas.openxmlformats.org/drawingml/2006/main" xmlns:r="http://schemas.openxmlformats.org/officeDocument/2006/relationships" xmlns:p="http://schemas.openxmlformats.org/presentationml/2006/main">
+  <p:cSld>
+    <p:bg>
+      <p:bgPr>
+        <a:noFill/>
+        <a:effectLst/>
+      </p:bgPr>
+    </p:bg>
+    <p:spTree>
+      <p:nvGrpSpPr>
+        <p:cNvPr id="1" name=""/>
+        <p:cNvGrpSpPr/>
+        <p:nvPr/>
+      </p:nvGrpSpPr>
+      <p:grpSpPr/>
+      <p:sp>
+        <p:nvSpPr>
+          <p:cNvPr id="2" name="标题 1"/>
+          <p:cNvSpPr>
+            <a:spLocks noGrp="1"/>
+          </p:cNvSpPr>
+          <p:nvPr>
+            <p:ph type="title"/>
+          </p:nvPr>
+        </p:nvSpPr>
+        <p:spPr/>
+        <p:txBody>
+          <a:bodyPr/>
+          <a:p>
+            <a:r>
+              <a:rPr lang="zh-CN" altLang="en-US"/>
+              <a:t>依赖关系</a:t>
+            </a:r>
+            <a:endParaRPr lang="zh-CN" altLang="en-US"/>
+          </a:p>
+        </p:txBody>
+      </p:sp>
+      <p:sp>
+        <p:nvSpPr>
+          <p:cNvPr id="3" name="内容占位符 2"/>
+          <p:cNvSpPr>
+            <a:spLocks noGrp="1"/>
+          </p:cNvSpPr>
+          <p:nvPr>
+            <p:ph idx="1"/>
+          </p:nvPr>
+        </p:nvSpPr>
+        <p:spPr/>
+        <p:txBody>
+          <a:bodyPr/>
+          <a:p>
+            <a:endParaRPr lang="zh-CN" altLang="en-US"/>
+          </a:p>
+        </p:txBody>
+      </p:sp>
+      <p:pic>
+        <p:nvPicPr>
+          <p:cNvPr id="4" name="图片 3" descr="依赖"/>
+          <p:cNvPicPr>
+            <a:picLocks noChangeAspect="1"/>
+          </p:cNvPicPr>
+          <p:nvPr/>
+        </p:nvPicPr>
+        <p:blipFill>
+          <a:blip r:embed="rId1"/>
+          <a:stretch>
+            <a:fillRect/>
+          </a:stretch>
+        </p:blipFill>
+        <p:spPr>
+          <a:xfrm>
+            <a:off x="838200" y="1825625"/>
+            <a:ext cx="7164070" cy="4351655"/>
+          </a:xfrm>
+          <a:prstGeom prst="rect">
+            <a:avLst/>
+          </a:prstGeom>
+        </p:spPr>
+      </p:pic>
+    </p:spTree>
+  </p:cSld>
+  <p:clrMapOvr>
+    <a:masterClrMapping/>
+  </p:clrMapOvr>
+</p:sld>
+</file>
+
+<file path=ppt/slides/slide8.xml><?xml version="1.0" encoding="utf-8"?>
+<p:sld xmlns:a="http://schemas.openxmlformats.org/drawingml/2006/main" xmlns:r="http://schemas.openxmlformats.org/officeDocument/2006/relationships" xmlns:p="http://schemas.openxmlformats.org/presentationml/2006/main">
+  <p:cSld>
+    <p:spTree>
+      <p:nvGrpSpPr>
+        <p:cNvPr id="1" name=""/>
+        <p:cNvGrpSpPr/>
+        <p:nvPr/>
+      </p:nvGrpSpPr>
+      <p:grpSpPr/>
+      <p:sp>
+        <p:nvSpPr>
+          <p:cNvPr id="2" name="标题 1"/>
+          <p:cNvSpPr>
+            <a:spLocks noGrp="1"/>
+          </p:cNvSpPr>
+          <p:nvPr>
+            <p:ph type="title"/>
+          </p:nvPr>
+        </p:nvSpPr>
+        <p:spPr/>
+        <p:txBody>
+          <a:bodyPr/>
+          <a:p>
+            <a:r>
+              <a:rPr lang="zh-CN" altLang="en-US"/>
+              <a:t>文件依赖关系</a:t>
+            </a:r>
+            <a:endParaRPr lang="zh-CN" altLang="en-US"/>
+          </a:p>
+        </p:txBody>
+      </p:sp>
+      <p:sp>
+        <p:nvSpPr>
+          <p:cNvPr id="3" name="内容占位符 2"/>
+          <p:cNvSpPr>
+            <a:spLocks noGrp="1"/>
+          </p:cNvSpPr>
+          <p:nvPr>
+            <p:ph sz="half" idx="1"/>
+          </p:nvPr>
+        </p:nvSpPr>
+        <p:spPr/>
+        <p:txBody>
+          <a:bodyPr/>
+          <a:p>
+            <a:r>
+              <a:rPr lang="zh-CN" altLang="en-US"/>
+              <a:t>传统依赖</a:t>
+            </a:r>
+            <a:br>
+              <a:rPr lang="zh-CN" altLang="en-US"/>
+            </a:br>
+            <a:endParaRPr lang="zh-CN" altLang="en-US" sz="2400"/>
+          </a:p>
+          <a:p>
+            <a:endParaRPr lang="zh-CN" altLang="en-US" sz="2400"/>
+          </a:p>
+          <a:p>
+            <a:endParaRPr lang="zh-CN" altLang="en-US" sz="2400"/>
+          </a:p>
+          <a:p>
+            <a:endParaRPr lang="zh-CN" altLang="en-US" sz="2400"/>
+          </a:p>
+          <a:p>
+            <a:endParaRPr lang="zh-CN" altLang="en-US"/>
+          </a:p>
+          <a:p>
+            <a:r>
+              <a:rPr lang="en-US" altLang="zh-CN" sz="1400" b="1"/>
+              <a:t>1.index.html</a:t>
+            </a:r>
+            <a:r>
+              <a:rPr lang="zh-CN" altLang="en-US" sz="1400" b="1"/>
+              <a:t>文件为了只是想用</a:t>
+            </a:r>
+            <a:r>
+              <a:rPr lang="en-US" altLang="zh-CN" sz="1400" b="1"/>
+              <a:t>bootstrap.js</a:t>
+            </a:r>
+            <a:r>
+              <a:rPr lang="zh-CN" altLang="en-US" sz="1400" b="1"/>
+              <a:t>，但是要先去引用</a:t>
+            </a:r>
+            <a:r>
+              <a:rPr lang="en-US" altLang="zh-CN" sz="1400" b="1"/>
+              <a:t>jquery.js</a:t>
+            </a:r>
+            <a:r>
+              <a:rPr lang="zh-CN" altLang="en-US" sz="1400" b="1"/>
+              <a:t>文件。并且还要搞清楚依赖关系（先</a:t>
+            </a:r>
+            <a:r>
+              <a:rPr lang="en-US" altLang="zh-CN" sz="1400" b="1"/>
+              <a:t>jq</a:t>
+            </a:r>
+            <a:r>
+              <a:rPr lang="zh-CN" altLang="en-US" sz="1400" b="1"/>
+              <a:t>再</a:t>
+            </a:r>
+            <a:r>
+              <a:rPr lang="en-US" altLang="zh-CN" sz="1400" b="1"/>
+              <a:t>bootstrap</a:t>
+            </a:r>
+            <a:r>
+              <a:rPr lang="zh-CN" altLang="en-US" sz="1400" b="1"/>
+              <a:t>）</a:t>
+            </a:r>
+            <a:endParaRPr lang="zh-CN" altLang="en-US" sz="1400" b="1"/>
+          </a:p>
+        </p:txBody>
+      </p:sp>
+      <p:sp>
+        <p:nvSpPr>
+          <p:cNvPr id="4" name="内容占位符 3"/>
+          <p:cNvSpPr>
+            <a:spLocks noGrp="1"/>
+          </p:cNvSpPr>
+          <p:nvPr>
+            <p:ph sz="half" idx="2"/>
+          </p:nvPr>
+        </p:nvSpPr>
+        <p:spPr/>
+        <p:txBody>
+          <a:bodyPr/>
+          <a:p>
+            <a:r>
+              <a:rPr lang="zh-CN" altLang="en-US"/>
+              <a:t>期望的依赖</a:t>
+            </a:r>
+            <a:endParaRPr lang="zh-CN" altLang="en-US"/>
+          </a:p>
+          <a:p>
+            <a:endParaRPr lang="zh-CN" altLang="en-US" sz="2400"/>
+          </a:p>
+          <a:p>
+            <a:endParaRPr lang="zh-CN" altLang="en-US" sz="2400"/>
+          </a:p>
+          <a:p>
+            <a:endParaRPr lang="zh-CN" altLang="en-US" sz="2400"/>
+          </a:p>
+          <a:p>
+            <a:endParaRPr lang="zh-CN" altLang="en-US" sz="2400" b="1"/>
+          </a:p>
+          <a:p>
+            <a:endParaRPr lang="zh-CN" altLang="en-US" b="1"/>
+          </a:p>
+          <a:p>
+            <a:r>
+              <a:rPr lang="en-US" altLang="zh-CN" sz="1400" b="1"/>
+              <a:t>index.html</a:t>
+            </a:r>
+            <a:r>
+              <a:rPr lang="zh-CN" altLang="en-US" sz="1400" b="1"/>
+              <a:t>文件想用</a:t>
+            </a:r>
+            <a:r>
+              <a:rPr lang="en-US" altLang="zh-CN" sz="1400" b="1"/>
+              <a:t>bootstrap.js</a:t>
+            </a:r>
+            <a:r>
+              <a:rPr lang="zh-CN" altLang="en-US" sz="1400" b="1"/>
+              <a:t>。只需要去引用</a:t>
+            </a:r>
+            <a:r>
+              <a:rPr lang="en-US" altLang="zh-CN" sz="1400" b="1"/>
+              <a:t>bootstrap.js</a:t>
+            </a:r>
+            <a:r>
+              <a:rPr lang="zh-CN" altLang="en-US" sz="1400" b="1"/>
+              <a:t>。</a:t>
+            </a:r>
+            <a:r>
+              <a:rPr lang="en-US" altLang="zh-CN" sz="1400" b="1"/>
+              <a:t>bootstrap.js</a:t>
+            </a:r>
+            <a:r>
+              <a:rPr lang="zh-CN" altLang="en-US" sz="1400" b="1"/>
+              <a:t>自己去找</a:t>
+            </a:r>
+            <a:r>
+              <a:rPr lang="en-US" altLang="zh-CN" sz="1400" b="1"/>
+              <a:t>jquery.js</a:t>
+            </a:r>
+            <a:endParaRPr lang="en-US" altLang="zh-CN" sz="1400" b="1"/>
+          </a:p>
+        </p:txBody>
+      </p:sp>
+      <p:pic>
+        <p:nvPicPr>
+          <p:cNvPr id="5" name="图片 4" descr="传统依赖"/>
+          <p:cNvPicPr>
+            <a:picLocks noChangeAspect="1"/>
+          </p:cNvPicPr>
+          <p:nvPr/>
+        </p:nvPicPr>
+        <p:blipFill>
+          <a:blip r:embed="rId1"/>
+          <a:stretch>
+            <a:fillRect/>
+          </a:stretch>
+        </p:blipFill>
+        <p:spPr>
+          <a:xfrm>
+            <a:off x="838200" y="2619375"/>
+            <a:ext cx="3305175" cy="1619250"/>
+          </a:xfrm>
+          <a:prstGeom prst="rect">
+            <a:avLst/>
+          </a:prstGeom>
+        </p:spPr>
+      </p:pic>
+      <p:pic>
+        <p:nvPicPr>
+          <p:cNvPr id="6" name="图片 5" descr="自己找依赖"/>
+          <p:cNvPicPr>
+            <a:picLocks noChangeAspect="1"/>
+          </p:cNvPicPr>
+          <p:nvPr/>
+        </p:nvPicPr>
+        <p:blipFill>
+          <a:blip r:embed="rId2"/>
+          <a:stretch>
+            <a:fillRect/>
+          </a:stretch>
+        </p:blipFill>
+        <p:spPr>
+          <a:xfrm>
+            <a:off x="6172200" y="2788285"/>
+            <a:ext cx="5448300" cy="800100"/>
+          </a:xfrm>
+          <a:prstGeom prst="rect">
+            <a:avLst/>
+          </a:prstGeom>
+        </p:spPr>
+      </p:pic>
+    </p:spTree>
+  </p:cSld>
+  <p:clrMapOvr>
+    <a:masterClrMapping/>
+  </p:clrMapOvr>
+</p:sld>
+</file>
+
+<file path=ppt/slides/slide9.xml><?xml version="1.0" encoding="utf-8"?>
+<p:sld xmlns:a="http://schemas.openxmlformats.org/drawingml/2006/main" xmlns:r="http://schemas.openxmlformats.org/officeDocument/2006/relationships" xmlns:p="http://schemas.openxmlformats.org/presentationml/2006/main">
+  <p:cSld>
+    <p:spTree>
+      <p:nvGrpSpPr>
+        <p:cNvPr id="1" name=""/>
+        <p:cNvGrpSpPr/>
+        <p:nvPr/>
+      </p:nvGrpSpPr>
+      <p:grpSpPr/>
+      <p:sp>
+        <p:nvSpPr>
+          <p:cNvPr id="2" name="标题 1"/>
+          <p:cNvSpPr>
+            <a:spLocks noGrp="1"/>
+          </p:cNvSpPr>
+          <p:nvPr>
+            <p:ph type="title"/>
+          </p:nvPr>
+        </p:nvSpPr>
+        <p:spPr/>
+        <p:txBody>
+          <a:bodyPr/>
+          <a:p>
+            <a:r>
+              <a:rPr lang="zh-CN" altLang="en-US"/>
+              <a:t>传统文件依赖（官网示范）</a:t>
+            </a:r>
+            <a:endParaRPr lang="zh-CN" altLang="en-US"/>
+          </a:p>
+        </p:txBody>
+      </p:sp>
+      <p:pic>
+        <p:nvPicPr>
+          <p:cNvPr id="4" name="内容占位符 3" descr="bootstrap依赖"/>
+          <p:cNvPicPr>
+            <a:picLocks noChangeAspect="1"/>
+          </p:cNvPicPr>
+          <p:nvPr>
+            <p:ph idx="1"/>
+          </p:nvPr>
+        </p:nvPicPr>
+        <p:blipFill>
+          <a:blip r:embed="rId1"/>
+          <a:stretch>
+            <a:fillRect/>
+          </a:stretch>
+        </p:blipFill>
+        <p:spPr>
+          <a:xfrm>
+            <a:off x="1471295" y="1981835"/>
+            <a:ext cx="9248775" cy="4038600"/>
+          </a:xfrm>
+          <a:prstGeom prst="rect">
+            <a:avLst/>
+          </a:prstGeom>
+        </p:spPr>
+      </p:pic>
+    </p:spTree>
+  </p:cSld>
+  <p:clrMapOvr>
+    <a:masterClrMapping/>
+  </p:clrMapOvr>
+</p:sld>
+</file>
+
+<file path=ppt/tags/tag1.xml><?xml version="1.0" encoding="utf-8"?>
+<p:tagLst xmlns:p="http://schemas.openxmlformats.org/presentationml/2006/main">
+  <p:tag name="KSO_WM_UNIT_DIAGRAM_MODELTYPE" val="flashPicture"/>
+  <p:tag name="KSO_WM_UNIT_HIGHLIGHT" val="0"/>
+  <p:tag name="KSO_WM_UNIT_COMPATIBLE" val="0"/>
+  <p:tag name="KSO_WM_UNIT_DIAGRAM_ISNUMVISUAL" val="0"/>
+  <p:tag name="KSO_WM_UNIT_DIAGRAM_ISREFERUNIT" val="0"/>
+  <p:tag name="KSO_WM_DIAGRAM_GROUP_CODE" val="ζ1-1"/>
+  <p:tag name="KSO_WM_UNIT_TYPE" val="ζ_h_i"/>
+  <p:tag name="KSO_WM_UNIT_INDEX" val="1_2_1"/>
+  <p:tag name="KSO_WM_UNIT_ID" val="mixed20199732_1*ζ_h_i*1_2_1"/>
+  <p:tag name="KSO_WM_TEMPLATE_CATEGORY" val="mixed"/>
+  <p:tag name="KSO_WM_TEMPLATE_INDEX" val="20199732"/>
+  <p:tag name="KSO_WM_UNIT_LAYERLEVEL" val="1_1_1"/>
+  <p:tag name="KSO_WM_TAG_VERSION" val="1.0"/>
+  <p:tag name="KSO_WM_BEAUTIFY_FLAG" val="#wm#"/>
+</p:tagLst>
+</file>
+
+<file path=ppt/tags/tag2.xml><?xml version="1.0" encoding="utf-8"?>
+<p:tagLst xmlns:p="http://schemas.openxmlformats.org/presentationml/2006/main">
+  <p:tag name="KSO_WM_UNIT_DIAGRAM_MODELTYPE" val="flashPicture"/>
+  <p:tag name="KSO_WM_UNIT_HIGHLIGHT" val="0"/>
+  <p:tag name="KSO_WM_UNIT_COMPATIBLE" val="0"/>
+  <p:tag name="KSO_WM_UNIT_DIAGRAM_ISNUMVISUAL" val="0"/>
+  <p:tag name="KSO_WM_UNIT_DIAGRAM_ISREFERUNIT" val="0"/>
+  <p:tag name="KSO_WM_DIAGRAM_GROUP_CODE" val="ζ1-1"/>
+  <p:tag name="KSO_WM_UNIT_TYPE" val="ζ_h_i"/>
+  <p:tag name="KSO_WM_UNIT_INDEX" val="1_1_1"/>
+  <p:tag name="KSO_WM_UNIT_ID" val="mixed20199732_1*ζ_h_i*1_1_1"/>
+  <p:tag name="KSO_WM_TEMPLATE_CATEGORY" val="mixed"/>
+  <p:tag name="KSO_WM_TEMPLATE_INDEX" val="20199732"/>
+  <p:tag name="KSO_WM_UNIT_LAYERLEVEL" val="1_1_1"/>
+  <p:tag name="KSO_WM_TAG_VERSION" val="1.0"/>
+  <p:tag name="KSO_WM_BEAUTIFY_FLAG" val="#wm#"/>
+</p:tagLst>
+</file>
+
+<file path=ppt/tags/tag3.xml><?xml version="1.0" encoding="utf-8"?>
+<p:tagLst xmlns:p="http://schemas.openxmlformats.org/presentationml/2006/main">
+  <p:tag name="KSO_WM_UNIT_DIAGRAM_MODELTYPE" val="flashPicture"/>
+  <p:tag name="KSO_WM_UNIT_HIGHLIGHT" val="0"/>
+  <p:tag name="KSO_WM_UNIT_COMPATIBLE" val="0"/>
+  <p:tag name="KSO_WM_UNIT_DIAGRAM_ISNUMVISUAL" val="0"/>
+  <p:tag name="KSO_WM_UNIT_DIAGRAM_ISREFERUNIT" val="0"/>
+  <p:tag name="KSO_WM_DIAGRAM_GROUP_CODE" val="ζ1-1"/>
+  <p:tag name="KSO_WM_UNIT_TYPE" val="ζ_h_i"/>
+  <p:tag name="KSO_WM_UNIT_INDEX" val="1_3_1"/>
+  <p:tag name="KSO_WM_UNIT_ID" val="mixed20199732_1*ζ_h_i*1_3_1"/>
+  <p:tag name="KSO_WM_TEMPLATE_CATEGORY" val="mixed"/>
+  <p:tag name="KSO_WM_TEMPLATE_INDEX" val="20199732"/>
+  <p:tag name="KSO_WM_UNIT_LAYERLEVEL" val="1_1_1"/>
+  <p:tag name="KSO_WM_TAG_VERSION" val="1.0"/>
+  <p:tag name="KSO_WM_BEAUTIFY_FLAG" val="#wm#"/>
+</p:tagLst>
+</file>
+
+<file path=ppt/tags/tag4.xml><?xml version="1.0" encoding="utf-8"?>
+<p:tagLst xmlns:p="http://schemas.openxmlformats.org/presentationml/2006/main">
+  <p:tag name="KSO_WM_UNIT_FLASH_PICTURE_TYPE" val="0"/>
+</p:tagLst>
+</file>
+
 <file path=ppt/theme/theme1.xml><?xml version="1.0" encoding="utf-8"?>
 <a:theme xmlns:a="http://schemas.openxmlformats.org/drawingml/2006/main" name="Office 主题">
   <a:themeElements>
@@ -3195,8 +7433,265 @@
       </a:bgFillStyleLst>
     </a:fmtScheme>
   </a:themeElements>
-  <a:objectDefaults/>
-  <a:extraClrSchemeLst/>
+  <a:extLst>
+    <a:ext uri="{05A4C25C-085E-4340-85A3-A5531E510DB2}">
+      <thm15:themeFamily xmlns:thm15="http://schemas.microsoft.com/office/thememl/2012/main" name="Office Theme" id="{62F939B6-93AF-4DB8-9C6B-D6C7DFDC589F}" vid="{4A3C46E8-61CC-4603-A589-7422A47A8E4A}"/>
+    </a:ext>
+  </a:extLst>
+</a:theme>
+</file>
+
+<file path=ppt/theme/theme2.xml><?xml version="1.0" encoding="utf-8"?>
+<a:theme xmlns:a="http://schemas.openxmlformats.org/drawingml/2006/main" name="Office 主题">
+  <a:themeElements>
+    <a:clrScheme name="Office">
+      <a:dk1>
+        <a:sysClr val="windowText" lastClr="000000"/>
+      </a:dk1>
+      <a:lt1>
+        <a:sysClr val="window" lastClr="FFFFFF"/>
+      </a:lt1>
+      <a:dk2>
+        <a:srgbClr val="44546A"/>
+      </a:dk2>
+      <a:lt2>
+        <a:srgbClr val="E7E6E6"/>
+      </a:lt2>
+      <a:accent1>
+        <a:srgbClr val="5B9BD5"/>
+      </a:accent1>
+      <a:accent2>
+        <a:srgbClr val="ED7D31"/>
+      </a:accent2>
+      <a:accent3>
+        <a:srgbClr val="A5A5A5"/>
+      </a:accent3>
+      <a:accent4>
+        <a:srgbClr val="FFC000"/>
+      </a:accent4>
+      <a:accent5>
+        <a:srgbClr val="4472C4"/>
+      </a:accent5>
+      <a:accent6>
+        <a:srgbClr val="70AD47"/>
+      </a:accent6>
+      <a:hlink>
+        <a:srgbClr val="0563C1"/>
+      </a:hlink>
+      <a:folHlink>
+        <a:srgbClr val="954F72"/>
+      </a:folHlink>
+    </a:clrScheme>
+    <a:fontScheme name="Office">
+      <a:majorFont>
+        <a:latin typeface="Calibri Light"/>
+        <a:ea typeface=""/>
+        <a:cs typeface=""/>
+        <a:font script="Jpan" typeface="ＭＳ Ｐゴシック"/>
+        <a:font script="Hang" typeface="맑은 고딕"/>
+        <a:font script="Hans" typeface="宋体"/>
+        <a:font script="Hant" typeface="新細明體"/>
+        <a:font script="Arab" typeface="Times New Roman"/>
+        <a:font script="Hebr" typeface="Times New Roman"/>
+        <a:font script="Thai" typeface="Angsana New"/>
+        <a:font script="Ethi" typeface="Nyala"/>
+        <a:font script="Beng" typeface="Vrinda"/>
+        <a:font script="Gujr" typeface="Shruti"/>
+        <a:font script="Khmr" typeface="MoolBoran"/>
+        <a:font script="Knda" typeface="Tunga"/>
+        <a:font script="Guru" typeface="Raavi"/>
+        <a:font script="Cans" typeface="Euphemia"/>
+        <a:font script="Cher" typeface="Plantagenet Cherokee"/>
+        <a:font script="Yiii" typeface="Microsoft Yi Baiti"/>
+        <a:font script="Tibt" typeface="Microsoft Himalaya"/>
+        <a:font script="Thaa" typeface="MV Boli"/>
+        <a:font script="Deva" typeface="Mangal"/>
+        <a:font script="Telu" typeface="Gautami"/>
+        <a:font script="Taml" typeface="Latha"/>
+        <a:font script="Syrc" typeface="Estrangelo Edessa"/>
+        <a:font script="Orya" typeface="Kalinga"/>
+        <a:font script="Mlym" typeface="Kartika"/>
+        <a:font script="Laoo" typeface="DokChampa"/>
+        <a:font script="Sinh" typeface="Iskoola Pota"/>
+        <a:font script="Mong" typeface="Mongolian Baiti"/>
+        <a:font script="Viet" typeface="Times New Roman"/>
+        <a:font script="Uigh" typeface="Microsoft Uighur"/>
+        <a:font script="Geor" typeface="Sylfaen"/>
+      </a:majorFont>
+      <a:minorFont>
+        <a:latin typeface="Calibri"/>
+        <a:ea typeface=""/>
+        <a:cs typeface=""/>
+        <a:font script="Jpan" typeface="ＭＳ Ｐゴシック"/>
+        <a:font script="Hang" typeface="맑은 고딕"/>
+        <a:font script="Hans" typeface="宋体"/>
+        <a:font script="Hant" typeface="新細明體"/>
+        <a:font script="Arab" typeface="Arial"/>
+        <a:font script="Hebr" typeface="Arial"/>
+        <a:font script="Thai" typeface="Cordia New"/>
+        <a:font script="Ethi" typeface="Nyala"/>
+        <a:font script="Beng" typeface="Vrinda"/>
+        <a:font script="Gujr" typeface="Shruti"/>
+        <a:font script="Khmr" typeface="DaunPenh"/>
+        <a:font script="Knda" typeface="Tunga"/>
+        <a:font script="Guru" typeface="Raavi"/>
+        <a:font script="Cans" typeface="Euphemia"/>
+        <a:font script="Cher" typeface="Plantagenet Cherokee"/>
+        <a:font script="Yiii" typeface="Microsoft Yi Baiti"/>
+        <a:font script="Tibt" typeface="Microsoft Himalaya"/>
+        <a:font script="Thaa" typeface="MV Boli"/>
+        <a:font script="Deva" typeface="Mangal"/>
+        <a:font script="Telu" typeface="Gautami"/>
+        <a:font script="Taml" typeface="Latha"/>
+        <a:font script="Syrc" typeface="Estrangelo Edessa"/>
+        <a:font script="Orya" typeface="Kalinga"/>
+        <a:font script="Mlym" typeface="Kartika"/>
+        <a:font script="Laoo" typeface="DokChampa"/>
+        <a:font script="Sinh" typeface="Iskoola Pota"/>
+        <a:font script="Mong" typeface="Mongolian Baiti"/>
+        <a:font script="Viet" typeface="Arial"/>
+        <a:font script="Uigh" typeface="Microsoft Uighur"/>
+        <a:font script="Geor" typeface="Sylfaen"/>
+      </a:minorFont>
+    </a:fontScheme>
+    <a:fmtScheme name="Office">
+      <a:fillStyleLst>
+        <a:solidFill>
+          <a:schemeClr val="phClr"/>
+        </a:solidFill>
+        <a:gradFill rotWithShape="1">
+          <a:gsLst>
+            <a:gs pos="0">
+              <a:schemeClr val="phClr">
+                <a:lumMod val="110000"/>
+                <a:satMod val="105000"/>
+                <a:tint val="67000"/>
+              </a:schemeClr>
+            </a:gs>
+            <a:gs pos="50000">
+              <a:schemeClr val="phClr">
+                <a:lumMod val="105000"/>
+                <a:satMod val="103000"/>
+                <a:tint val="73000"/>
+              </a:schemeClr>
+            </a:gs>
+            <a:gs pos="100000">
+              <a:schemeClr val="phClr">
+                <a:lumMod val="105000"/>
+                <a:satMod val="109000"/>
+                <a:tint val="81000"/>
+              </a:schemeClr>
+            </a:gs>
+          </a:gsLst>
+          <a:lin ang="5400000" scaled="0"/>
+        </a:gradFill>
+        <a:gradFill rotWithShape="1">
+          <a:gsLst>
+            <a:gs pos="0">
+              <a:schemeClr val="phClr">
+                <a:satMod val="103000"/>
+                <a:lumMod val="102000"/>
+                <a:tint val="94000"/>
+              </a:schemeClr>
+            </a:gs>
+            <a:gs pos="50000">
+              <a:schemeClr val="phClr">
+                <a:satMod val="110000"/>
+                <a:lumMod val="100000"/>
+                <a:shade val="100000"/>
+              </a:schemeClr>
+            </a:gs>
+            <a:gs pos="100000">
+              <a:schemeClr val="phClr">
+                <a:lumMod val="99000"/>
+                <a:satMod val="120000"/>
+                <a:shade val="78000"/>
+              </a:schemeClr>
+            </a:gs>
+          </a:gsLst>
+          <a:lin ang="5400000" scaled="0"/>
+        </a:gradFill>
+      </a:fillStyleLst>
+      <a:lnStyleLst>
+        <a:ln w="6350" cap="flat" cmpd="sng" algn="ctr">
+          <a:solidFill>
+            <a:schemeClr val="phClr"/>
+          </a:solidFill>
+          <a:prstDash val="solid"/>
+          <a:miter lim="800000"/>
+        </a:ln>
+        <a:ln w="12700" cap="flat" cmpd="sng" algn="ctr">
+          <a:solidFill>
+            <a:schemeClr val="phClr"/>
+          </a:solidFill>
+          <a:prstDash val="solid"/>
+          <a:miter lim="800000"/>
+        </a:ln>
+        <a:ln w="19050" cap="flat" cmpd="sng" algn="ctr">
+          <a:solidFill>
+            <a:schemeClr val="phClr"/>
+          </a:solidFill>
+          <a:prstDash val="solid"/>
+          <a:miter lim="800000"/>
+        </a:ln>
+      </a:lnStyleLst>
+      <a:effectStyleLst>
+        <a:effectStyle>
+          <a:effectLst/>
+        </a:effectStyle>
+        <a:effectStyle>
+          <a:effectLst/>
+        </a:effectStyle>
+        <a:effectStyle>
+          <a:effectLst>
+            <a:outerShdw blurRad="57150" dist="19050" dir="5400000" algn="ctr" rotWithShape="0">
+              <a:srgbClr val="000000">
+                <a:alpha val="63000"/>
+              </a:srgbClr>
+            </a:outerShdw>
+          </a:effectLst>
+        </a:effectStyle>
+      </a:effectStyleLst>
+      <a:bgFillStyleLst>
+        <a:solidFill>
+          <a:schemeClr val="phClr"/>
+        </a:solidFill>
+        <a:solidFill>
+          <a:schemeClr val="phClr">
+            <a:tint val="95000"/>
+            <a:satMod val="170000"/>
+          </a:schemeClr>
+        </a:solidFill>
+        <a:gradFill rotWithShape="1">
+          <a:gsLst>
+            <a:gs pos="0">
+              <a:schemeClr val="phClr">
+                <a:tint val="93000"/>
+                <a:satMod val="150000"/>
+                <a:shade val="98000"/>
+                <a:lumMod val="102000"/>
+              </a:schemeClr>
+            </a:gs>
+            <a:gs pos="50000">
+              <a:schemeClr val="phClr">
+                <a:tint val="98000"/>
+                <a:satMod val="130000"/>
+                <a:shade val="90000"/>
+                <a:lumMod val="103000"/>
+              </a:schemeClr>
+            </a:gs>
+            <a:gs pos="100000">
+              <a:schemeClr val="phClr">
+                <a:shade val="63000"/>
+                <a:satMod val="120000"/>
+              </a:schemeClr>
+            </a:gs>
+          </a:gsLst>
+          <a:lin ang="5400000" scaled="0"/>
+        </a:gradFill>
+      </a:bgFillStyleLst>
+    </a:fmtScheme>
+  </a:themeElements>
   <a:extLst>
     <a:ext uri="{05A4C25C-085E-4340-85A3-A5531E510DB2}">
       <thm15:themeFamily xmlns:thm15="http://schemas.microsoft.com/office/thememl/2012/main" name="Office Theme" id="{62F939B6-93AF-4DB8-9C6B-D6C7DFDC589F}" vid="{4A3C46E8-61CC-4603-A589-7422A47A8E4A}"/>

--- a/cloud/培训 - webpack.pptx
+++ b/cloud/培训 - webpack.pptx
@@ -5,40 +5,46 @@
     <p:sldMasterId id="2147483648" r:id="rId1"/>
   </p:sldMasterIdLst>
   <p:notesMasterIdLst>
-    <p:notesMasterId r:id="rId34"/>
+    <p:notesMasterId r:id="rId39"/>
   </p:notesMasterIdLst>
   <p:sldIdLst>
     <p:sldId id="256" r:id="rId3"/>
-    <p:sldId id="257" r:id="rId4"/>
-    <p:sldId id="261" r:id="rId5"/>
-    <p:sldId id="258" r:id="rId6"/>
-    <p:sldId id="259" r:id="rId7"/>
-    <p:sldId id="262" r:id="rId8"/>
-    <p:sldId id="266" r:id="rId9"/>
-    <p:sldId id="267" r:id="rId10"/>
-    <p:sldId id="270" r:id="rId11"/>
-    <p:sldId id="272" r:id="rId12"/>
-    <p:sldId id="273" r:id="rId13"/>
-    <p:sldId id="275" r:id="rId14"/>
-    <p:sldId id="276" r:id="rId15"/>
-    <p:sldId id="277" r:id="rId16"/>
-    <p:sldId id="280" r:id="rId17"/>
-    <p:sldId id="278" r:id="rId18"/>
-    <p:sldId id="279" r:id="rId19"/>
-    <p:sldId id="284" r:id="rId20"/>
-    <p:sldId id="281" r:id="rId21"/>
-    <p:sldId id="290" r:id="rId22"/>
-    <p:sldId id="282" r:id="rId23"/>
-    <p:sldId id="289" r:id="rId24"/>
-    <p:sldId id="286" r:id="rId25"/>
-    <p:sldId id="292" r:id="rId26"/>
-    <p:sldId id="287" r:id="rId27"/>
-    <p:sldId id="288" r:id="rId28"/>
-    <p:sldId id="294" r:id="rId29"/>
-    <p:sldId id="283" r:id="rId30"/>
-    <p:sldId id="295" r:id="rId31"/>
-    <p:sldId id="296" r:id="rId32"/>
-    <p:sldId id="297" r:id="rId33"/>
+    <p:sldId id="306" r:id="rId4"/>
+    <p:sldId id="257" r:id="rId5"/>
+    <p:sldId id="261" r:id="rId6"/>
+    <p:sldId id="258" r:id="rId7"/>
+    <p:sldId id="259" r:id="rId8"/>
+    <p:sldId id="262" r:id="rId9"/>
+    <p:sldId id="266" r:id="rId10"/>
+    <p:sldId id="267" r:id="rId11"/>
+    <p:sldId id="270" r:id="rId12"/>
+    <p:sldId id="272" r:id="rId13"/>
+    <p:sldId id="273" r:id="rId14"/>
+    <p:sldId id="275" r:id="rId15"/>
+    <p:sldId id="276" r:id="rId16"/>
+    <p:sldId id="277" r:id="rId17"/>
+    <p:sldId id="280" r:id="rId18"/>
+    <p:sldId id="278" r:id="rId19"/>
+    <p:sldId id="279" r:id="rId20"/>
+    <p:sldId id="284" r:id="rId21"/>
+    <p:sldId id="281" r:id="rId22"/>
+    <p:sldId id="290" r:id="rId23"/>
+    <p:sldId id="282" r:id="rId24"/>
+    <p:sldId id="289" r:id="rId25"/>
+    <p:sldId id="286" r:id="rId26"/>
+    <p:sldId id="292" r:id="rId27"/>
+    <p:sldId id="287" r:id="rId28"/>
+    <p:sldId id="288" r:id="rId29"/>
+    <p:sldId id="294" r:id="rId30"/>
+    <p:sldId id="283" r:id="rId31"/>
+    <p:sldId id="295" r:id="rId32"/>
+    <p:sldId id="296" r:id="rId33"/>
+    <p:sldId id="302" r:id="rId34"/>
+    <p:sldId id="303" r:id="rId35"/>
+    <p:sldId id="304" r:id="rId36"/>
+    <p:sldId id="305" r:id="rId37"/>
+    <p:sldId id="297" r:id="rId38"/>
+    <p:sldId id="308" r:id="rId40"/>
   </p:sldIdLst>
   <p:sldSz cx="12192000" cy="6858000"/>
   <p:notesSz cx="6858000" cy="9144000"/>
@@ -3416,44 +3422,38 @@
           <a:p>
             <a:r>
               <a:rPr lang="zh-CN" altLang="en-US"/>
-              <a:t>我的故事</a:t>
-            </a:r>
-            <a:endParaRPr lang="zh-CN" altLang="en-US"/>
-          </a:p>
-        </p:txBody>
-      </p:sp>
-      <p:sp>
-        <p:nvSpPr>
-          <p:cNvPr id="3" name="内容占位符 2"/>
-          <p:cNvSpPr>
-            <a:spLocks noGrp="1"/>
-          </p:cNvSpPr>
+              <a:t>传统文件依赖（官网示范）</a:t>
+            </a:r>
+            <a:endParaRPr lang="zh-CN" altLang="en-US"/>
+          </a:p>
+        </p:txBody>
+      </p:sp>
+      <p:pic>
+        <p:nvPicPr>
+          <p:cNvPr id="4" name="内容占位符 3" descr="bootstrap依赖"/>
+          <p:cNvPicPr>
+            <a:picLocks noChangeAspect="1"/>
+          </p:cNvPicPr>
           <p:nvPr>
             <p:ph idx="1"/>
           </p:nvPr>
-        </p:nvSpPr>
-        <p:spPr/>
-        <p:txBody>
-          <a:bodyPr/>
-          <a:p>
-            <a:r>
-              <a:rPr lang="zh-CN" altLang="en-US"/>
-              <a:t>在刚开始学习程序的时候，我并不觉得多写一行代码，多引一个文件会是什么问题。在我当时的要求里面，学会能用就行。并没有考虑到带来的复杂后果。</a:t>
-            </a:r>
-            <a:endParaRPr lang="zh-CN" altLang="en-US"/>
-          </a:p>
-          <a:p>
-            <a:endParaRPr lang="zh-CN" altLang="en-US"/>
-          </a:p>
-          <a:p>
-            <a:r>
-              <a:rPr lang="zh-CN" altLang="en-US"/>
-              <a:t>然而。。。</a:t>
-            </a:r>
-            <a:endParaRPr lang="zh-CN" altLang="en-US"/>
-          </a:p>
-        </p:txBody>
-      </p:sp>
+        </p:nvPicPr>
+        <p:blipFill>
+          <a:blip r:embed="rId1"/>
+          <a:stretch>
+            <a:fillRect/>
+          </a:stretch>
+        </p:blipFill>
+        <p:spPr>
+          <a:xfrm>
+            <a:off x="1471295" y="1981835"/>
+            <a:ext cx="9248775" cy="4038600"/>
+          </a:xfrm>
+          <a:prstGeom prst="rect">
+            <a:avLst/>
+          </a:prstGeom>
+        </p:spPr>
+      </p:pic>
     </p:spTree>
   </p:cSld>
   <p:clrMapOvr>
@@ -3463,6 +3463,78 @@
 </file>
 
 <file path=ppt/slides/slide11.xml><?xml version="1.0" encoding="utf-8"?>
+<p:sld xmlns:a="http://schemas.openxmlformats.org/drawingml/2006/main" xmlns:r="http://schemas.openxmlformats.org/officeDocument/2006/relationships" xmlns:p="http://schemas.openxmlformats.org/presentationml/2006/main">
+  <p:cSld>
+    <p:spTree>
+      <p:nvGrpSpPr>
+        <p:cNvPr id="1" name=""/>
+        <p:cNvGrpSpPr/>
+        <p:nvPr/>
+      </p:nvGrpSpPr>
+      <p:grpSpPr/>
+      <p:sp>
+        <p:nvSpPr>
+          <p:cNvPr id="2" name="标题 1"/>
+          <p:cNvSpPr>
+            <a:spLocks noGrp="1"/>
+          </p:cNvSpPr>
+          <p:nvPr>
+            <p:ph type="title"/>
+          </p:nvPr>
+        </p:nvSpPr>
+        <p:spPr/>
+        <p:txBody>
+          <a:bodyPr/>
+          <a:p>
+            <a:r>
+              <a:rPr lang="zh-CN" altLang="en-US"/>
+              <a:t>我的故事</a:t>
+            </a:r>
+            <a:endParaRPr lang="zh-CN" altLang="en-US"/>
+          </a:p>
+        </p:txBody>
+      </p:sp>
+      <p:sp>
+        <p:nvSpPr>
+          <p:cNvPr id="3" name="内容占位符 2"/>
+          <p:cNvSpPr>
+            <a:spLocks noGrp="1"/>
+          </p:cNvSpPr>
+          <p:nvPr>
+            <p:ph idx="1"/>
+          </p:nvPr>
+        </p:nvSpPr>
+        <p:spPr/>
+        <p:txBody>
+          <a:bodyPr/>
+          <a:p>
+            <a:r>
+              <a:rPr lang="zh-CN" altLang="en-US"/>
+              <a:t>在刚开始学习程序的时候，我并不觉得多写一行代码，多引一个文件会是什么问题。在我当时的要求里面，学会能用就行。并没有考虑到带来的复杂后果。</a:t>
+            </a:r>
+            <a:endParaRPr lang="zh-CN" altLang="en-US"/>
+          </a:p>
+          <a:p>
+            <a:endParaRPr lang="zh-CN" altLang="en-US"/>
+          </a:p>
+          <a:p>
+            <a:r>
+              <a:rPr lang="zh-CN" altLang="en-US"/>
+              <a:t>然而。。。</a:t>
+            </a:r>
+            <a:endParaRPr lang="zh-CN" altLang="en-US"/>
+          </a:p>
+        </p:txBody>
+      </p:sp>
+    </p:spTree>
+  </p:cSld>
+  <p:clrMapOvr>
+    <a:masterClrMapping/>
+  </p:clrMapOvr>
+</p:sld>
+</file>
+
+<file path=ppt/slides/slide12.xml><?xml version="1.0" encoding="utf-8"?>
 <p:sld xmlns:a="http://schemas.openxmlformats.org/drawingml/2006/main" xmlns:r="http://schemas.openxmlformats.org/officeDocument/2006/relationships" xmlns:p="http://schemas.openxmlformats.org/presentationml/2006/main">
   <p:cSld>
     <p:spTree>
@@ -3528,7 +3600,7 @@
 </p:sld>
 </file>
 
-<file path=ppt/slides/slide12.xml><?xml version="1.0" encoding="utf-8"?>
+<file path=ppt/slides/slide13.xml><?xml version="1.0" encoding="utf-8"?>
 <p:sld xmlns:a="http://schemas.openxmlformats.org/drawingml/2006/main" xmlns:r="http://schemas.openxmlformats.org/officeDocument/2006/relationships" xmlns:p="http://schemas.openxmlformats.org/presentationml/2006/main">
   <p:cSld>
     <p:spTree>
@@ -3617,7 +3689,7 @@
 </p:sld>
 </file>
 
-<file path=ppt/slides/slide13.xml><?xml version="1.0" encoding="utf-8"?>
+<file path=ppt/slides/slide14.xml><?xml version="1.0" encoding="utf-8"?>
 <p:sld xmlns:a="http://schemas.openxmlformats.org/drawingml/2006/main" xmlns:r="http://schemas.openxmlformats.org/officeDocument/2006/relationships" xmlns:p="http://schemas.openxmlformats.org/presentationml/2006/main">
   <p:cSld>
     <p:spTree>
@@ -3804,150 +3876,6 @@
 </p:sld>
 </file>
 
-<file path=ppt/slides/slide14.xml><?xml version="1.0" encoding="utf-8"?>
-<p:sld xmlns:a="http://schemas.openxmlformats.org/drawingml/2006/main" xmlns:r="http://schemas.openxmlformats.org/officeDocument/2006/relationships" xmlns:p="http://schemas.openxmlformats.org/presentationml/2006/main">
-  <p:cSld>
-    <p:spTree>
-      <p:nvGrpSpPr>
-        <p:cNvPr id="1" name=""/>
-        <p:cNvGrpSpPr/>
-        <p:nvPr/>
-      </p:nvGrpSpPr>
-      <p:grpSpPr/>
-      <p:sp>
-        <p:nvSpPr>
-          <p:cNvPr id="2" name="标题 1"/>
-          <p:cNvSpPr>
-            <a:spLocks noGrp="1"/>
-          </p:cNvSpPr>
-          <p:nvPr>
-            <p:ph type="title"/>
-          </p:nvPr>
-        </p:nvSpPr>
-        <p:spPr/>
-        <p:txBody>
-          <a:bodyPr/>
-          <a:p>
-            <a:endParaRPr lang="zh-CN" altLang="en-US"/>
-          </a:p>
-        </p:txBody>
-      </p:sp>
-      <p:sp>
-        <p:nvSpPr>
-          <p:cNvPr id="3" name="内容占位符 2"/>
-          <p:cNvSpPr>
-            <a:spLocks noGrp="1"/>
-          </p:cNvSpPr>
-          <p:nvPr>
-            <p:ph idx="1"/>
-          </p:nvPr>
-        </p:nvSpPr>
-        <p:spPr/>
-        <p:txBody>
-          <a:bodyPr/>
-          <a:p>
-            <a:r>
-              <a:rPr lang="zh-CN" altLang="en-US"/>
-              <a:t>刚才已经从模块化思维，阐述了我们从代码优化角度，用构建工具的好处。</a:t>
-            </a:r>
-            <a:endParaRPr lang="zh-CN" altLang="en-US"/>
-          </a:p>
-          <a:p>
-            <a:endParaRPr lang="zh-CN" altLang="en-US"/>
-          </a:p>
-          <a:p>
-            <a:r>
-              <a:rPr lang="zh-CN" altLang="en-US"/>
-              <a:t>其他原因：</a:t>
-            </a:r>
-            <a:endParaRPr lang="zh-CN" altLang="en-US"/>
-          </a:p>
-          <a:p>
-            <a:pPr lvl="1"/>
-            <a:r>
-              <a:rPr lang="zh-CN" altLang="en-US"/>
-              <a:t>新框架： </a:t>
-            </a:r>
-            <a:r>
-              <a:rPr lang="en-US" altLang="zh-CN"/>
-              <a:t>Vue</a:t>
-            </a:r>
-            <a:r>
-              <a:rPr lang="zh-CN" altLang="en-US"/>
-              <a:t>；</a:t>
-            </a:r>
-            <a:r>
-              <a:rPr lang="en-US" altLang="zh-CN"/>
-              <a:t>React</a:t>
-            </a:r>
-            <a:r>
-              <a:rPr lang="zh-CN" altLang="en-US"/>
-              <a:t>；</a:t>
-            </a:r>
-            <a:r>
-              <a:rPr lang="en-US" altLang="zh-CN"/>
-              <a:t>Angular</a:t>
-            </a:r>
-            <a:r>
-              <a:rPr lang="zh-CN" altLang="en-US"/>
-              <a:t>；</a:t>
-            </a:r>
-            <a:endParaRPr lang="zh-CN" altLang="en-US"/>
-          </a:p>
-          <a:p>
-            <a:pPr lvl="1"/>
-            <a:r>
-              <a:rPr lang="zh-CN" altLang="en-US"/>
-              <a:t>新语言：</a:t>
-            </a:r>
-            <a:r>
-              <a:rPr lang="en-US" altLang="zh-CN"/>
-              <a:t>ES6</a:t>
-            </a:r>
-            <a:r>
-              <a:rPr lang="zh-CN" altLang="en-US"/>
-              <a:t>；</a:t>
-            </a:r>
-            <a:r>
-              <a:rPr lang="en-US" altLang="zh-CN"/>
-              <a:t>Typescript</a:t>
-            </a:r>
-            <a:r>
-              <a:rPr lang="zh-CN" altLang="en-US"/>
-              <a:t>；</a:t>
-            </a:r>
-            <a:r>
-              <a:rPr lang="en-US" altLang="zh-CN"/>
-              <a:t>Flow</a:t>
-            </a:r>
-            <a:r>
-              <a:rPr lang="zh-CN" altLang="en-US"/>
-              <a:t>；</a:t>
-            </a:r>
-            <a:r>
-              <a:rPr lang="en-US" altLang="zh-CN"/>
-              <a:t>SCSS/LESS;</a:t>
-            </a:r>
-            <a:r>
-              <a:rPr lang="zh-CN" altLang="en-US"/>
-              <a:t>等等；</a:t>
-            </a:r>
-            <a:endParaRPr lang="zh-CN" altLang="en-US"/>
-          </a:p>
-          <a:p>
-            <a:pPr lvl="1"/>
-            <a:endParaRPr lang="zh-CN" altLang="en-US"/>
-          </a:p>
-        </p:txBody>
-      </p:sp>
-    </p:spTree>
-  </p:cSld>
-  <p:clrMapOvr>
-    <a:masterClrMapping/>
-  </p:clrMapOvr>
-</p:sld>
-</file>
-
 <file path=ppt/slides/slide15.xml><?xml version="1.0" encoding="utf-8"?>
 <p:sld xmlns:a="http://schemas.openxmlformats.org/drawingml/2006/main" xmlns:r="http://schemas.openxmlformats.org/officeDocument/2006/relationships" xmlns:p="http://schemas.openxmlformats.org/presentationml/2006/main">
   <p:cSld>
@@ -3990,64 +3918,103 @@
         <p:txBody>
           <a:bodyPr/>
           <a:p>
-            <a:pPr marL="457200" lvl="1" indent="0">
-              <a:buNone/>
-            </a:pPr>
-            <a:r>
-              <a:rPr lang="zh-CN" altLang="en-US"/>
-              <a:t>在我初识</a:t>
+            <a:r>
+              <a:rPr lang="zh-CN" altLang="en-US"/>
+              <a:t>刚才已经从模块化思维，阐述了我们从代码优化角度，用构建工具的好处。</a:t>
+            </a:r>
+            <a:endParaRPr lang="zh-CN" altLang="en-US"/>
+          </a:p>
+          <a:p>
+            <a:endParaRPr lang="zh-CN" altLang="en-US"/>
+          </a:p>
+          <a:p>
+            <a:r>
+              <a:rPr lang="zh-CN" altLang="en-US"/>
+              <a:t>其他原因：</a:t>
+            </a:r>
+            <a:endParaRPr lang="zh-CN" altLang="en-US"/>
+          </a:p>
+          <a:p>
+            <a:pPr lvl="1"/>
+            <a:r>
+              <a:rPr lang="zh-CN" altLang="en-US"/>
+              <a:t>新框架： </a:t>
             </a:r>
             <a:r>
               <a:rPr lang="en-US" altLang="zh-CN"/>
-              <a:t>web</a:t>
-            </a:r>
-            <a:r>
-              <a:rPr lang="zh-CN" altLang="en-US"/>
-              <a:t>前端的时候，听到过几个前端构建工具。如</a:t>
+              <a:t>Vue</a:t>
+            </a:r>
+            <a:r>
+              <a:rPr lang="zh-CN" altLang="en-US"/>
+              <a:t>；</a:t>
             </a:r>
             <a:r>
               <a:rPr lang="en-US" altLang="zh-CN"/>
-              <a:t>grunt</a:t>
-            </a:r>
-            <a:r>
-              <a:rPr lang="zh-CN" altLang="en-US"/>
-              <a:t>，</a:t>
+              <a:t>React</a:t>
+            </a:r>
+            <a:r>
+              <a:rPr lang="zh-CN" altLang="en-US"/>
+              <a:t>；</a:t>
             </a:r>
             <a:r>
               <a:rPr lang="en-US" altLang="zh-CN"/>
-              <a:t>glup</a:t>
-            </a:r>
-            <a:r>
-              <a:rPr lang="zh-CN" altLang="en-US"/>
-              <a:t>，</a:t>
+              <a:t>Angular</a:t>
+            </a:r>
+            <a:r>
+              <a:rPr lang="zh-CN" altLang="en-US"/>
+              <a:t>；</a:t>
+            </a:r>
+            <a:endParaRPr lang="zh-CN" altLang="en-US"/>
+          </a:p>
+          <a:p>
+            <a:pPr lvl="1"/>
+            <a:r>
+              <a:rPr lang="zh-CN" altLang="en-US"/>
+              <a:t>新语言：</a:t>
             </a:r>
             <a:r>
               <a:rPr lang="en-US" altLang="zh-CN"/>
-              <a:t>webpack</a:t>
-            </a:r>
-            <a:r>
-              <a:rPr lang="zh-CN" altLang="en-US"/>
-              <a:t>。我当时连为什么要用这些工具都不知道！更不知道到底要选哪一个！于是都学习了下，都是一知半解，最终都忘掉。</a:t>
-            </a:r>
-            <a:endParaRPr lang="zh-CN" altLang="en-US"/>
-          </a:p>
-          <a:p>
-            <a:pPr marL="457200" lvl="1" indent="0">
-              <a:buNone/>
-            </a:pPr>
-            <a:endParaRPr lang="zh-CN" altLang="en-US"/>
-          </a:p>
-          <a:p>
-            <a:pPr marL="457200" lvl="1" indent="0">
-              <a:buNone/>
-            </a:pPr>
-            <a:r>
-              <a:rPr lang="zh-CN" altLang="en-US"/>
-              <a:t>所以，我们这里先对其他构建工具了解下，列举出各个工具的优缺点。这样可以让我们更好的去理解</a:t>
+              <a:t>ES6</a:t>
+            </a:r>
+            <a:r>
+              <a:rPr lang="zh-CN" altLang="en-US"/>
+              <a:t>；</a:t>
             </a:r>
             <a:r>
               <a:rPr lang="en-US" altLang="zh-CN"/>
-              <a:t>webpack</a:t>
+              <a:t>Typescript</a:t>
+            </a:r>
+            <a:r>
+              <a:rPr lang="zh-CN" altLang="en-US"/>
+              <a:t>；</a:t>
+            </a:r>
+            <a:r>
+              <a:rPr lang="en-US" altLang="zh-CN"/>
+              <a:t>Flow</a:t>
+            </a:r>
+            <a:r>
+              <a:rPr lang="zh-CN" altLang="en-US"/>
+              <a:t>；</a:t>
+            </a:r>
+            <a:r>
+              <a:rPr lang="en-US" altLang="zh-CN"/>
+              <a:t>SCSS/LESS;</a:t>
+            </a:r>
+            <a:r>
+              <a:rPr lang="zh-CN" altLang="en-US"/>
+              <a:t>等等；</a:t>
+            </a:r>
+            <a:endParaRPr lang="zh-CN" altLang="en-US"/>
+          </a:p>
+          <a:p>
+            <a:pPr lvl="1"/>
+            <a:r>
+              <a:rPr lang="zh-CN" altLang="en-US"/>
+              <a:t>性能优化：缓存，多线程，</a:t>
+            </a:r>
+            <a:r>
+              <a:rPr lang="en-US" altLang="zh-CN"/>
+              <a:t>tree-shaking;</a:t>
             </a:r>
             <a:endParaRPr lang="en-US" altLang="zh-CN"/>
           </a:p>
@@ -4083,17 +4050,9 @@
         </p:nvSpPr>
         <p:spPr/>
         <p:txBody>
-          <a:bodyPr>
-            <a:normAutofit/>
-          </a:bodyPr>
-          <a:p>
-            <a:r>
-              <a:rPr lang="zh-CN" altLang="en-US">
-                <a:sym typeface="+mn-ea"/>
-              </a:rPr>
-              <a:t>听过的构建工具</a:t>
-            </a:r>
-            <a:endParaRPr lang="en-US" altLang="zh-CN"/>
+          <a:bodyPr/>
+          <a:p>
+            <a:endParaRPr lang="zh-CN" altLang="en-US"/>
           </a:p>
         </p:txBody>
       </p:sp>
@@ -4109,93 +4068,67 @@
         </p:nvSpPr>
         <p:spPr/>
         <p:txBody>
-          <a:bodyPr>
-            <a:normAutofit lnSpcReduction="10000"/>
-          </a:bodyPr>
-          <a:p>
-            <a:pPr marL="514350" indent="-514350">
-              <a:buAutoNum type="arabicPeriod"/>
+          <a:bodyPr/>
+          <a:p>
+            <a:pPr marL="457200" lvl="1" indent="0">
+              <a:buNone/>
             </a:pPr>
             <a:r>
+              <a:rPr lang="zh-CN" altLang="en-US"/>
+              <a:t>在我初识</a:t>
+            </a:r>
+            <a:r>
               <a:rPr lang="en-US" altLang="zh-CN"/>
-              <a:t>Grunt</a:t>
-            </a:r>
-            <a:endParaRPr lang="en-US" altLang="zh-CN"/>
-          </a:p>
-          <a:p>
-            <a:pPr marL="514350" indent="-514350">
-              <a:buAutoNum type="arabicPeriod"/>
+              <a:t>web</a:t>
+            </a:r>
+            <a:r>
+              <a:rPr lang="zh-CN" altLang="en-US"/>
+              <a:t>前端的时候，听到过几个前端构建工具。如</a:t>
+            </a:r>
+            <a:r>
+              <a:rPr lang="en-US" altLang="zh-CN"/>
+              <a:t>grunt</a:t>
+            </a:r>
+            <a:r>
+              <a:rPr lang="zh-CN" altLang="en-US"/>
+              <a:t>，</a:t>
+            </a:r>
+            <a:r>
+              <a:rPr lang="en-US" altLang="zh-CN"/>
+              <a:t>glup</a:t>
+            </a:r>
+            <a:r>
+              <a:rPr lang="zh-CN" altLang="en-US"/>
+              <a:t>，</a:t>
+            </a:r>
+            <a:r>
+              <a:rPr lang="en-US" altLang="zh-CN"/>
+              <a:t>webpack</a:t>
+            </a:r>
+            <a:r>
+              <a:rPr lang="zh-CN" altLang="en-US"/>
+              <a:t>。我当时连为什么要用这些工具都不知道！更不知道到底要选哪一个！于是都学习了下，都是一知半解，最终都忘掉。</a:t>
+            </a:r>
+            <a:endParaRPr lang="zh-CN" altLang="en-US"/>
+          </a:p>
+          <a:p>
+            <a:pPr marL="457200" lvl="1" indent="0">
+              <a:buNone/>
             </a:pPr>
+            <a:endParaRPr lang="zh-CN" altLang="en-US"/>
+          </a:p>
+          <a:p>
+            <a:pPr marL="457200" lvl="1" indent="0">
+              <a:buNone/>
+            </a:pPr>
+            <a:r>
+              <a:rPr lang="zh-CN" altLang="en-US"/>
+              <a:t>所以，我们这里先对其他构建工具了解下，列举出各个工具的优缺点。这样可以让我们更好的去理解</a:t>
+            </a:r>
             <a:r>
               <a:rPr lang="en-US" altLang="zh-CN"/>
-              <a:t>Gulp</a:t>
-            </a:r>
-            <a:endParaRPr lang="en-US" altLang="zh-CN"/>
-          </a:p>
-          <a:p>
-            <a:pPr marL="514350" indent="-514350">
-              <a:buAutoNum type="arabicPeriod"/>
-            </a:pPr>
-            <a:r>
-              <a:rPr lang="en-US" altLang="zh-CN"/>
-              <a:t>browserify</a:t>
-            </a:r>
-            <a:endParaRPr lang="en-US" altLang="zh-CN"/>
-          </a:p>
-          <a:p>
-            <a:pPr marL="514350" indent="-514350">
-              <a:buAutoNum type="arabicPeriod"/>
-            </a:pPr>
-            <a:r>
-              <a:rPr lang="en-US" altLang="zh-CN"/>
-              <a:t>Parcel</a:t>
-            </a:r>
-            <a:endParaRPr lang="en-US" altLang="zh-CN"/>
-          </a:p>
-          <a:p>
-            <a:pPr marL="514350" indent="-514350">
-              <a:buAutoNum type="arabicPeriod"/>
-            </a:pPr>
-            <a:r>
-              <a:rPr lang="en-US" altLang="zh-CN"/>
-              <a:t>Fis3</a:t>
-            </a:r>
-            <a:endParaRPr lang="en-US" altLang="zh-CN"/>
-          </a:p>
-          <a:p>
-            <a:pPr marL="514350" indent="-514350">
-              <a:buAutoNum type="arabicPeriod"/>
-            </a:pPr>
-            <a:r>
-              <a:rPr lang="en-US" altLang="zh-CN"/>
-              <a:t>yeoman</a:t>
-            </a:r>
-            <a:endParaRPr lang="en-US" altLang="zh-CN"/>
-          </a:p>
-          <a:p>
-            <a:pPr marL="514350" indent="-514350">
-              <a:buAutoNum type="arabicPeriod"/>
-            </a:pPr>
-            <a:r>
-              <a:rPr lang="en-US" altLang="zh-CN">
-                <a:sym typeface="+mn-ea"/>
-              </a:rPr>
-              <a:t>Rollup</a:t>
-            </a:r>
-            <a:endParaRPr lang="en-US" altLang="zh-CN"/>
-          </a:p>
-          <a:p>
-            <a:pPr marL="514350" indent="-514350">
-              <a:buAutoNum type="arabicPeriod"/>
-            </a:pPr>
-            <a:r>
-              <a:rPr lang="en-US" altLang="zh-CN"/>
-              <a:t>Webpack</a:t>
-            </a:r>
-            <a:endParaRPr lang="en-US" altLang="zh-CN"/>
-          </a:p>
-          <a:p>
-            <a:pPr marL="514350" indent="-514350"/>
+              <a:t>webpack</a:t>
+            </a:r>
             <a:endParaRPr lang="en-US" altLang="zh-CN"/>
           </a:p>
         </p:txBody>
@@ -4209,6 +4142,305 @@
 </file>
 
 <file path=ppt/slides/slide17.xml><?xml version="1.0" encoding="utf-8"?>
+<p:sld xmlns:a="http://schemas.openxmlformats.org/drawingml/2006/main" xmlns:r="http://schemas.openxmlformats.org/officeDocument/2006/relationships" xmlns:p="http://schemas.openxmlformats.org/presentationml/2006/main">
+  <p:cSld>
+    <p:spTree>
+      <p:nvGrpSpPr>
+        <p:cNvPr id="1" name=""/>
+        <p:cNvGrpSpPr/>
+        <p:nvPr/>
+      </p:nvGrpSpPr>
+      <p:grpSpPr/>
+      <p:sp>
+        <p:nvSpPr>
+          <p:cNvPr id="2" name="标题 1"/>
+          <p:cNvSpPr>
+            <a:spLocks noGrp="1"/>
+          </p:cNvSpPr>
+          <p:nvPr>
+            <p:ph type="title"/>
+          </p:nvPr>
+        </p:nvSpPr>
+        <p:spPr/>
+        <p:txBody>
+          <a:bodyPr>
+            <a:normAutofit/>
+          </a:bodyPr>
+          <a:p>
+            <a:r>
+              <a:rPr lang="zh-CN" altLang="en-US">
+                <a:sym typeface="+mn-ea"/>
+              </a:rPr>
+              <a:t>听过的构建工具</a:t>
+            </a:r>
+            <a:endParaRPr lang="en-US" altLang="zh-CN"/>
+          </a:p>
+        </p:txBody>
+      </p:sp>
+      <p:sp>
+        <p:nvSpPr>
+          <p:cNvPr id="3" name="内容占位符 2"/>
+          <p:cNvSpPr>
+            <a:spLocks noGrp="1"/>
+          </p:cNvSpPr>
+          <p:nvPr>
+            <p:ph idx="1"/>
+          </p:nvPr>
+        </p:nvSpPr>
+        <p:spPr/>
+        <p:txBody>
+          <a:bodyPr>
+            <a:normAutofit lnSpcReduction="10000"/>
+          </a:bodyPr>
+          <a:p>
+            <a:pPr marL="514350" indent="-514350">
+              <a:buAutoNum type="arabicPeriod"/>
+            </a:pPr>
+            <a:r>
+              <a:rPr lang="en-US" altLang="zh-CN">
+                <a:solidFill>
+                  <a:schemeClr val="accent6"/>
+                </a:solidFill>
+              </a:rPr>
+              <a:t>Grunt</a:t>
+            </a:r>
+            <a:r>
+              <a:rPr lang="zh-CN" altLang="en-US">
+                <a:solidFill>
+                  <a:schemeClr val="accent6"/>
+                </a:solidFill>
+              </a:rPr>
+              <a:t>（见的比较多）</a:t>
+            </a:r>
+            <a:endParaRPr lang="en-US" altLang="zh-CN">
+              <a:solidFill>
+                <a:schemeClr val="accent6"/>
+              </a:solidFill>
+            </a:endParaRPr>
+          </a:p>
+          <a:p>
+            <a:pPr marL="514350" indent="-514350">
+              <a:buAutoNum type="arabicPeriod"/>
+            </a:pPr>
+            <a:r>
+              <a:rPr lang="en-US" altLang="zh-CN">
+                <a:solidFill>
+                  <a:schemeClr val="accent6"/>
+                </a:solidFill>
+              </a:rPr>
+              <a:t>Gulp</a:t>
+            </a:r>
+            <a:r>
+              <a:rPr lang="zh-CN" altLang="en-US">
+                <a:solidFill>
+                  <a:schemeClr val="accent6"/>
+                </a:solidFill>
+                <a:sym typeface="+mn-ea"/>
+              </a:rPr>
+              <a:t>（见的比较多）</a:t>
+            </a:r>
+            <a:endParaRPr lang="en-US" altLang="zh-CN">
+              <a:solidFill>
+                <a:schemeClr val="accent6"/>
+              </a:solidFill>
+            </a:endParaRPr>
+          </a:p>
+          <a:p>
+            <a:pPr marL="514350" indent="-514350">
+              <a:buAutoNum type="arabicPeriod"/>
+            </a:pPr>
+            <a:r>
+              <a:rPr lang="en-US" altLang="zh-CN">
+                <a:solidFill>
+                  <a:srgbClr val="FFC000"/>
+                </a:solidFill>
+              </a:rPr>
+              <a:t>browserify</a:t>
+            </a:r>
+            <a:r>
+              <a:rPr lang="zh-CN" altLang="en-US">
+                <a:solidFill>
+                  <a:srgbClr val="FFC000"/>
+                </a:solidFill>
+                <a:sym typeface="+mn-ea"/>
+              </a:rPr>
+              <a:t>（见的比较少）</a:t>
+            </a:r>
+            <a:endParaRPr lang="en-US" altLang="zh-CN">
+              <a:solidFill>
+                <a:srgbClr val="FFC000"/>
+              </a:solidFill>
+            </a:endParaRPr>
+          </a:p>
+          <a:p>
+            <a:pPr marL="514350" indent="-514350">
+              <a:buAutoNum type="arabicPeriod"/>
+            </a:pPr>
+            <a:r>
+              <a:rPr lang="en-US" altLang="zh-CN">
+                <a:solidFill>
+                  <a:schemeClr val="bg1">
+                    <a:lumMod val="50000"/>
+                  </a:schemeClr>
+                </a:solidFill>
+              </a:rPr>
+              <a:t>Parcel</a:t>
+            </a:r>
+            <a:r>
+              <a:rPr lang="zh-CN" altLang="en-US">
+                <a:solidFill>
+                  <a:schemeClr val="bg1">
+                    <a:lumMod val="50000"/>
+                  </a:schemeClr>
+                </a:solidFill>
+              </a:rPr>
+              <a:t>（完全没听过）</a:t>
+            </a:r>
+            <a:endParaRPr lang="en-US" altLang="zh-CN">
+              <a:solidFill>
+                <a:schemeClr val="bg1">
+                  <a:lumMod val="50000"/>
+                </a:schemeClr>
+              </a:solidFill>
+            </a:endParaRPr>
+          </a:p>
+          <a:p>
+            <a:pPr marL="514350" indent="-514350">
+              <a:buAutoNum type="arabicPeriod"/>
+            </a:pPr>
+            <a:r>
+              <a:rPr lang="en-US" altLang="zh-CN">
+                <a:solidFill>
+                  <a:schemeClr val="bg1">
+                    <a:lumMod val="50000"/>
+                  </a:schemeClr>
+                </a:solidFill>
+              </a:rPr>
+              <a:t>Fis3</a:t>
+            </a:r>
+            <a:r>
+              <a:rPr lang="zh-CN" altLang="en-US">
+                <a:solidFill>
+                  <a:schemeClr val="bg1">
+                    <a:lumMod val="50000"/>
+                  </a:schemeClr>
+                </a:solidFill>
+                <a:sym typeface="+mn-ea"/>
+              </a:rPr>
+              <a:t>（完全没听过）</a:t>
+            </a:r>
+            <a:endParaRPr lang="en-US" altLang="zh-CN">
+              <a:solidFill>
+                <a:schemeClr val="bg1">
+                  <a:lumMod val="50000"/>
+                </a:schemeClr>
+              </a:solidFill>
+            </a:endParaRPr>
+          </a:p>
+          <a:p>
+            <a:pPr marL="514350" indent="-514350">
+              <a:buAutoNum type="arabicPeriod"/>
+            </a:pPr>
+            <a:r>
+              <a:rPr lang="en-US" altLang="zh-CN">
+                <a:solidFill>
+                  <a:schemeClr val="bg1">
+                    <a:lumMod val="50000"/>
+                  </a:schemeClr>
+                </a:solidFill>
+              </a:rPr>
+              <a:t>yeoman</a:t>
+            </a:r>
+            <a:r>
+              <a:rPr lang="zh-CN" altLang="en-US">
+                <a:solidFill>
+                  <a:schemeClr val="bg1">
+                    <a:lumMod val="50000"/>
+                  </a:schemeClr>
+                </a:solidFill>
+                <a:sym typeface="+mn-ea"/>
+              </a:rPr>
+              <a:t>（完全没听过）</a:t>
+            </a:r>
+            <a:endParaRPr lang="en-US" altLang="zh-CN">
+              <a:solidFill>
+                <a:schemeClr val="bg1">
+                  <a:lumMod val="50000"/>
+                </a:schemeClr>
+              </a:solidFill>
+            </a:endParaRPr>
+          </a:p>
+          <a:p>
+            <a:pPr marL="514350" indent="-514350">
+              <a:buAutoNum type="arabicPeriod"/>
+            </a:pPr>
+            <a:r>
+              <a:rPr lang="en-US" altLang="zh-CN">
+                <a:solidFill>
+                  <a:schemeClr val="bg1">
+                    <a:lumMod val="50000"/>
+                  </a:schemeClr>
+                </a:solidFill>
+                <a:sym typeface="+mn-ea"/>
+              </a:rPr>
+              <a:t>Rollup</a:t>
+            </a:r>
+            <a:r>
+              <a:rPr lang="zh-CN" altLang="en-US">
+                <a:solidFill>
+                  <a:schemeClr val="bg1">
+                    <a:lumMod val="50000"/>
+                  </a:schemeClr>
+                </a:solidFill>
+                <a:sym typeface="+mn-ea"/>
+              </a:rPr>
+              <a:t>（完全没听过）</a:t>
+            </a:r>
+            <a:endParaRPr lang="en-US" altLang="zh-CN">
+              <a:solidFill>
+                <a:schemeClr val="bg1">
+                  <a:lumMod val="50000"/>
+                </a:schemeClr>
+              </a:solidFill>
+            </a:endParaRPr>
+          </a:p>
+          <a:p>
+            <a:pPr marL="514350" indent="-514350">
+              <a:buAutoNum type="arabicPeriod"/>
+            </a:pPr>
+            <a:r>
+              <a:rPr lang="en-US" altLang="zh-CN">
+                <a:solidFill>
+                  <a:srgbClr val="FF0000"/>
+                </a:solidFill>
+              </a:rPr>
+              <a:t>Webpack</a:t>
+            </a:r>
+            <a:endParaRPr lang="en-US" altLang="zh-CN">
+              <a:solidFill>
+                <a:srgbClr val="FF0000"/>
+              </a:solidFill>
+            </a:endParaRPr>
+          </a:p>
+          <a:p>
+            <a:pPr marL="514350" indent="-514350"/>
+            <a:endParaRPr lang="en-US" altLang="zh-CN">
+              <a:solidFill>
+                <a:srgbClr val="FF0000"/>
+              </a:solidFill>
+            </a:endParaRPr>
+          </a:p>
+        </p:txBody>
+      </p:sp>
+    </p:spTree>
+  </p:cSld>
+  <p:clrMapOvr>
+    <a:masterClrMapping/>
+  </p:clrMapOvr>
+</p:sld>
+</file>
+
+<file path=ppt/slides/slide18.xml><?xml version="1.0" encoding="utf-8"?>
 <p:sld xmlns:a="http://schemas.openxmlformats.org/drawingml/2006/main" xmlns:r="http://schemas.openxmlformats.org/officeDocument/2006/relationships" xmlns:p="http://schemas.openxmlformats.org/presentationml/2006/main">
   <p:cSld>
     <p:spTree>
@@ -4292,7 +4524,7 @@
 </p:sld>
 </file>
 
-<file path=ppt/slides/slide18.xml><?xml version="1.0" encoding="utf-8"?>
+<file path=ppt/slides/slide19.xml><?xml version="1.0" encoding="utf-8"?>
 <p:sld xmlns:a="http://schemas.openxmlformats.org/drawingml/2006/main" xmlns:r="http://schemas.openxmlformats.org/officeDocument/2006/relationships" xmlns:p="http://schemas.openxmlformats.org/presentationml/2006/main">
   <p:cSld>
     <p:spTree>
@@ -4415,7 +4647,215 @@
 </p:sld>
 </file>
 
-<file path=ppt/slides/slide19.xml><?xml version="1.0" encoding="utf-8"?>
+<file path=ppt/slides/slide2.xml><?xml version="1.0" encoding="utf-8"?>
+<p:sld xmlns:a="http://schemas.openxmlformats.org/drawingml/2006/main" xmlns:r="http://schemas.openxmlformats.org/officeDocument/2006/relationships" xmlns:p="http://schemas.openxmlformats.org/presentationml/2006/main">
+  <p:cSld>
+    <p:spTree>
+      <p:nvGrpSpPr>
+        <p:cNvPr id="1" name=""/>
+        <p:cNvGrpSpPr/>
+        <p:nvPr/>
+      </p:nvGrpSpPr>
+      <p:grpSpPr/>
+      <p:sp>
+        <p:nvSpPr>
+          <p:cNvPr id="2" name="标题 1"/>
+          <p:cNvSpPr>
+            <a:spLocks noGrp="1"/>
+          </p:cNvSpPr>
+          <p:nvPr>
+            <p:ph type="title"/>
+          </p:nvPr>
+        </p:nvSpPr>
+        <p:spPr/>
+        <p:txBody>
+          <a:bodyPr/>
+          <a:p>
+            <a:r>
+              <a:rPr lang="zh-CN" altLang="en-US"/>
+              <a:t>引言</a:t>
+            </a:r>
+            <a:endParaRPr lang="zh-CN" altLang="en-US"/>
+          </a:p>
+        </p:txBody>
+      </p:sp>
+      <p:sp>
+        <p:nvSpPr>
+          <p:cNvPr id="3" name="内容占位符 2"/>
+          <p:cNvSpPr>
+            <a:spLocks noGrp="1"/>
+          </p:cNvSpPr>
+          <p:nvPr>
+            <p:ph idx="1"/>
+          </p:nvPr>
+        </p:nvSpPr>
+        <p:spPr/>
+        <p:txBody>
+          <a:bodyPr/>
+          <a:p>
+            <a:r>
+              <a:rPr lang="zh-CN" altLang="en-US"/>
+              <a:t>我这几年反复的学习过很多次</a:t>
+            </a:r>
+            <a:r>
+              <a:rPr lang="en-US" altLang="zh-CN"/>
+              <a:t>webpack</a:t>
+            </a:r>
+            <a:r>
+              <a:rPr lang="zh-CN" altLang="en-US"/>
+              <a:t>。但是都没学透彻。经历和原因如下：</a:t>
+            </a:r>
+            <a:endParaRPr lang="zh-CN" altLang="en-US"/>
+          </a:p>
+          <a:p>
+            <a:pPr marL="514350" indent="-514350">
+              <a:buAutoNum type="arabicPeriod"/>
+            </a:pPr>
+            <a:r>
+              <a:rPr lang="zh-CN" altLang="en-US" sz="2000"/>
+              <a:t>只是偶然的看到别人说到这么个知识点，至于为什么需要，完全不知道，因为当时连</a:t>
+            </a:r>
+            <a:r>
+              <a:rPr lang="en-US" altLang="zh-CN" sz="2000"/>
+              <a:t>css</a:t>
+            </a:r>
+            <a:r>
+              <a:rPr lang="zh-CN" altLang="en-US" sz="2000"/>
+              <a:t>和</a:t>
+            </a:r>
+            <a:r>
+              <a:rPr lang="en-US" altLang="zh-CN" sz="2000"/>
+              <a:t>js</a:t>
+            </a:r>
+            <a:r>
+              <a:rPr lang="zh-CN" altLang="en-US" sz="2000"/>
+              <a:t>的扩展语言</a:t>
+            </a:r>
+            <a:r>
+              <a:rPr lang="en-US" altLang="zh-CN" sz="2000"/>
+              <a:t>less</a:t>
+            </a:r>
+            <a:r>
+              <a:rPr lang="zh-CN" altLang="en-US" sz="2000"/>
+              <a:t>，</a:t>
+            </a:r>
+            <a:r>
+              <a:rPr lang="en-US" altLang="zh-CN" sz="2000"/>
+              <a:t>scss</a:t>
+            </a:r>
+            <a:r>
+              <a:rPr lang="zh-CN" altLang="en-US" sz="2000"/>
+              <a:t>和框架</a:t>
+            </a:r>
+            <a:r>
+              <a:rPr lang="en-US" altLang="zh-CN" sz="2000"/>
+              <a:t>vue</a:t>
+            </a:r>
+            <a:r>
+              <a:rPr lang="zh-CN" altLang="en-US" sz="2000"/>
+              <a:t>，</a:t>
+            </a:r>
+            <a:r>
+              <a:rPr lang="en-US" altLang="zh-CN" sz="2000"/>
+              <a:t>react</a:t>
+            </a:r>
+            <a:r>
+              <a:rPr lang="zh-CN" altLang="en-US" sz="2000"/>
+              <a:t>都不了解，用不到。</a:t>
+            </a:r>
+            <a:endParaRPr lang="zh-CN" altLang="en-US" sz="2000"/>
+          </a:p>
+          <a:p>
+            <a:pPr marL="514350" indent="-514350">
+              <a:buAutoNum type="arabicPeriod"/>
+            </a:pPr>
+            <a:r>
+              <a:rPr lang="zh-CN" altLang="en-US" sz="2000"/>
+              <a:t>不完全了解前端的周边技术和要求。比如</a:t>
+            </a:r>
+            <a:r>
+              <a:rPr lang="en-US" altLang="zh-CN" sz="2000"/>
+              <a:t>es6</a:t>
+            </a:r>
+            <a:r>
+              <a:rPr lang="zh-CN" altLang="en-US" sz="2000"/>
+              <a:t>，浏览器能懂一部分，那么用还是不用？用的话，</a:t>
+            </a:r>
+            <a:r>
+              <a:rPr lang="en-US" altLang="zh-CN" sz="2000"/>
+              <a:t>babel</a:t>
+            </a:r>
+            <a:r>
+              <a:rPr lang="zh-CN" altLang="en-US" sz="2000"/>
+              <a:t>是干什么的？到底用</a:t>
+            </a:r>
+            <a:r>
+              <a:rPr lang="en-US" altLang="zh-CN" sz="2000"/>
+              <a:t>gulp</a:t>
+            </a:r>
+            <a:r>
+              <a:rPr lang="zh-CN" altLang="en-US" sz="2000"/>
+              <a:t>还是</a:t>
+            </a:r>
+            <a:r>
+              <a:rPr lang="en-US" altLang="zh-CN" sz="2000"/>
+              <a:t>grunt</a:t>
+            </a:r>
+            <a:r>
+              <a:rPr lang="zh-CN" altLang="en-US" sz="2000"/>
+              <a:t>？网上都有教程，并且在学习</a:t>
+            </a:r>
+            <a:r>
+              <a:rPr lang="en-US" altLang="zh-CN" sz="2000"/>
+              <a:t>webpack</a:t>
+            </a:r>
+            <a:r>
+              <a:rPr lang="zh-CN" altLang="en-US" sz="2000"/>
+              <a:t>的时候都经常提到，学还是不学？这些英文名称的技术是交集关系还是依赖关系？完全不懂</a:t>
+            </a:r>
+            <a:r>
+              <a:rPr lang="en-US" altLang="zh-CN" sz="2000"/>
+              <a:t>!</a:t>
+            </a:r>
+            <a:endParaRPr lang="zh-CN" altLang="en-US" sz="2000"/>
+          </a:p>
+          <a:p>
+            <a:pPr marL="514350" indent="-514350">
+              <a:buAutoNum type="arabicPeriod"/>
+            </a:pPr>
+            <a:r>
+              <a:rPr lang="zh-CN" altLang="en-US" sz="2000"/>
+              <a:t>再后来，能用</a:t>
+            </a:r>
+            <a:r>
+              <a:rPr lang="en-US" altLang="zh-CN" sz="2000"/>
+              <a:t>vue-cli</a:t>
+            </a:r>
+            <a:r>
+              <a:rPr lang="zh-CN" altLang="en-US" sz="2000"/>
+              <a:t>直接搭建项目了。能直接跑通一个项目了。所以也就没有具体关心</a:t>
+            </a:r>
+            <a:r>
+              <a:rPr lang="en-US" altLang="zh-CN" sz="2000"/>
+              <a:t>webpack</a:t>
+            </a:r>
+            <a:r>
+              <a:rPr lang="zh-CN" altLang="en-US" sz="2000"/>
+              <a:t>及其配置；更别说优化了。</a:t>
+            </a:r>
+            <a:endParaRPr lang="zh-CN" altLang="en-US" sz="2000"/>
+          </a:p>
+        </p:txBody>
+      </p:sp>
+    </p:spTree>
+  </p:cSld>
+  <p:clrMapOvr>
+    <a:masterClrMapping/>
+  </p:clrMapOvr>
+</p:sld>
+</file>
+
+<file path=ppt/slides/slide20.xml><?xml version="1.0" encoding="utf-8"?>
 <p:sld xmlns:a="http://schemas.openxmlformats.org/drawingml/2006/main" xmlns:r="http://schemas.openxmlformats.org/officeDocument/2006/relationships" xmlns:p="http://schemas.openxmlformats.org/presentationml/2006/main">
   <p:cSld>
     <p:spTree>
@@ -4497,7 +4937,7 @@
 </p:sld>
 </file>
 
-<file path=ppt/slides/slide2.xml><?xml version="1.0" encoding="utf-8"?>
+<file path=ppt/slides/slide21.xml><?xml version="1.0" encoding="utf-8"?>
 <p:sld xmlns:a="http://schemas.openxmlformats.org/drawingml/2006/main" xmlns:r="http://schemas.openxmlformats.org/officeDocument/2006/relationships" xmlns:p="http://schemas.openxmlformats.org/presentationml/2006/main">
   <p:cSld>
     <p:spTree>
@@ -4522,10 +4962,10 @@
           <a:bodyPr/>
           <a:p>
             <a:r>
-              <a:rPr lang="zh-CN" altLang="en-US"/>
-              <a:t>大纲</a:t>
-            </a:r>
-            <a:endParaRPr lang="zh-CN" altLang="en-US"/>
+              <a:rPr lang="en-US" altLang="zh-CN"/>
+              <a:t>Gulp</a:t>
+            </a:r>
+            <a:endParaRPr lang="en-US" altLang="zh-CN"/>
           </a:p>
         </p:txBody>
       </p:sp>
@@ -4541,165 +4981,99 @@
         </p:nvSpPr>
         <p:spPr/>
         <p:txBody>
-          <a:bodyPr>
-            <a:normAutofit fontScale="90000" lnSpcReduction="20000"/>
-          </a:bodyPr>
-          <a:p>
-            <a:r>
-              <a:rPr lang="zh-CN" altLang="en-US"/>
-              <a:t>为什么要用</a:t>
-            </a:r>
-            <a:r>
-              <a:rPr lang="zh-CN" altLang="en-US">
+          <a:bodyPr/>
+          <a:p>
+            <a:r>
+              <a:rPr lang="zh-CN" altLang="en-US" sz="2800">
                 <a:sym typeface="+mn-ea"/>
               </a:rPr>
-              <a:t>构建工具</a:t>
-            </a:r>
-            <a:r>
-              <a:rPr lang="zh-CN" altLang="en-US"/>
-              <a:t>？</a:t>
-            </a:r>
-            <a:endParaRPr lang="zh-CN" altLang="en-US"/>
+              <a:t>特点：</a:t>
+            </a:r>
+            <a:endParaRPr lang="zh-CN" altLang="en-US" sz="2800">
+              <a:sym typeface="+mn-ea"/>
+            </a:endParaRPr>
           </a:p>
           <a:p>
             <a:pPr lvl="1"/>
             <a:r>
-              <a:rPr lang="zh-CN" altLang="en-US">
+              <a:rPr lang="zh-CN" altLang="en-US" sz="2400">
                 <a:sym typeface="+mn-ea"/>
               </a:rPr>
-              <a:t>传统的网页结构</a:t>
-            </a:r>
-            <a:endParaRPr lang="en-US" altLang="zh-CN"/>
-          </a:p>
-          <a:p>
-            <a:pPr lvl="1"/>
-            <a:r>
-              <a:rPr lang="zh-CN" altLang="en-US">
+              <a:t>Gulp 的最大特点是引入了</a:t>
+            </a:r>
+            <a:r>
+              <a:rPr lang="zh-CN" altLang="en-US" sz="2400">
+                <a:solidFill>
+                  <a:srgbClr val="FF0000"/>
+                </a:solidFill>
                 <a:sym typeface="+mn-ea"/>
               </a:rPr>
-              <a:t>新技术（模块化</a:t>
-            </a:r>
-            <a:r>
-              <a:rPr lang="en-US" altLang="zh-CN">
+              <a:t>流</a:t>
+            </a:r>
+            <a:r>
+              <a:rPr lang="zh-CN" altLang="en-US" sz="2400">
                 <a:sym typeface="+mn-ea"/>
               </a:rPr>
-              <a:t>+</a:t>
-            </a:r>
-            <a:r>
-              <a:rPr lang="zh-CN" altLang="en-US">
+              <a:t>的概念，同时提供了一系列常用的插件去处理流，流可以在插件之间传递。</a:t>
+            </a:r>
+            <a:endParaRPr lang="zh-CN" altLang="en-US" sz="2400">
+              <a:sym typeface="+mn-ea"/>
+            </a:endParaRPr>
+          </a:p>
+          <a:p>
+            <a:r>
+              <a:rPr lang="zh-CN" altLang="en-US" sz="2800">
                 <a:sym typeface="+mn-ea"/>
               </a:rPr>
-              <a:t>新语言</a:t>
-            </a:r>
-            <a:r>
-              <a:rPr lang="en-US" altLang="zh-CN">
+              <a:t>优点：</a:t>
+            </a:r>
+            <a:endParaRPr lang="zh-CN" altLang="en-US" sz="2800"/>
+          </a:p>
+          <a:p>
+            <a:pPr lvl="1"/>
+            <a:r>
+              <a:rPr lang="zh-CN" altLang="en-US" sz="2800">
                 <a:sym typeface="+mn-ea"/>
               </a:rPr>
-              <a:t>+</a:t>
-            </a:r>
-            <a:r>
-              <a:rPr lang="zh-CN" altLang="en-US">
+              <a:t>好用又不失灵活，既可以单独完成构建也可以和其它工具搭配使用。</a:t>
+            </a:r>
+            <a:endParaRPr lang="zh-CN" altLang="en-US" sz="2800">
+              <a:sym typeface="+mn-ea"/>
+            </a:endParaRPr>
+          </a:p>
+          <a:p>
+            <a:r>
+              <a:rPr lang="zh-CN" altLang="en-US" sz="2800">
                 <a:sym typeface="+mn-ea"/>
               </a:rPr>
-              <a:t>框架）</a:t>
-            </a:r>
-            <a:endParaRPr lang="en-US" altLang="zh-CN"/>
+              <a:t>缺点：</a:t>
+            </a:r>
+            <a:endParaRPr lang="zh-CN" altLang="en-US" sz="2800"/>
           </a:p>
           <a:p>
             <a:pPr lvl="1"/>
-            <a:endParaRPr lang="en-US" altLang="zh-CN"/>
-          </a:p>
-          <a:p>
-            <a:r>
-              <a:rPr lang="zh-CN" altLang="en-US">
+            <a:r>
+              <a:rPr lang="zh-CN" altLang="en-US" sz="2800">
                 <a:sym typeface="+mn-ea"/>
               </a:rPr>
-              <a:t>构建工具</a:t>
-            </a:r>
-            <a:endParaRPr lang="zh-CN" altLang="en-US">
-              <a:sym typeface="+mn-ea"/>
-            </a:endParaRPr>
-          </a:p>
-          <a:p>
-            <a:pPr lvl="1"/>
-            <a:r>
-              <a:rPr lang="zh-CN" altLang="en-US">
+              <a:t>集成度不高，</a:t>
+            </a:r>
+            <a:r>
+              <a:rPr lang="zh-CN" altLang="en-US" sz="2800">
+                <a:solidFill>
+                  <a:srgbClr val="FF0000"/>
+                </a:solidFill>
                 <a:sym typeface="+mn-ea"/>
               </a:rPr>
-              <a:t>有哪些？</a:t>
-            </a:r>
-            <a:endParaRPr lang="zh-CN" altLang="en-US">
-              <a:sym typeface="+mn-ea"/>
+              <a:t>要写很多配置后才可以用，无法做到开箱即用。</a:t>
+            </a:r>
+            <a:endParaRPr lang="zh-CN" altLang="en-US" sz="2800">
+              <a:solidFill>
+                <a:srgbClr val="FF0000"/>
+              </a:solidFill>
             </a:endParaRPr>
           </a:p>
           <a:p>
-            <a:pPr lvl="1"/>
-            <a:r>
-              <a:rPr lang="zh-CN" altLang="en-US">
-                <a:sym typeface="+mn-ea"/>
-              </a:rPr>
-              <a:t>优缺点？</a:t>
-            </a:r>
-            <a:endParaRPr lang="zh-CN" altLang="en-US">
-              <a:sym typeface="+mn-ea"/>
-            </a:endParaRPr>
-          </a:p>
-          <a:p>
-            <a:pPr lvl="1"/>
-            <a:r>
-              <a:rPr lang="zh-CN" altLang="en-US">
-                <a:sym typeface="+mn-ea"/>
-              </a:rPr>
-              <a:t>为什么要用</a:t>
-            </a:r>
-            <a:r>
-              <a:rPr lang="en-US" altLang="zh-CN">
-                <a:sym typeface="+mn-ea"/>
-              </a:rPr>
-              <a:t>webpack</a:t>
-            </a:r>
-            <a:r>
-              <a:rPr lang="zh-CN" altLang="en-US">
-                <a:sym typeface="+mn-ea"/>
-              </a:rPr>
-              <a:t>？</a:t>
-            </a:r>
-            <a:endParaRPr lang="en-US" altLang="zh-CN"/>
-          </a:p>
-          <a:p>
-            <a:endParaRPr lang="en-US" altLang="zh-CN"/>
-          </a:p>
-          <a:p>
-            <a:r>
-              <a:rPr lang="en-US" altLang="zh-CN"/>
-              <a:t>webpack</a:t>
-            </a:r>
-            <a:r>
-              <a:rPr lang="zh-CN" altLang="en-US"/>
-              <a:t>的配置属性（很多很细，用到了去查就行。这里不讲）</a:t>
-            </a:r>
-            <a:endParaRPr lang="zh-CN" altLang="en-US"/>
-          </a:p>
-          <a:p>
-            <a:endParaRPr lang="zh-CN" altLang="en-US"/>
-          </a:p>
-          <a:p>
-            <a:r>
-              <a:rPr lang="zh-CN" altLang="en-US"/>
-              <a:t>联系实际工作（代理服务器，服务器打包（</a:t>
-            </a:r>
-            <a:r>
-              <a:rPr lang="en-US" altLang="zh-CN"/>
-              <a:t>jenkins</a:t>
-            </a:r>
-            <a:r>
-              <a:rPr lang="zh-CN" altLang="en-US"/>
-              <a:t>结合</a:t>
-            </a:r>
-            <a:r>
-              <a:rPr lang="zh-CN" altLang="en-US"/>
-              <a:t>））</a:t>
-            </a:r>
             <a:endParaRPr lang="zh-CN" altLang="en-US"/>
           </a:p>
         </p:txBody>
@@ -4712,156 +5086,7 @@
 </p:sld>
 </file>
 
-<file path=ppt/slides/slide20.xml><?xml version="1.0" encoding="utf-8"?>
-<p:sld xmlns:a="http://schemas.openxmlformats.org/drawingml/2006/main" xmlns:r="http://schemas.openxmlformats.org/officeDocument/2006/relationships" xmlns:p="http://schemas.openxmlformats.org/presentationml/2006/main">
-  <p:cSld>
-    <p:spTree>
-      <p:nvGrpSpPr>
-        <p:cNvPr id="1" name=""/>
-        <p:cNvGrpSpPr/>
-        <p:nvPr/>
-      </p:nvGrpSpPr>
-      <p:grpSpPr/>
-      <p:sp>
-        <p:nvSpPr>
-          <p:cNvPr id="2" name="标题 1"/>
-          <p:cNvSpPr>
-            <a:spLocks noGrp="1"/>
-          </p:cNvSpPr>
-          <p:nvPr>
-            <p:ph type="title"/>
-          </p:nvPr>
-        </p:nvSpPr>
-        <p:spPr/>
-        <p:txBody>
-          <a:bodyPr/>
-          <a:p>
-            <a:r>
-              <a:rPr lang="en-US" altLang="zh-CN"/>
-              <a:t>Gulp</a:t>
-            </a:r>
-            <a:endParaRPr lang="en-US" altLang="zh-CN"/>
-          </a:p>
-        </p:txBody>
-      </p:sp>
-      <p:sp>
-        <p:nvSpPr>
-          <p:cNvPr id="3" name="内容占位符 2"/>
-          <p:cNvSpPr>
-            <a:spLocks noGrp="1"/>
-          </p:cNvSpPr>
-          <p:nvPr>
-            <p:ph idx="1"/>
-          </p:nvPr>
-        </p:nvSpPr>
-        <p:spPr/>
-        <p:txBody>
-          <a:bodyPr/>
-          <a:p>
-            <a:r>
-              <a:rPr lang="zh-CN" altLang="en-US" sz="2800">
-                <a:sym typeface="+mn-ea"/>
-              </a:rPr>
-              <a:t>特点：</a:t>
-            </a:r>
-            <a:endParaRPr lang="zh-CN" altLang="en-US" sz="2800">
-              <a:sym typeface="+mn-ea"/>
-            </a:endParaRPr>
-          </a:p>
-          <a:p>
-            <a:pPr lvl="1"/>
-            <a:r>
-              <a:rPr lang="zh-CN" altLang="en-US" sz="2400">
-                <a:sym typeface="+mn-ea"/>
-              </a:rPr>
-              <a:t>Gulp 的最大特点是引入了</a:t>
-            </a:r>
-            <a:r>
-              <a:rPr lang="zh-CN" altLang="en-US" sz="2400">
-                <a:solidFill>
-                  <a:srgbClr val="FF0000"/>
-                </a:solidFill>
-                <a:sym typeface="+mn-ea"/>
-              </a:rPr>
-              <a:t>流</a:t>
-            </a:r>
-            <a:r>
-              <a:rPr lang="zh-CN" altLang="en-US" sz="2400">
-                <a:sym typeface="+mn-ea"/>
-              </a:rPr>
-              <a:t>的概念，同时提供了一系列常用的插件去处理流，流可以在插件之间传递。</a:t>
-            </a:r>
-            <a:endParaRPr lang="zh-CN" altLang="en-US" sz="2400">
-              <a:sym typeface="+mn-ea"/>
-            </a:endParaRPr>
-          </a:p>
-          <a:p>
-            <a:r>
-              <a:rPr lang="zh-CN" altLang="en-US" sz="2800">
-                <a:sym typeface="+mn-ea"/>
-              </a:rPr>
-              <a:t>优点：</a:t>
-            </a:r>
-            <a:endParaRPr lang="zh-CN" altLang="en-US" sz="2800"/>
-          </a:p>
-          <a:p>
-            <a:pPr lvl="1"/>
-            <a:r>
-              <a:rPr lang="zh-CN" altLang="en-US" sz="2800">
-                <a:sym typeface="+mn-ea"/>
-              </a:rPr>
-              <a:t>好用又不失灵活，既可以单独完成构建也可以和其它工具搭配使用。</a:t>
-            </a:r>
-            <a:endParaRPr lang="zh-CN" altLang="en-US" sz="2800">
-              <a:sym typeface="+mn-ea"/>
-            </a:endParaRPr>
-          </a:p>
-          <a:p>
-            <a:r>
-              <a:rPr lang="zh-CN" altLang="en-US" sz="2800">
-                <a:sym typeface="+mn-ea"/>
-              </a:rPr>
-              <a:t>缺点：</a:t>
-            </a:r>
-            <a:endParaRPr lang="zh-CN" altLang="en-US" sz="2800"/>
-          </a:p>
-          <a:p>
-            <a:pPr lvl="1"/>
-            <a:r>
-              <a:rPr lang="zh-CN" altLang="en-US" sz="2800">
-                <a:sym typeface="+mn-ea"/>
-              </a:rPr>
-              <a:t>集成度不高，</a:t>
-            </a:r>
-            <a:r>
-              <a:rPr lang="zh-CN" altLang="en-US" sz="2800">
-                <a:solidFill>
-                  <a:srgbClr val="FF0000"/>
-                </a:solidFill>
-                <a:sym typeface="+mn-ea"/>
-              </a:rPr>
-              <a:t>要写很多配置后才可以用，无法做到开箱即用。</a:t>
-            </a:r>
-            <a:endParaRPr lang="zh-CN" altLang="en-US" sz="2800">
-              <a:solidFill>
-                <a:srgbClr val="FF0000"/>
-              </a:solidFill>
-            </a:endParaRPr>
-          </a:p>
-          <a:p>
-            <a:endParaRPr lang="zh-CN" altLang="en-US"/>
-          </a:p>
-        </p:txBody>
-      </p:sp>
-    </p:spTree>
-  </p:cSld>
-  <p:clrMapOvr>
-    <a:masterClrMapping/>
-  </p:clrMapOvr>
-</p:sld>
-</file>
-
-<file path=ppt/slides/slide21.xml><?xml version="1.0" encoding="utf-8"?>
+<file path=ppt/slides/slide22.xml><?xml version="1.0" encoding="utf-8"?>
 <p:sld xmlns:a="http://schemas.openxmlformats.org/drawingml/2006/main" xmlns:r="http://schemas.openxmlformats.org/officeDocument/2006/relationships" xmlns:p="http://schemas.openxmlformats.org/presentationml/2006/main">
   <p:cSld>
     <p:spTree>
@@ -4943,7 +5168,7 @@
 </p:sld>
 </file>
 
-<file path=ppt/slides/slide22.xml><?xml version="1.0" encoding="utf-8"?>
+<file path=ppt/slides/slide23.xml><?xml version="1.0" encoding="utf-8"?>
 <p:sld xmlns:a="http://schemas.openxmlformats.org/drawingml/2006/main" xmlns:r="http://schemas.openxmlformats.org/officeDocument/2006/relationships" xmlns:p="http://schemas.openxmlformats.org/presentationml/2006/main">
   <p:cSld>
     <p:spTree>
@@ -5025,7 +5250,7 @@
 </p:sld>
 </file>
 
-<file path=ppt/slides/slide23.xml><?xml version="1.0" encoding="utf-8"?>
+<file path=ppt/slides/slide24.xml><?xml version="1.0" encoding="utf-8"?>
 <p:sld xmlns:a="http://schemas.openxmlformats.org/drawingml/2006/main" xmlns:r="http://schemas.openxmlformats.org/officeDocument/2006/relationships" xmlns:p="http://schemas.openxmlformats.org/presentationml/2006/main">
   <p:cSld>
     <p:spTree>
@@ -5107,7 +5332,7 @@
 </p:sld>
 </file>
 
-<file path=ppt/slides/slide24.xml><?xml version="1.0" encoding="utf-8"?>
+<file path=ppt/slides/slide25.xml><?xml version="1.0" encoding="utf-8"?>
 <p:sld xmlns:a="http://schemas.openxmlformats.org/drawingml/2006/main" xmlns:r="http://schemas.openxmlformats.org/officeDocument/2006/relationships" xmlns:p="http://schemas.openxmlformats.org/presentationml/2006/main">
   <p:cSld>
     <p:spTree>
@@ -5290,7 +5515,7 @@
 </p:sld>
 </file>
 
-<file path=ppt/slides/slide25.xml><?xml version="1.0" encoding="utf-8"?>
+<file path=ppt/slides/slide26.xml><?xml version="1.0" encoding="utf-8"?>
 <p:sld xmlns:a="http://schemas.openxmlformats.org/drawingml/2006/main" xmlns:r="http://schemas.openxmlformats.org/officeDocument/2006/relationships" xmlns:p="http://schemas.openxmlformats.org/presentationml/2006/main">
   <p:cSld>
     <p:spTree>
@@ -5372,7 +5597,7 @@
 </p:sld>
 </file>
 
-<file path=ppt/slides/slide26.xml><?xml version="1.0" encoding="utf-8"?>
+<file path=ppt/slides/slide27.xml><?xml version="1.0" encoding="utf-8"?>
 <p:sld xmlns:a="http://schemas.openxmlformats.org/drawingml/2006/main" xmlns:r="http://schemas.openxmlformats.org/officeDocument/2006/relationships" xmlns:p="http://schemas.openxmlformats.org/presentationml/2006/main">
   <p:cSld>
     <p:spTree>
@@ -5454,7 +5679,7 @@
 </p:sld>
 </file>
 
-<file path=ppt/slides/slide27.xml><?xml version="1.0" encoding="utf-8"?>
+<file path=ppt/slides/slide28.xml><?xml version="1.0" encoding="utf-8"?>
 <p:sld xmlns:a="http://schemas.openxmlformats.org/drawingml/2006/main" xmlns:r="http://schemas.openxmlformats.org/officeDocument/2006/relationships" xmlns:p="http://schemas.openxmlformats.org/presentationml/2006/main">
   <p:cSld>
     <p:spTree>
@@ -5577,7 +5802,7 @@
 </p:sld>
 </file>
 
-<file path=ppt/slides/slide28.xml><?xml version="1.0" encoding="utf-8"?>
+<file path=ppt/slides/slide29.xml><?xml version="1.0" encoding="utf-8"?>
 <p:sld xmlns:a="http://schemas.openxmlformats.org/drawingml/2006/main" xmlns:r="http://schemas.openxmlformats.org/officeDocument/2006/relationships" xmlns:p="http://schemas.openxmlformats.org/presentationml/2006/main">
   <p:cSld>
     <p:spTree>
@@ -5686,106 +5911,6 @@
 </p:sld>
 </file>
 
-<file path=ppt/slides/slide29.xml><?xml version="1.0" encoding="utf-8"?>
-<p:sld xmlns:a="http://schemas.openxmlformats.org/drawingml/2006/main" xmlns:r="http://schemas.openxmlformats.org/officeDocument/2006/relationships" xmlns:p="http://schemas.openxmlformats.org/presentationml/2006/main">
-  <p:cSld>
-    <p:spTree>
-      <p:nvGrpSpPr>
-        <p:cNvPr id="1" name=""/>
-        <p:cNvGrpSpPr/>
-        <p:nvPr/>
-      </p:nvGrpSpPr>
-      <p:grpSpPr/>
-      <p:sp>
-        <p:nvSpPr>
-          <p:cNvPr id="2" name="标题 1"/>
-          <p:cNvSpPr>
-            <a:spLocks noGrp="1"/>
-          </p:cNvSpPr>
-          <p:nvPr>
-            <p:ph type="title"/>
-          </p:nvPr>
-        </p:nvSpPr>
-        <p:spPr/>
-        <p:txBody>
-          <a:bodyPr/>
-          <a:p>
-            <a:r>
-              <a:rPr lang="en-US" altLang="zh-CN"/>
-              <a:t>Webpack</a:t>
-            </a:r>
-            <a:endParaRPr lang="en-US" altLang="zh-CN"/>
-          </a:p>
-        </p:txBody>
-      </p:sp>
-      <p:sp>
-        <p:nvSpPr>
-          <p:cNvPr id="3" name="内容占位符 2"/>
-          <p:cNvSpPr>
-            <a:spLocks noGrp="1"/>
-          </p:cNvSpPr>
-          <p:nvPr>
-            <p:ph idx="1"/>
-          </p:nvPr>
-        </p:nvSpPr>
-        <p:spPr/>
-        <p:txBody>
-          <a:bodyPr/>
-          <a:p>
-            <a:r>
-              <a:rPr lang="zh-CN" altLang="en-US"/>
-              <a:t>大多数团队在开发新项目时会采用紧跟时代的技术，这些技术几乎都会采用“模块化+新语言+新框架”，Webpack 可以为这些新项目提供一站式的解决方案；</a:t>
-            </a:r>
-            <a:endParaRPr lang="zh-CN" altLang="en-US"/>
-          </a:p>
-          <a:p>
-            <a:r>
-              <a:rPr lang="zh-CN" altLang="en-US"/>
-              <a:t>Webpack 有良好的生态链和</a:t>
-            </a:r>
-            <a:r>
-              <a:rPr lang="zh-CN" altLang="en-US">
-                <a:solidFill>
-                  <a:srgbClr val="FF0000"/>
-                </a:solidFill>
-              </a:rPr>
-              <a:t>维护团队</a:t>
-            </a:r>
-            <a:r>
-              <a:rPr lang="zh-CN" altLang="en-US"/>
-              <a:t>，能提供良好的开发体验和保证质量；</a:t>
-            </a:r>
-            <a:endParaRPr lang="zh-CN" altLang="en-US"/>
-          </a:p>
-          <a:p>
-            <a:r>
-              <a:rPr lang="zh-CN" altLang="en-US"/>
-              <a:t>Webpack 被全世界的大量 Web 开发者</a:t>
-            </a:r>
-            <a:r>
-              <a:rPr lang="zh-CN" altLang="en-US">
-                <a:solidFill>
-                  <a:srgbClr val="FF0000"/>
-                </a:solidFill>
-              </a:rPr>
-              <a:t>使用和验证</a:t>
-            </a:r>
-            <a:r>
-              <a:rPr lang="zh-CN" altLang="en-US"/>
-              <a:t>，能找到各个层面所需的教程和经验分享。</a:t>
-            </a:r>
-            <a:endParaRPr lang="zh-CN" altLang="en-US"/>
-          </a:p>
-        </p:txBody>
-      </p:sp>
-    </p:spTree>
-  </p:cSld>
-  <p:clrMapOvr>
-    <a:masterClrMapping/>
-  </p:clrMapOvr>
-</p:sld>
-</file>
-
 <file path=ppt/slides/slide3.xml><?xml version="1.0" encoding="utf-8"?>
 <p:sld xmlns:a="http://schemas.openxmlformats.org/drawingml/2006/main" xmlns:r="http://schemas.openxmlformats.org/officeDocument/2006/relationships" xmlns:p="http://schemas.openxmlformats.org/presentationml/2006/main">
   <p:cSld>
@@ -5810,10 +5935,9 @@
         <p:txBody>
           <a:bodyPr/>
           <a:p>
-            <a:pPr algn="ctr"/>
-            <a:r>
-              <a:rPr lang="zh-CN" altLang="en-US"/>
-              <a:t>传统网页（原始网页）</a:t>
+            <a:r>
+              <a:rPr lang="zh-CN" altLang="en-US"/>
+              <a:t>大纲</a:t>
             </a:r>
             <a:endParaRPr lang="zh-CN" altLang="en-US"/>
           </a:p>
@@ -5831,27 +5955,170 @@
         </p:nvSpPr>
         <p:spPr/>
         <p:txBody>
-          <a:bodyPr/>
-          <a:p>
+          <a:bodyPr>
+            <a:normAutofit fontScale="90000" lnSpcReduction="20000"/>
+          </a:bodyPr>
+          <a:p>
+            <a:r>
+              <a:rPr lang="zh-CN" altLang="en-US"/>
+              <a:t>一：为什么要用</a:t>
+            </a:r>
+            <a:r>
+              <a:rPr lang="zh-CN" altLang="en-US">
+                <a:sym typeface="+mn-ea"/>
+              </a:rPr>
+              <a:t>构建工具</a:t>
+            </a:r>
+            <a:r>
+              <a:rPr lang="zh-CN" altLang="en-US"/>
+              <a:t>？</a:t>
+            </a:r>
+            <a:endParaRPr lang="zh-CN" altLang="en-US"/>
+          </a:p>
+          <a:p>
+            <a:pPr lvl="1"/>
+            <a:r>
+              <a:rPr lang="zh-CN" altLang="en-US">
+                <a:sym typeface="+mn-ea"/>
+              </a:rPr>
+              <a:t>传统的网页结构</a:t>
+            </a:r>
+            <a:endParaRPr lang="en-US" altLang="zh-CN"/>
+          </a:p>
+          <a:p>
+            <a:pPr lvl="1"/>
+            <a:r>
+              <a:rPr lang="zh-CN" altLang="en-US">
+                <a:sym typeface="+mn-ea"/>
+              </a:rPr>
+              <a:t>新技术（模块化</a:t>
+            </a:r>
+            <a:r>
+              <a:rPr lang="en-US" altLang="zh-CN">
+                <a:sym typeface="+mn-ea"/>
+              </a:rPr>
+              <a:t>+</a:t>
+            </a:r>
+            <a:r>
+              <a:rPr lang="zh-CN" altLang="en-US">
+                <a:sym typeface="+mn-ea"/>
+              </a:rPr>
+              <a:t>新语言</a:t>
+            </a:r>
+            <a:r>
+              <a:rPr lang="en-US" altLang="zh-CN">
+                <a:sym typeface="+mn-ea"/>
+              </a:rPr>
+              <a:t>+</a:t>
+            </a:r>
+            <a:r>
+              <a:rPr lang="zh-CN" altLang="en-US">
+                <a:sym typeface="+mn-ea"/>
+              </a:rPr>
+              <a:t>框架）</a:t>
+            </a:r>
+            <a:endParaRPr lang="en-US" altLang="zh-CN"/>
+          </a:p>
+          <a:p>
+            <a:pPr lvl="1"/>
+            <a:endParaRPr lang="en-US" altLang="zh-CN"/>
+          </a:p>
+          <a:p>
+            <a:r>
+              <a:rPr lang="zh-CN" altLang="en-US">
+                <a:sym typeface="+mn-ea"/>
+              </a:rPr>
+              <a:t>二：构建工具</a:t>
+            </a:r>
+            <a:endParaRPr lang="zh-CN" altLang="en-US">
+              <a:sym typeface="+mn-ea"/>
+            </a:endParaRPr>
+          </a:p>
+          <a:p>
+            <a:pPr lvl="1"/>
+            <a:r>
+              <a:rPr lang="zh-CN" altLang="en-US">
+                <a:sym typeface="+mn-ea"/>
+              </a:rPr>
+              <a:t>有哪些？</a:t>
+            </a:r>
+            <a:endParaRPr lang="zh-CN" altLang="en-US">
+              <a:sym typeface="+mn-ea"/>
+            </a:endParaRPr>
+          </a:p>
+          <a:p>
+            <a:pPr lvl="1"/>
+            <a:r>
+              <a:rPr lang="zh-CN" altLang="en-US">
+                <a:sym typeface="+mn-ea"/>
+              </a:rPr>
+              <a:t>优缺点？</a:t>
+            </a:r>
+            <a:endParaRPr lang="zh-CN" altLang="en-US">
+              <a:sym typeface="+mn-ea"/>
+            </a:endParaRPr>
+          </a:p>
+          <a:p>
+            <a:pPr lvl="1"/>
+            <a:r>
+              <a:rPr lang="zh-CN" altLang="en-US">
+                <a:sym typeface="+mn-ea"/>
+              </a:rPr>
+              <a:t>为什么要用</a:t>
+            </a:r>
+            <a:r>
+              <a:rPr lang="en-US" altLang="zh-CN">
+                <a:sym typeface="+mn-ea"/>
+              </a:rPr>
+              <a:t>webpack</a:t>
+            </a:r>
+            <a:r>
+              <a:rPr lang="zh-CN" altLang="en-US">
+                <a:sym typeface="+mn-ea"/>
+              </a:rPr>
+              <a:t>？</a:t>
+            </a:r>
+            <a:endParaRPr lang="en-US" altLang="zh-CN"/>
+          </a:p>
+          <a:p>
+            <a:endParaRPr lang="en-US" altLang="zh-CN"/>
+          </a:p>
+          <a:p>
+            <a:r>
+              <a:rPr lang="zh-CN" altLang="en-US"/>
+              <a:t>三：</a:t>
+            </a:r>
             <a:r>
               <a:rPr lang="en-US" altLang="zh-CN"/>
-              <a:t>HTML</a:t>
-            </a:r>
-            <a:endParaRPr lang="en-US" altLang="zh-CN"/>
-          </a:p>
-          <a:p>
+              <a:t>webpack</a:t>
+            </a:r>
+            <a:r>
+              <a:rPr lang="zh-CN" altLang="en-US"/>
+              <a:t>的配置属性（很多很细，用到了去查就行。这里不讲）</a:t>
+            </a:r>
+            <a:endParaRPr lang="zh-CN" altLang="en-US"/>
+          </a:p>
+          <a:p>
+            <a:endParaRPr lang="zh-CN" altLang="en-US"/>
+          </a:p>
+          <a:p>
+            <a:r>
+              <a:rPr lang="zh-CN" altLang="en-US"/>
+              <a:t>四：联系实际工作（代理服务器，服务器打包（</a:t>
+            </a:r>
             <a:r>
               <a:rPr lang="en-US" altLang="zh-CN"/>
-              <a:t>CSS</a:t>
-            </a:r>
-            <a:endParaRPr lang="en-US" altLang="zh-CN"/>
-          </a:p>
-          <a:p>
-            <a:r>
-              <a:rPr lang="en-US" altLang="zh-CN"/>
-              <a:t>Javascript</a:t>
-            </a:r>
-            <a:endParaRPr lang="en-US" altLang="zh-CN"/>
+              <a:t>jenkins</a:t>
+            </a:r>
+            <a:r>
+              <a:rPr lang="zh-CN" altLang="en-US"/>
+              <a:t>结合</a:t>
+            </a:r>
+            <a:r>
+              <a:rPr lang="zh-CN" altLang="en-US"/>
+              <a:t>））</a:t>
+            </a:r>
+            <a:endParaRPr lang="zh-CN" altLang="en-US"/>
           </a:p>
         </p:txBody>
       </p:sp>
@@ -5887,7 +6154,11 @@
         <p:txBody>
           <a:bodyPr/>
           <a:p>
-            <a:endParaRPr lang="zh-CN" altLang="en-US"/>
+            <a:r>
+              <a:rPr lang="en-US" altLang="zh-CN"/>
+              <a:t>Webpack</a:t>
+            </a:r>
+            <a:endParaRPr lang="en-US" altLang="zh-CN"/>
           </a:p>
         </p:txBody>
       </p:sp>
@@ -5898,31 +6169,55 @@
             <a:spLocks noGrp="1"/>
           </p:cNvSpPr>
           <p:nvPr>
-            <p:ph sz="half" idx="1"/>
-          </p:nvPr>
-        </p:nvSpPr>
-        <p:spPr/>
-        <p:txBody>
-          <a:bodyPr/>
-          <a:p>
-            <a:endParaRPr lang="zh-CN" altLang="en-US"/>
-          </a:p>
-        </p:txBody>
-      </p:sp>
-      <p:sp>
-        <p:nvSpPr>
-          <p:cNvPr id="4" name="内容占位符 3"/>
-          <p:cNvSpPr>
-            <a:spLocks noGrp="1"/>
-          </p:cNvSpPr>
-          <p:nvPr>
-            <p:ph sz="half" idx="2"/>
-          </p:nvPr>
-        </p:nvSpPr>
-        <p:spPr/>
-        <p:txBody>
-          <a:bodyPr/>
-          <a:p>
+            <p:ph idx="1"/>
+          </p:nvPr>
+        </p:nvSpPr>
+        <p:spPr/>
+        <p:txBody>
+          <a:bodyPr/>
+          <a:p>
+            <a:r>
+              <a:rPr lang="zh-CN" altLang="en-US"/>
+              <a:t>大多数团队在开发新项目时会采用紧跟时代的技术，这些技术几乎都会采用“模块化+新语言+新框架”，Webpack 可以为这些新项目提供一站式的解决方案；</a:t>
+            </a:r>
+            <a:endParaRPr lang="zh-CN" altLang="en-US"/>
+          </a:p>
+          <a:p>
+            <a:r>
+              <a:rPr lang="zh-CN" altLang="en-US"/>
+              <a:t>Webpack 有良好的生态链和</a:t>
+            </a:r>
+            <a:r>
+              <a:rPr lang="zh-CN" altLang="en-US">
+                <a:solidFill>
+                  <a:srgbClr val="FF0000"/>
+                </a:solidFill>
+              </a:rPr>
+              <a:t>维护团队</a:t>
+            </a:r>
+            <a:r>
+              <a:rPr lang="zh-CN" altLang="en-US"/>
+              <a:t>，能提供良好的开发体验和保证质量；</a:t>
+            </a:r>
+            <a:endParaRPr lang="zh-CN" altLang="en-US"/>
+          </a:p>
+          <a:p>
+            <a:r>
+              <a:rPr lang="zh-CN" altLang="en-US"/>
+              <a:t>Webpack 被全世界的大量 Web 开发者</a:t>
+            </a:r>
+            <a:r>
+              <a:rPr lang="zh-CN" altLang="en-US">
+                <a:solidFill>
+                  <a:srgbClr val="FF0000"/>
+                </a:solidFill>
+              </a:rPr>
+              <a:t>使用和验证</a:t>
+            </a:r>
+            <a:r>
+              <a:rPr lang="zh-CN" altLang="en-US"/>
+              <a:t>，能找到各个层面所需的教程和经验分享。</a:t>
+            </a:r>
             <a:endParaRPr lang="zh-CN" altLang="en-US"/>
           </a:p>
         </p:txBody>
@@ -5955,10 +6250,629 @@
             <p:ph type="title"/>
           </p:nvPr>
         </p:nvSpPr>
-        <p:spPr/>
-        <p:txBody>
-          <a:bodyPr/>
-          <a:p>
+        <p:spPr>
+          <a:xfrm>
+            <a:off x="838200" y="365125"/>
+            <a:ext cx="10515600" cy="1325563"/>
+          </a:xfrm>
+        </p:spPr>
+        <p:txBody>
+          <a:bodyPr/>
+          <a:p>
+            <a:r>
+              <a:rPr lang="en-US" altLang="zh-CN"/>
+              <a:t>Webpack配</a:t>
+            </a:r>
+            <a:r>
+              <a:rPr lang="zh-CN" altLang="en-US"/>
+              <a:t>置</a:t>
+            </a:r>
+            <a:endParaRPr lang="zh-CN" altLang="en-US"/>
+          </a:p>
+        </p:txBody>
+      </p:sp>
+      <p:sp>
+        <p:nvSpPr>
+          <p:cNvPr id="3" name="内容占位符 2"/>
+          <p:cNvSpPr>
+            <a:spLocks noGrp="1"/>
+          </p:cNvSpPr>
+          <p:nvPr>
+            <p:ph sz="half" idx="1"/>
+          </p:nvPr>
+        </p:nvSpPr>
+        <p:spPr>
+          <a:xfrm>
+            <a:off x="838200" y="1825625"/>
+            <a:ext cx="10810240" cy="4351655"/>
+          </a:xfrm>
+        </p:spPr>
+        <p:txBody>
+          <a:bodyPr/>
+          <a:p>
+            <a:r>
+              <a:rPr lang="zh-CN" altLang="en-US"/>
+              <a:t>边看官网，边讲</a:t>
+            </a:r>
+            <a:endParaRPr lang="zh-CN" altLang="en-US"/>
+          </a:p>
+        </p:txBody>
+      </p:sp>
+    </p:spTree>
+  </p:cSld>
+  <p:clrMapOvr>
+    <a:masterClrMapping/>
+  </p:clrMapOvr>
+</p:sld>
+</file>
+
+<file path=ppt/slides/slide32.xml><?xml version="1.0" encoding="utf-8"?>
+<p:sld xmlns:a="http://schemas.openxmlformats.org/drawingml/2006/main" xmlns:r="http://schemas.openxmlformats.org/officeDocument/2006/relationships" xmlns:p="http://schemas.openxmlformats.org/presentationml/2006/main">
+  <p:cSld>
+    <p:spTree>
+      <p:nvGrpSpPr>
+        <p:cNvPr id="1" name=""/>
+        <p:cNvGrpSpPr/>
+        <p:nvPr/>
+      </p:nvGrpSpPr>
+      <p:grpSpPr/>
+      <p:sp>
+        <p:nvSpPr>
+          <p:cNvPr id="2" name="标题 1"/>
+          <p:cNvSpPr>
+            <a:spLocks noGrp="1"/>
+          </p:cNvSpPr>
+          <p:nvPr>
+            <p:ph type="title"/>
+          </p:nvPr>
+        </p:nvSpPr>
+        <p:spPr/>
+        <p:txBody>
+          <a:bodyPr/>
+          <a:p>
+            <a:r>
+              <a:rPr lang="zh-CN" altLang="en-US"/>
+              <a:t>entry</a:t>
+            </a:r>
+            <a:endParaRPr lang="zh-CN" altLang="en-US"/>
+          </a:p>
+        </p:txBody>
+      </p:sp>
+      <p:sp>
+        <p:nvSpPr>
+          <p:cNvPr id="3" name="内容占位符 2"/>
+          <p:cNvSpPr>
+            <a:spLocks noGrp="1"/>
+          </p:cNvSpPr>
+          <p:nvPr>
+            <p:ph sz="half" idx="1"/>
+          </p:nvPr>
+        </p:nvSpPr>
+        <p:spPr>
+          <a:xfrm>
+            <a:off x="838200" y="1825625"/>
+            <a:ext cx="10516235" cy="4351655"/>
+          </a:xfrm>
+        </p:spPr>
+        <p:txBody>
+          <a:bodyPr/>
+          <a:p>
+            <a:r>
+              <a:rPr lang="zh-CN" altLang="en-US"/>
+              <a:t>整个项目的入口文件</a:t>
+            </a:r>
+            <a:endParaRPr lang="zh-CN" altLang="en-US"/>
+          </a:p>
+          <a:p>
+            <a:r>
+              <a:rPr lang="zh-CN" altLang="en-US"/>
+              <a:t>遍历出里面所有的依赖</a:t>
+            </a:r>
+            <a:endParaRPr lang="zh-CN" altLang="en-US"/>
+          </a:p>
+          <a:p>
+            <a:r>
+              <a:rPr lang="zh-CN" altLang="en-US"/>
+              <a:t>可以有多个</a:t>
+            </a:r>
+            <a:r>
+              <a:rPr lang="en-US" altLang="zh-CN"/>
+              <a:t>entry</a:t>
+            </a:r>
+            <a:endParaRPr lang="en-US" altLang="zh-CN"/>
+          </a:p>
+          <a:p>
+            <a:r>
+              <a:rPr lang="zh-CN" altLang="en-US"/>
+              <a:t>我的经历：一般都用最简单的。</a:t>
+            </a:r>
+            <a:endParaRPr lang="zh-CN" altLang="en-US"/>
+          </a:p>
+        </p:txBody>
+      </p:sp>
+      <p:pic>
+        <p:nvPicPr>
+          <p:cNvPr id="5" name="图片 4" descr="2"/>
+          <p:cNvPicPr>
+            <a:picLocks noChangeAspect="1"/>
+          </p:cNvPicPr>
+          <p:nvPr/>
+        </p:nvPicPr>
+        <p:blipFill>
+          <a:blip r:embed="rId1"/>
+          <a:stretch>
+            <a:fillRect/>
+          </a:stretch>
+        </p:blipFill>
+        <p:spPr>
+          <a:xfrm>
+            <a:off x="838200" y="3804285"/>
+            <a:ext cx="6800850" cy="1247775"/>
+          </a:xfrm>
+          <a:prstGeom prst="rect">
+            <a:avLst/>
+          </a:prstGeom>
+        </p:spPr>
+      </p:pic>
+    </p:spTree>
+  </p:cSld>
+  <p:clrMapOvr>
+    <a:masterClrMapping/>
+  </p:clrMapOvr>
+</p:sld>
+</file>
+
+<file path=ppt/slides/slide33.xml><?xml version="1.0" encoding="utf-8"?>
+<p:sld xmlns:a="http://schemas.openxmlformats.org/drawingml/2006/main" xmlns:r="http://schemas.openxmlformats.org/officeDocument/2006/relationships" xmlns:p="http://schemas.openxmlformats.org/presentationml/2006/main">
+  <p:cSld>
+    <p:spTree>
+      <p:nvGrpSpPr>
+        <p:cNvPr id="1" name=""/>
+        <p:cNvGrpSpPr/>
+        <p:nvPr/>
+      </p:nvGrpSpPr>
+      <p:grpSpPr/>
+      <p:sp>
+        <p:nvSpPr>
+          <p:cNvPr id="2" name="标题 1"/>
+          <p:cNvSpPr>
+            <a:spLocks noGrp="1"/>
+          </p:cNvSpPr>
+          <p:nvPr>
+            <p:ph type="title"/>
+          </p:nvPr>
+        </p:nvSpPr>
+        <p:spPr/>
+        <p:txBody>
+          <a:bodyPr/>
+          <a:p>
+            <a:r>
+              <a:rPr lang="zh-CN" altLang="en-US"/>
+              <a:t>输出(output)</a:t>
+            </a:r>
+            <a:endParaRPr lang="zh-CN" altLang="en-US"/>
+          </a:p>
+        </p:txBody>
+      </p:sp>
+      <p:sp>
+        <p:nvSpPr>
+          <p:cNvPr id="3" name="内容占位符 2"/>
+          <p:cNvSpPr>
+            <a:spLocks noGrp="1"/>
+          </p:cNvSpPr>
+          <p:nvPr>
+            <p:ph sz="half" idx="1"/>
+          </p:nvPr>
+        </p:nvSpPr>
+        <p:spPr>
+          <a:xfrm>
+            <a:off x="838200" y="1825625"/>
+            <a:ext cx="10516235" cy="4351655"/>
+          </a:xfrm>
+        </p:spPr>
+        <p:txBody>
+          <a:bodyPr/>
+          <a:p>
+            <a:r>
+              <a:rPr lang="zh-CN" altLang="en-US"/>
+              <a:t>可以通过配置 output 选项，告知 webpack 如何向硬盘写入编译文件。注意，即使可以存在多个 entry 起点，但只能指定一个 output 配置。</a:t>
+            </a:r>
+            <a:endParaRPr lang="zh-CN" altLang="en-US"/>
+          </a:p>
+          <a:p>
+            <a:r>
+              <a:rPr lang="zh-CN" altLang="en-US"/>
+              <a:t>我的经验：没有什么特别改动的地方。</a:t>
+            </a:r>
+            <a:endParaRPr lang="zh-CN" altLang="en-US"/>
+          </a:p>
+        </p:txBody>
+      </p:sp>
+      <p:pic>
+        <p:nvPicPr>
+          <p:cNvPr id="5" name="图片 4" descr="3"/>
+          <p:cNvPicPr>
+            <a:picLocks noChangeAspect="1"/>
+          </p:cNvPicPr>
+          <p:nvPr/>
+        </p:nvPicPr>
+        <p:blipFill>
+          <a:blip r:embed="rId1"/>
+          <a:stretch>
+            <a:fillRect/>
+          </a:stretch>
+        </p:blipFill>
+        <p:spPr>
+          <a:xfrm>
+            <a:off x="838200" y="3881755"/>
+            <a:ext cx="6686550" cy="2295525"/>
+          </a:xfrm>
+          <a:prstGeom prst="rect">
+            <a:avLst/>
+          </a:prstGeom>
+        </p:spPr>
+      </p:pic>
+    </p:spTree>
+  </p:cSld>
+  <p:clrMapOvr>
+    <a:masterClrMapping/>
+  </p:clrMapOvr>
+</p:sld>
+</file>
+
+<file path=ppt/slides/slide34.xml><?xml version="1.0" encoding="utf-8"?>
+<p:sld xmlns:a="http://schemas.openxmlformats.org/drawingml/2006/main" xmlns:r="http://schemas.openxmlformats.org/officeDocument/2006/relationships" xmlns:p="http://schemas.openxmlformats.org/presentationml/2006/main">
+  <p:cSld>
+    <p:spTree>
+      <p:nvGrpSpPr>
+        <p:cNvPr id="1" name=""/>
+        <p:cNvGrpSpPr/>
+        <p:nvPr/>
+      </p:nvGrpSpPr>
+      <p:grpSpPr/>
+      <p:sp>
+        <p:nvSpPr>
+          <p:cNvPr id="2" name="标题 1"/>
+          <p:cNvSpPr>
+            <a:spLocks noGrp="1"/>
+          </p:cNvSpPr>
+          <p:nvPr>
+            <p:ph type="title"/>
+          </p:nvPr>
+        </p:nvSpPr>
+        <p:spPr/>
+        <p:txBody>
+          <a:bodyPr/>
+          <a:p>
+            <a:r>
+              <a:rPr lang="zh-CN" altLang="en-US"/>
+              <a:t>loader</a:t>
+            </a:r>
+            <a:endParaRPr lang="zh-CN" altLang="en-US"/>
+          </a:p>
+        </p:txBody>
+      </p:sp>
+      <p:sp>
+        <p:nvSpPr>
+          <p:cNvPr id="3" name="内容占位符 2"/>
+          <p:cNvSpPr>
+            <a:spLocks noGrp="1"/>
+          </p:cNvSpPr>
+          <p:nvPr>
+            <p:ph sz="half" idx="1"/>
+          </p:nvPr>
+        </p:nvSpPr>
+        <p:spPr>
+          <a:xfrm>
+            <a:off x="838200" y="1825625"/>
+            <a:ext cx="10515600" cy="4351655"/>
+          </a:xfrm>
+        </p:spPr>
+        <p:txBody>
+          <a:bodyPr/>
+          <a:p>
+            <a:r>
+              <a:rPr lang="zh-CN" altLang="en-US"/>
+              <a:t>loader 用于对模块的</a:t>
+            </a:r>
+            <a:r>
+              <a:rPr lang="zh-CN" altLang="en-US">
+                <a:solidFill>
+                  <a:srgbClr val="FF0000"/>
+                </a:solidFill>
+              </a:rPr>
+              <a:t>源代码进行转换</a:t>
+            </a:r>
+            <a:r>
+              <a:rPr lang="zh-CN" altLang="en-US">
+                <a:solidFill>
+                  <a:schemeClr val="accent1"/>
+                </a:solidFill>
+              </a:rPr>
+              <a:t>（如</a:t>
+            </a:r>
+            <a:r>
+              <a:rPr lang="en-US" altLang="zh-CN">
+                <a:solidFill>
+                  <a:schemeClr val="accent1"/>
+                </a:solidFill>
+              </a:rPr>
+              <a:t>scss</a:t>
+            </a:r>
+            <a:r>
+              <a:rPr lang="zh-CN" altLang="en-US">
+                <a:solidFill>
+                  <a:schemeClr val="accent1"/>
+                </a:solidFill>
+              </a:rPr>
+              <a:t>转</a:t>
+            </a:r>
+            <a:r>
+              <a:rPr lang="en-US" altLang="zh-CN">
+                <a:solidFill>
+                  <a:schemeClr val="accent1"/>
+                </a:solidFill>
+              </a:rPr>
+              <a:t>css</a:t>
+            </a:r>
+            <a:r>
+              <a:rPr lang="zh-CN" altLang="en-US">
+                <a:solidFill>
+                  <a:schemeClr val="accent1"/>
+                </a:solidFill>
+              </a:rPr>
+              <a:t>需要</a:t>
+            </a:r>
+            <a:r>
+              <a:rPr lang="en-US" altLang="zh-CN">
+                <a:solidFill>
+                  <a:schemeClr val="accent1"/>
+                </a:solidFill>
+              </a:rPr>
+              <a:t>style-loader,es6</a:t>
+            </a:r>
+            <a:r>
+              <a:rPr lang="zh-CN" altLang="en-US">
+                <a:solidFill>
+                  <a:schemeClr val="accent1"/>
+                </a:solidFill>
+              </a:rPr>
+              <a:t>转</a:t>
+            </a:r>
+            <a:r>
+              <a:rPr lang="en-US" altLang="zh-CN">
+                <a:solidFill>
+                  <a:schemeClr val="accent1"/>
+                </a:solidFill>
+              </a:rPr>
+              <a:t>es5</a:t>
+            </a:r>
+            <a:r>
+              <a:rPr lang="zh-CN" altLang="en-US">
+                <a:solidFill>
+                  <a:schemeClr val="accent1"/>
+                </a:solidFill>
+              </a:rPr>
+              <a:t>要</a:t>
+            </a:r>
+            <a:r>
+              <a:rPr lang="en-US" altLang="zh-CN">
+                <a:solidFill>
+                  <a:schemeClr val="accent1"/>
+                </a:solidFill>
+              </a:rPr>
+              <a:t>babel</a:t>
+            </a:r>
+            <a:r>
+              <a:rPr lang="zh-CN" altLang="en-US">
+                <a:solidFill>
+                  <a:schemeClr val="accent1"/>
+                </a:solidFill>
+              </a:rPr>
+              <a:t>）</a:t>
+            </a:r>
+            <a:r>
+              <a:rPr lang="zh-CN" altLang="en-US"/>
+              <a:t>。loader 可以使你在 import 或 "load(加载)" 模块时</a:t>
+            </a:r>
+            <a:r>
+              <a:rPr lang="zh-CN" altLang="en-US">
+                <a:solidFill>
+                  <a:srgbClr val="FF0000"/>
+                </a:solidFill>
+              </a:rPr>
+              <a:t>预处理文件</a:t>
+            </a:r>
+            <a:r>
+              <a:rPr lang="zh-CN" altLang="en-US"/>
+              <a:t>。</a:t>
+            </a:r>
+            <a:endParaRPr lang="zh-CN" altLang="en-US"/>
+          </a:p>
+          <a:p>
+            <a:r>
+              <a:rPr lang="zh-CN" altLang="en-US"/>
+              <a:t>这个地方就让很多前端扩展的技术</a:t>
+            </a:r>
+            <a:r>
+              <a:rPr lang="zh-CN" altLang="en-US">
+                <a:solidFill>
+                  <a:srgbClr val="FF0000"/>
+                </a:solidFill>
+              </a:rPr>
+              <a:t>编译</a:t>
+            </a:r>
+            <a:r>
+              <a:rPr lang="zh-CN" altLang="en-US"/>
+              <a:t>成浏览器读得懂的语言。</a:t>
+            </a:r>
+            <a:endParaRPr lang="zh-CN" altLang="en-US"/>
+          </a:p>
+        </p:txBody>
+      </p:sp>
+      <p:pic>
+        <p:nvPicPr>
+          <p:cNvPr id="5" name="图片 4" descr="4"/>
+          <p:cNvPicPr>
+            <a:picLocks noChangeAspect="1"/>
+          </p:cNvPicPr>
+          <p:nvPr/>
+        </p:nvPicPr>
+        <p:blipFill>
+          <a:blip r:embed="rId1"/>
+          <a:stretch>
+            <a:fillRect/>
+          </a:stretch>
+        </p:blipFill>
+        <p:spPr>
+          <a:xfrm>
+            <a:off x="838200" y="3581400"/>
+            <a:ext cx="4256405" cy="2907665"/>
+          </a:xfrm>
+          <a:prstGeom prst="rect">
+            <a:avLst/>
+          </a:prstGeom>
+        </p:spPr>
+      </p:pic>
+    </p:spTree>
+  </p:cSld>
+  <p:clrMapOvr>
+    <a:masterClrMapping/>
+  </p:clrMapOvr>
+</p:sld>
+</file>
+
+<file path=ppt/slides/slide35.xml><?xml version="1.0" encoding="utf-8"?>
+<p:sld xmlns:a="http://schemas.openxmlformats.org/drawingml/2006/main" xmlns:r="http://schemas.openxmlformats.org/officeDocument/2006/relationships" xmlns:p="http://schemas.openxmlformats.org/presentationml/2006/main">
+  <p:cSld>
+    <p:spTree>
+      <p:nvGrpSpPr>
+        <p:cNvPr id="1" name=""/>
+        <p:cNvGrpSpPr/>
+        <p:nvPr/>
+      </p:nvGrpSpPr>
+      <p:grpSpPr/>
+      <p:sp>
+        <p:nvSpPr>
+          <p:cNvPr id="2" name="标题 1"/>
+          <p:cNvSpPr>
+            <a:spLocks noGrp="1"/>
+          </p:cNvSpPr>
+          <p:nvPr>
+            <p:ph type="title"/>
+          </p:nvPr>
+        </p:nvSpPr>
+        <p:spPr/>
+        <p:txBody>
+          <a:bodyPr/>
+          <a:p>
+            <a:r>
+              <a:rPr lang="zh-CN" altLang="en-US"/>
+              <a:t>plugin</a:t>
+            </a:r>
+            <a:endParaRPr lang="zh-CN" altLang="en-US"/>
+          </a:p>
+        </p:txBody>
+      </p:sp>
+      <p:sp>
+        <p:nvSpPr>
+          <p:cNvPr id="3" name="内容占位符 2"/>
+          <p:cNvSpPr>
+            <a:spLocks noGrp="1"/>
+          </p:cNvSpPr>
+          <p:nvPr>
+            <p:ph sz="half" idx="1"/>
+          </p:nvPr>
+        </p:nvSpPr>
+        <p:spPr>
+          <a:xfrm>
+            <a:off x="838200" y="1825625"/>
+            <a:ext cx="10515600" cy="4351655"/>
+          </a:xfrm>
+        </p:spPr>
+        <p:txBody>
+          <a:bodyPr/>
+          <a:p>
+            <a:r>
+              <a:rPr lang="zh-CN" altLang="en-US"/>
+              <a:t>插件目的在于解决 loader 无法实现的其他事。</a:t>
+            </a:r>
+            <a:endParaRPr lang="zh-CN" altLang="en-US"/>
+          </a:p>
+          <a:p>
+            <a:endParaRPr lang="zh-CN" altLang="en-US"/>
+          </a:p>
+          <a:p>
+            <a:endParaRPr lang="zh-CN" altLang="en-US"/>
+          </a:p>
+        </p:txBody>
+      </p:sp>
+      <p:pic>
+        <p:nvPicPr>
+          <p:cNvPr id="5" name="图片 4" descr="5"/>
+          <p:cNvPicPr>
+            <a:picLocks noChangeAspect="1"/>
+          </p:cNvPicPr>
+          <p:nvPr/>
+        </p:nvPicPr>
+        <p:blipFill>
+          <a:blip r:embed="rId1"/>
+          <a:stretch>
+            <a:fillRect/>
+          </a:stretch>
+        </p:blipFill>
+        <p:spPr>
+          <a:xfrm>
+            <a:off x="838200" y="2383155"/>
+            <a:ext cx="4645660" cy="3315970"/>
+          </a:xfrm>
+          <a:prstGeom prst="rect">
+            <a:avLst/>
+          </a:prstGeom>
+        </p:spPr>
+      </p:pic>
+    </p:spTree>
+  </p:cSld>
+  <p:clrMapOvr>
+    <a:masterClrMapping/>
+  </p:clrMapOvr>
+</p:sld>
+</file>
+
+<file path=ppt/slides/slide36.xml><?xml version="1.0" encoding="utf-8"?>
+<p:sld xmlns:a="http://schemas.openxmlformats.org/drawingml/2006/main" xmlns:r="http://schemas.openxmlformats.org/officeDocument/2006/relationships" xmlns:p="http://schemas.openxmlformats.org/presentationml/2006/main">
+  <p:cSld>
+    <p:spTree>
+      <p:nvGrpSpPr>
+        <p:cNvPr id="1" name=""/>
+        <p:cNvGrpSpPr/>
+        <p:nvPr/>
+      </p:nvGrpSpPr>
+      <p:grpSpPr/>
+      <p:sp>
+        <p:nvSpPr>
+          <p:cNvPr id="2" name="标题 1"/>
+          <p:cNvSpPr>
+            <a:spLocks noGrp="1"/>
+          </p:cNvSpPr>
+          <p:nvPr>
+            <p:ph type="title"/>
+          </p:nvPr>
+        </p:nvSpPr>
+        <p:spPr/>
+        <p:txBody>
+          <a:bodyPr>
+            <a:normAutofit/>
+          </a:bodyPr>
+          <a:p>
+            <a:r>
+              <a:rPr lang="en-US" altLang="zh-CN"/>
+              <a:t>webpack</a:t>
+            </a:r>
+            <a:r>
+              <a:rPr lang="zh-CN" altLang="en-US"/>
+              <a:t>最后的打包</a:t>
+            </a:r>
             <a:endParaRPr lang="zh-CN" altLang="en-US"/>
           </a:p>
         </p:txBody>
@@ -6002,6 +6916,60 @@
               <a:t>DEBUG.</a:t>
             </a:r>
             <a:endParaRPr lang="en-US" altLang="zh-CN"/>
+          </a:p>
+        </p:txBody>
+      </p:sp>
+    </p:spTree>
+  </p:cSld>
+  <p:clrMapOvr>
+    <a:masterClrMapping/>
+  </p:clrMapOvr>
+</p:sld>
+</file>
+
+<file path=ppt/slides/slide37.xml><?xml version="1.0" encoding="utf-8"?>
+<p:sld xmlns:a="http://schemas.openxmlformats.org/drawingml/2006/main" xmlns:r="http://schemas.openxmlformats.org/officeDocument/2006/relationships" xmlns:p="http://schemas.openxmlformats.org/presentationml/2006/main">
+  <p:cSld>
+    <p:spTree>
+      <p:nvGrpSpPr>
+        <p:cNvPr id="1" name=""/>
+        <p:cNvGrpSpPr/>
+        <p:nvPr/>
+      </p:nvGrpSpPr>
+      <p:grpSpPr/>
+      <p:sp>
+        <p:nvSpPr>
+          <p:cNvPr id="2" name="标题 1"/>
+          <p:cNvSpPr>
+            <a:spLocks noGrp="1"/>
+          </p:cNvSpPr>
+          <p:nvPr>
+            <p:ph type="title"/>
+          </p:nvPr>
+        </p:nvSpPr>
+        <p:spPr/>
+        <p:txBody>
+          <a:bodyPr/>
+          <a:p>
+            <a:endParaRPr lang="zh-CN" altLang="en-US"/>
+          </a:p>
+        </p:txBody>
+      </p:sp>
+      <p:sp>
+        <p:nvSpPr>
+          <p:cNvPr id="3" name="内容占位符 2"/>
+          <p:cNvSpPr>
+            <a:spLocks noGrp="1"/>
+          </p:cNvSpPr>
+          <p:nvPr>
+            <p:ph idx="1"/>
+          </p:nvPr>
+        </p:nvSpPr>
+        <p:spPr/>
+        <p:txBody>
+          <a:bodyPr/>
+          <a:p>
+            <a:endParaRPr lang="zh-CN" altLang="en-US"/>
           </a:p>
         </p:txBody>
       </p:sp>
@@ -6014,6 +6982,83 @@
 </file>
 
 <file path=ppt/slides/slide4.xml><?xml version="1.0" encoding="utf-8"?>
+<p:sld xmlns:a="http://schemas.openxmlformats.org/drawingml/2006/main" xmlns:r="http://schemas.openxmlformats.org/officeDocument/2006/relationships" xmlns:p="http://schemas.openxmlformats.org/presentationml/2006/main">
+  <p:cSld>
+    <p:spTree>
+      <p:nvGrpSpPr>
+        <p:cNvPr id="1" name=""/>
+        <p:cNvGrpSpPr/>
+        <p:nvPr/>
+      </p:nvGrpSpPr>
+      <p:grpSpPr/>
+      <p:sp>
+        <p:nvSpPr>
+          <p:cNvPr id="2" name="标题 1"/>
+          <p:cNvSpPr>
+            <a:spLocks noGrp="1"/>
+          </p:cNvSpPr>
+          <p:nvPr>
+            <p:ph type="title"/>
+          </p:nvPr>
+        </p:nvSpPr>
+        <p:spPr/>
+        <p:txBody>
+          <a:bodyPr/>
+          <a:p>
+            <a:pPr algn="ctr"/>
+            <a:r>
+              <a:rPr lang="zh-CN" altLang="en-US"/>
+              <a:t>传统网页（原始网页）</a:t>
+            </a:r>
+            <a:endParaRPr lang="zh-CN" altLang="en-US"/>
+          </a:p>
+        </p:txBody>
+      </p:sp>
+      <p:sp>
+        <p:nvSpPr>
+          <p:cNvPr id="3" name="内容占位符 2"/>
+          <p:cNvSpPr>
+            <a:spLocks noGrp="1"/>
+          </p:cNvSpPr>
+          <p:nvPr>
+            <p:ph idx="1"/>
+          </p:nvPr>
+        </p:nvSpPr>
+        <p:spPr/>
+        <p:txBody>
+          <a:bodyPr/>
+          <a:p>
+            <a:r>
+              <a:rPr lang="en-US" altLang="zh-CN"/>
+              <a:t>HTML</a:t>
+            </a:r>
+            <a:endParaRPr lang="en-US" altLang="zh-CN"/>
+          </a:p>
+          <a:p>
+            <a:r>
+              <a:rPr lang="en-US" altLang="zh-CN"/>
+              <a:t>CSS</a:t>
+            </a:r>
+            <a:endParaRPr lang="en-US" altLang="zh-CN"/>
+          </a:p>
+          <a:p>
+            <a:r>
+              <a:rPr lang="en-US" altLang="zh-CN"/>
+              <a:t>Javascript</a:t>
+            </a:r>
+            <a:endParaRPr lang="en-US" altLang="zh-CN"/>
+          </a:p>
+        </p:txBody>
+      </p:sp>
+    </p:spTree>
+  </p:cSld>
+  <p:clrMapOvr>
+    <a:masterClrMapping/>
+  </p:clrMapOvr>
+</p:sld>
+</file>
+
+<file path=ppt/slides/slide5.xml><?xml version="1.0" encoding="utf-8"?>
 <p:sld xmlns:a="http://schemas.openxmlformats.org/drawingml/2006/main" xmlns:r="http://schemas.openxmlformats.org/officeDocument/2006/relationships" xmlns:p="http://schemas.openxmlformats.org/presentationml/2006/main">
   <p:cSld>
     <p:spTree>
@@ -6583,7 +7628,7 @@
 </p:sld>
 </file>
 
-<file path=ppt/slides/slide5.xml><?xml version="1.0" encoding="utf-8"?>
+<file path=ppt/slides/slide6.xml><?xml version="1.0" encoding="utf-8"?>
 <p:sld xmlns:a="http://schemas.openxmlformats.org/drawingml/2006/main" xmlns:r="http://schemas.openxmlformats.org/officeDocument/2006/relationships" xmlns:p="http://schemas.openxmlformats.org/presentationml/2006/main">
   <p:cSld>
     <p:spTree>
@@ -6649,7 +7694,7 @@
 </p:sld>
 </file>
 
-<file path=ppt/slides/slide6.xml><?xml version="1.0" encoding="utf-8"?>
+<file path=ppt/slides/slide7.xml><?xml version="1.0" encoding="utf-8"?>
 <p:sld xmlns:a="http://schemas.openxmlformats.org/drawingml/2006/main" xmlns:r="http://schemas.openxmlformats.org/officeDocument/2006/relationships" xmlns:p="http://schemas.openxmlformats.org/presentationml/2006/main">
   <p:cSld>
     <p:spTree>
@@ -6721,7 +7766,7 @@
 </p:sld>
 </file>
 
-<file path=ppt/slides/slide7.xml><?xml version="1.0" encoding="utf-8"?>
+<file path=ppt/slides/slide8.xml><?xml version="1.0" encoding="utf-8"?>
 <p:sld xmlns:a="http://schemas.openxmlformats.org/drawingml/2006/main" xmlns:r="http://schemas.openxmlformats.org/officeDocument/2006/relationships" xmlns:p="http://schemas.openxmlformats.org/presentationml/2006/main">
   <p:cSld>
     <p:bg>
@@ -6753,7 +7798,7 @@
           <a:p>
             <a:r>
               <a:rPr lang="zh-CN" altLang="en-US"/>
-              <a:t>依赖关系</a:t>
+              <a:t>期望的依赖关系</a:t>
             </a:r>
             <a:endParaRPr lang="zh-CN" altLang="en-US"/>
           </a:p>
@@ -6809,7 +7854,7 @@
 </p:sld>
 </file>
 
-<file path=ppt/slides/slide8.xml><?xml version="1.0" encoding="utf-8"?>
+<file path=ppt/slides/slide9.xml><?xml version="1.0" encoding="utf-8"?>
 <p:sld xmlns:a="http://schemas.openxmlformats.org/drawingml/2006/main" xmlns:r="http://schemas.openxmlformats.org/officeDocument/2006/relationships" xmlns:p="http://schemas.openxmlformats.org/presentationml/2006/main">
   <p:cSld>
     <p:spTree>
@@ -7039,72 +8084,6 @@
           <a:xfrm>
             <a:off x="6172200" y="2788285"/>
             <a:ext cx="5448300" cy="800100"/>
-          </a:xfrm>
-          <a:prstGeom prst="rect">
-            <a:avLst/>
-          </a:prstGeom>
-        </p:spPr>
-      </p:pic>
-    </p:spTree>
-  </p:cSld>
-  <p:clrMapOvr>
-    <a:masterClrMapping/>
-  </p:clrMapOvr>
-</p:sld>
-</file>
-
-<file path=ppt/slides/slide9.xml><?xml version="1.0" encoding="utf-8"?>
-<p:sld xmlns:a="http://schemas.openxmlformats.org/drawingml/2006/main" xmlns:r="http://schemas.openxmlformats.org/officeDocument/2006/relationships" xmlns:p="http://schemas.openxmlformats.org/presentationml/2006/main">
-  <p:cSld>
-    <p:spTree>
-      <p:nvGrpSpPr>
-        <p:cNvPr id="1" name=""/>
-        <p:cNvGrpSpPr/>
-        <p:nvPr/>
-      </p:nvGrpSpPr>
-      <p:grpSpPr/>
-      <p:sp>
-        <p:nvSpPr>
-          <p:cNvPr id="2" name="标题 1"/>
-          <p:cNvSpPr>
-            <a:spLocks noGrp="1"/>
-          </p:cNvSpPr>
-          <p:nvPr>
-            <p:ph type="title"/>
-          </p:nvPr>
-        </p:nvSpPr>
-        <p:spPr/>
-        <p:txBody>
-          <a:bodyPr/>
-          <a:p>
-            <a:r>
-              <a:rPr lang="zh-CN" altLang="en-US"/>
-              <a:t>传统文件依赖（官网示范）</a:t>
-            </a:r>
-            <a:endParaRPr lang="zh-CN" altLang="en-US"/>
-          </a:p>
-        </p:txBody>
-      </p:sp>
-      <p:pic>
-        <p:nvPicPr>
-          <p:cNvPr id="4" name="内容占位符 3" descr="bootstrap依赖"/>
-          <p:cNvPicPr>
-            <a:picLocks noChangeAspect="1"/>
-          </p:cNvPicPr>
-          <p:nvPr>
-            <p:ph idx="1"/>
-          </p:nvPr>
-        </p:nvPicPr>
-        <p:blipFill>
-          <a:blip r:embed="rId1"/>
-          <a:stretch>
-            <a:fillRect/>
-          </a:stretch>
-        </p:blipFill>
-        <p:spPr>
-          <a:xfrm>
-            <a:off x="1471295" y="1981835"/>
-            <a:ext cx="9248775" cy="4038600"/>
           </a:xfrm>
           <a:prstGeom prst="rect">
             <a:avLst/>
